--- a/Work-Life Balance and Engagement Analysis.pptx
+++ b/Work-Life Balance and Engagement Analysis.pptx
@@ -2,7 +2,7 @@
 <file path=ppt/presentation.xml><?xml version="1.0" encoding="utf-8"?>
 <p:presentation xmlns:a="http://schemas.openxmlformats.org/drawingml/2006/main" xmlns:r="http://schemas.openxmlformats.org/officeDocument/2006/relationships" xmlns:p="http://schemas.openxmlformats.org/presentationml/2006/main" saveSubsetFonts="1">
   <p:sldMasterIdLst>
-    <p:sldMasterId id="2147483756" r:id="rId1"/>
+    <p:sldMasterId id="2147483774" r:id="rId1"/>
   </p:sldMasterIdLst>
   <p:sldIdLst>
     <p:sldId id="256" r:id="rId2"/>
@@ -130,326 +130,563 @@
           <a:chExt cx="0" cy="0"/>
         </a:xfrm>
       </p:grpSpPr>
-      <p:pic>
-        <p:nvPicPr>
-          <p:cNvPr id="7" name="Picture 6" descr="Brickwork-HD-R1a.jpg"/>
-          <p:cNvPicPr>
-            <a:picLocks noChangeAspect="1"/>
-          </p:cNvPicPr>
+      <p:grpSp>
+        <p:nvGrpSpPr>
+          <p:cNvPr id="7" name="Group 6"/>
+          <p:cNvGrpSpPr/>
           <p:nvPr/>
-        </p:nvPicPr>
-        <p:blipFill>
-          <a:blip r:embed="rId2">
-            <a:extLst>
-              <a:ext uri="{28A0092B-C50C-407E-A947-70E740481C1C}">
-                <a14:useLocalDpi xmlns:a14="http://schemas.microsoft.com/office/drawing/2010/main" val="0"/>
-              </a:ext>
-            </a:extLst>
-          </a:blip>
-          <a:stretch>
-            <a:fillRect/>
-          </a:stretch>
-        </p:blipFill>
+        </p:nvGrpSpPr>
+        <p:grpSpPr>
+          <a:xfrm>
+            <a:off x="0" y="-8467"/>
+            <a:ext cx="12192000" cy="6866467"/>
+            <a:chOff x="0" y="-8467"/>
+            <a:chExt cx="12192000" cy="6866467"/>
+          </a:xfrm>
+        </p:grpSpPr>
+        <p:cxnSp>
+          <p:nvCxnSpPr>
+            <p:cNvPr id="32" name="Straight Connector 31"/>
+            <p:cNvCxnSpPr/>
+            <p:nvPr/>
+          </p:nvCxnSpPr>
+          <p:spPr>
+            <a:xfrm>
+              <a:off x="9371012" y="0"/>
+              <a:ext cx="1219200" cy="6858000"/>
+            </a:xfrm>
+            <a:prstGeom prst="line">
+              <a:avLst/>
+            </a:prstGeom>
+            <a:ln w="9525">
+              <a:solidFill>
+                <a:schemeClr val="bg1">
+                  <a:lumMod val="75000"/>
+                </a:schemeClr>
+              </a:solidFill>
+            </a:ln>
+          </p:spPr>
+          <p:style>
+            <a:lnRef idx="2">
+              <a:schemeClr val="accent1"/>
+            </a:lnRef>
+            <a:fillRef idx="0">
+              <a:schemeClr val="accent1"/>
+            </a:fillRef>
+            <a:effectRef idx="1">
+              <a:schemeClr val="accent1"/>
+            </a:effectRef>
+            <a:fontRef idx="minor">
+              <a:schemeClr val="tx1"/>
+            </a:fontRef>
+          </p:style>
+        </p:cxnSp>
+        <p:cxnSp>
+          <p:nvCxnSpPr>
+            <p:cNvPr id="21" name="Straight Connector 20"/>
+            <p:cNvCxnSpPr/>
+            <p:nvPr/>
+          </p:nvCxnSpPr>
+          <p:spPr>
+            <a:xfrm flipH="1">
+              <a:off x="7425267" y="3681413"/>
+              <a:ext cx="4763558" cy="3176587"/>
+            </a:xfrm>
+            <a:prstGeom prst="line">
+              <a:avLst/>
+            </a:prstGeom>
+            <a:ln w="9525">
+              <a:solidFill>
+                <a:schemeClr val="bg1">
+                  <a:lumMod val="85000"/>
+                </a:schemeClr>
+              </a:solidFill>
+            </a:ln>
+          </p:spPr>
+          <p:style>
+            <a:lnRef idx="2">
+              <a:schemeClr val="accent1"/>
+            </a:lnRef>
+            <a:fillRef idx="0">
+              <a:schemeClr val="accent1"/>
+            </a:fillRef>
+            <a:effectRef idx="1">
+              <a:schemeClr val="accent1"/>
+            </a:effectRef>
+            <a:fontRef idx="minor">
+              <a:schemeClr val="tx1"/>
+            </a:fontRef>
+          </p:style>
+        </p:cxnSp>
+        <p:sp>
+          <p:nvSpPr>
+            <p:cNvPr id="24" name="Rectangle 23"/>
+            <p:cNvSpPr/>
+            <p:nvPr/>
+          </p:nvSpPr>
+          <p:spPr>
+            <a:xfrm>
+              <a:off x="9181476" y="-8467"/>
+              <a:ext cx="3007349" cy="6866467"/>
+            </a:xfrm>
+            <a:custGeom>
+              <a:avLst/>
+              <a:gdLst/>
+              <a:ahLst/>
+              <a:cxnLst/>
+              <a:rect l="l" t="t" r="r" b="b"/>
+              <a:pathLst>
+                <a:path w="3007349" h="6866467">
+                  <a:moveTo>
+                    <a:pt x="2045532" y="0"/>
+                  </a:moveTo>
+                  <a:lnTo>
+                    <a:pt x="3007349" y="0"/>
+                  </a:lnTo>
+                  <a:lnTo>
+                    <a:pt x="3007349" y="6866467"/>
+                  </a:lnTo>
+                  <a:lnTo>
+                    <a:pt x="0" y="6866467"/>
+                  </a:lnTo>
+                  <a:lnTo>
+                    <a:pt x="2045532" y="0"/>
+                  </a:lnTo>
+                  <a:close/>
+                </a:path>
+              </a:pathLst>
+            </a:custGeom>
+            <a:solidFill>
+              <a:schemeClr val="accent1">
+                <a:alpha val="30000"/>
+              </a:schemeClr>
+            </a:solidFill>
+            <a:ln>
+              <a:noFill/>
+            </a:ln>
+            <a:effectLst/>
+          </p:spPr>
+          <p:style>
+            <a:lnRef idx="1">
+              <a:schemeClr val="accent1"/>
+            </a:lnRef>
+            <a:fillRef idx="3">
+              <a:schemeClr val="accent1"/>
+            </a:fillRef>
+            <a:effectRef idx="2">
+              <a:schemeClr val="accent1"/>
+            </a:effectRef>
+            <a:fontRef idx="minor">
+              <a:schemeClr val="lt1"/>
+            </a:fontRef>
+          </p:style>
+        </p:sp>
+        <p:sp>
+          <p:nvSpPr>
+            <p:cNvPr id="26" name="Rectangle 25"/>
+            <p:cNvSpPr/>
+            <p:nvPr/>
+          </p:nvSpPr>
+          <p:spPr>
+            <a:xfrm>
+              <a:off x="9603442" y="-8467"/>
+              <a:ext cx="2588558" cy="6866467"/>
+            </a:xfrm>
+            <a:custGeom>
+              <a:avLst/>
+              <a:gdLst/>
+              <a:ahLst/>
+              <a:cxnLst/>
+              <a:rect l="l" t="t" r="r" b="b"/>
+              <a:pathLst>
+                <a:path w="2573311" h="6866467">
+                  <a:moveTo>
+                    <a:pt x="0" y="0"/>
+                  </a:moveTo>
+                  <a:lnTo>
+                    <a:pt x="2573311" y="0"/>
+                  </a:lnTo>
+                  <a:lnTo>
+                    <a:pt x="2573311" y="6866467"/>
+                  </a:lnTo>
+                  <a:lnTo>
+                    <a:pt x="1202336" y="6866467"/>
+                  </a:lnTo>
+                  <a:lnTo>
+                    <a:pt x="0" y="0"/>
+                  </a:lnTo>
+                  <a:close/>
+                </a:path>
+              </a:pathLst>
+            </a:custGeom>
+            <a:solidFill>
+              <a:schemeClr val="accent1">
+                <a:alpha val="20000"/>
+              </a:schemeClr>
+            </a:solidFill>
+            <a:ln>
+              <a:noFill/>
+            </a:ln>
+            <a:effectLst/>
+          </p:spPr>
+          <p:style>
+            <a:lnRef idx="1">
+              <a:schemeClr val="accent1"/>
+            </a:lnRef>
+            <a:fillRef idx="3">
+              <a:schemeClr val="accent1"/>
+            </a:fillRef>
+            <a:effectRef idx="2">
+              <a:schemeClr val="accent1"/>
+            </a:effectRef>
+            <a:fontRef idx="minor">
+              <a:schemeClr val="lt1"/>
+            </a:fontRef>
+          </p:style>
+        </p:sp>
+        <p:sp>
+          <p:nvSpPr>
+            <p:cNvPr id="27" name="Isosceles Triangle 26"/>
+            <p:cNvSpPr/>
+            <p:nvPr/>
+          </p:nvSpPr>
+          <p:spPr>
+            <a:xfrm>
+              <a:off x="8932333" y="3048000"/>
+              <a:ext cx="3259667" cy="3810000"/>
+            </a:xfrm>
+            <a:prstGeom prst="triangle">
+              <a:avLst>
+                <a:gd name="adj" fmla="val 100000"/>
+              </a:avLst>
+            </a:prstGeom>
+            <a:solidFill>
+              <a:schemeClr val="accent2">
+                <a:alpha val="72000"/>
+              </a:schemeClr>
+            </a:solidFill>
+            <a:ln>
+              <a:noFill/>
+            </a:ln>
+            <a:effectLst/>
+          </p:spPr>
+          <p:style>
+            <a:lnRef idx="1">
+              <a:schemeClr val="accent1"/>
+            </a:lnRef>
+            <a:fillRef idx="3">
+              <a:schemeClr val="accent1"/>
+            </a:fillRef>
+            <a:effectRef idx="2">
+              <a:schemeClr val="accent1"/>
+            </a:effectRef>
+            <a:fontRef idx="minor">
+              <a:schemeClr val="lt1"/>
+            </a:fontRef>
+          </p:style>
+        </p:sp>
+        <p:sp>
+          <p:nvSpPr>
+            <p:cNvPr id="28" name="Rectangle 27"/>
+            <p:cNvSpPr/>
+            <p:nvPr/>
+          </p:nvSpPr>
+          <p:spPr>
+            <a:xfrm>
+              <a:off x="9334500" y="-8467"/>
+              <a:ext cx="2854326" cy="6866467"/>
+            </a:xfrm>
+            <a:custGeom>
+              <a:avLst/>
+              <a:gdLst/>
+              <a:ahLst/>
+              <a:cxnLst/>
+              <a:rect l="l" t="t" r="r" b="b"/>
+              <a:pathLst>
+                <a:path w="2858013" h="6866467">
+                  <a:moveTo>
+                    <a:pt x="0" y="0"/>
+                  </a:moveTo>
+                  <a:lnTo>
+                    <a:pt x="2858013" y="0"/>
+                  </a:lnTo>
+                  <a:lnTo>
+                    <a:pt x="2858013" y="6866467"/>
+                  </a:lnTo>
+                  <a:lnTo>
+                    <a:pt x="2473942" y="6866467"/>
+                  </a:lnTo>
+                  <a:lnTo>
+                    <a:pt x="0" y="0"/>
+                  </a:lnTo>
+                  <a:close/>
+                </a:path>
+              </a:pathLst>
+            </a:custGeom>
+            <a:solidFill>
+              <a:schemeClr val="accent2">
+                <a:lumMod val="75000"/>
+                <a:alpha val="70000"/>
+              </a:schemeClr>
+            </a:solidFill>
+            <a:ln>
+              <a:noFill/>
+            </a:ln>
+            <a:effectLst/>
+          </p:spPr>
+          <p:style>
+            <a:lnRef idx="1">
+              <a:schemeClr val="accent1"/>
+            </a:lnRef>
+            <a:fillRef idx="3">
+              <a:schemeClr val="accent1"/>
+            </a:fillRef>
+            <a:effectRef idx="2">
+              <a:schemeClr val="accent1"/>
+            </a:effectRef>
+            <a:fontRef idx="minor">
+              <a:schemeClr val="lt1"/>
+            </a:fontRef>
+          </p:style>
+        </p:sp>
+        <p:sp>
+          <p:nvSpPr>
+            <p:cNvPr id="29" name="Rectangle 28"/>
+            <p:cNvSpPr/>
+            <p:nvPr/>
+          </p:nvSpPr>
+          <p:spPr>
+            <a:xfrm>
+              <a:off x="10898730" y="-8467"/>
+              <a:ext cx="1290094" cy="6866467"/>
+            </a:xfrm>
+            <a:custGeom>
+              <a:avLst/>
+              <a:gdLst/>
+              <a:ahLst/>
+              <a:cxnLst/>
+              <a:rect l="l" t="t" r="r" b="b"/>
+              <a:pathLst>
+                <a:path w="1290094" h="6858000">
+                  <a:moveTo>
+                    <a:pt x="1019735" y="0"/>
+                  </a:moveTo>
+                  <a:lnTo>
+                    <a:pt x="1290094" y="0"/>
+                  </a:lnTo>
+                  <a:lnTo>
+                    <a:pt x="1290094" y="6858000"/>
+                  </a:lnTo>
+                  <a:lnTo>
+                    <a:pt x="0" y="6858000"/>
+                  </a:lnTo>
+                  <a:lnTo>
+                    <a:pt x="1019735" y="0"/>
+                  </a:lnTo>
+                  <a:close/>
+                </a:path>
+              </a:pathLst>
+            </a:custGeom>
+            <a:solidFill>
+              <a:schemeClr val="accent1">
+                <a:lumMod val="60000"/>
+                <a:lumOff val="40000"/>
+                <a:alpha val="70000"/>
+              </a:schemeClr>
+            </a:solidFill>
+            <a:ln>
+              <a:noFill/>
+            </a:ln>
+            <a:effectLst/>
+          </p:spPr>
+          <p:style>
+            <a:lnRef idx="1">
+              <a:schemeClr val="accent1"/>
+            </a:lnRef>
+            <a:fillRef idx="3">
+              <a:schemeClr val="accent1"/>
+            </a:fillRef>
+            <a:effectRef idx="2">
+              <a:schemeClr val="accent1"/>
+            </a:effectRef>
+            <a:fontRef idx="minor">
+              <a:schemeClr val="lt1"/>
+            </a:fontRef>
+          </p:style>
+        </p:sp>
+        <p:sp>
+          <p:nvSpPr>
+            <p:cNvPr id="30" name="Rectangle 29"/>
+            <p:cNvSpPr/>
+            <p:nvPr/>
+          </p:nvSpPr>
+          <p:spPr>
+            <a:xfrm>
+              <a:off x="10938999" y="-8467"/>
+              <a:ext cx="1249825" cy="6866467"/>
+            </a:xfrm>
+            <a:custGeom>
+              <a:avLst/>
+              <a:gdLst/>
+              <a:ahLst/>
+              <a:cxnLst/>
+              <a:rect l="l" t="t" r="r" b="b"/>
+              <a:pathLst>
+                <a:path w="1249825" h="6858000">
+                  <a:moveTo>
+                    <a:pt x="0" y="0"/>
+                  </a:moveTo>
+                  <a:lnTo>
+                    <a:pt x="1249825" y="0"/>
+                  </a:lnTo>
+                  <a:lnTo>
+                    <a:pt x="1249825" y="6858000"/>
+                  </a:lnTo>
+                  <a:lnTo>
+                    <a:pt x="1109382" y="6858000"/>
+                  </a:lnTo>
+                  <a:lnTo>
+                    <a:pt x="0" y="0"/>
+                  </a:lnTo>
+                  <a:close/>
+                </a:path>
+              </a:pathLst>
+            </a:custGeom>
+            <a:solidFill>
+              <a:schemeClr val="accent1">
+                <a:alpha val="65000"/>
+              </a:schemeClr>
+            </a:solidFill>
+            <a:ln>
+              <a:noFill/>
+            </a:ln>
+            <a:effectLst/>
+          </p:spPr>
+          <p:style>
+            <a:lnRef idx="1">
+              <a:schemeClr val="accent1"/>
+            </a:lnRef>
+            <a:fillRef idx="3">
+              <a:schemeClr val="accent1"/>
+            </a:fillRef>
+            <a:effectRef idx="2">
+              <a:schemeClr val="accent1"/>
+            </a:effectRef>
+            <a:fontRef idx="minor">
+              <a:schemeClr val="lt1"/>
+            </a:fontRef>
+          </p:style>
+        </p:sp>
+        <p:sp>
+          <p:nvSpPr>
+            <p:cNvPr id="31" name="Isosceles Triangle 30"/>
+            <p:cNvSpPr/>
+            <p:nvPr/>
+          </p:nvSpPr>
+          <p:spPr>
+            <a:xfrm>
+              <a:off x="10371666" y="3589867"/>
+              <a:ext cx="1817159" cy="3268133"/>
+            </a:xfrm>
+            <a:prstGeom prst="triangle">
+              <a:avLst>
+                <a:gd name="adj" fmla="val 100000"/>
+              </a:avLst>
+            </a:prstGeom>
+            <a:solidFill>
+              <a:schemeClr val="accent1">
+                <a:alpha val="80000"/>
+              </a:schemeClr>
+            </a:solidFill>
+            <a:ln>
+              <a:noFill/>
+            </a:ln>
+            <a:effectLst/>
+          </p:spPr>
+          <p:style>
+            <a:lnRef idx="1">
+              <a:schemeClr val="accent1"/>
+            </a:lnRef>
+            <a:fillRef idx="3">
+              <a:schemeClr val="accent1"/>
+            </a:fillRef>
+            <a:effectRef idx="2">
+              <a:schemeClr val="accent1"/>
+            </a:effectRef>
+            <a:fontRef idx="minor">
+              <a:schemeClr val="lt1"/>
+            </a:fontRef>
+          </p:style>
+        </p:sp>
+        <p:sp>
+          <p:nvSpPr>
+            <p:cNvPr id="19" name="Isosceles Triangle 18"/>
+            <p:cNvSpPr/>
+            <p:nvPr/>
+          </p:nvSpPr>
+          <p:spPr>
+            <a:xfrm rot="10800000">
+              <a:off x="0" y="0"/>
+              <a:ext cx="842596" cy="5666154"/>
+            </a:xfrm>
+            <a:prstGeom prst="triangle">
+              <a:avLst>
+                <a:gd name="adj" fmla="val 100000"/>
+              </a:avLst>
+            </a:prstGeom>
+            <a:solidFill>
+              <a:schemeClr val="accent1">
+                <a:alpha val="85000"/>
+              </a:schemeClr>
+            </a:solidFill>
+            <a:ln>
+              <a:noFill/>
+            </a:ln>
+            <a:effectLst/>
+          </p:spPr>
+          <p:style>
+            <a:lnRef idx="1">
+              <a:schemeClr val="accent1"/>
+            </a:lnRef>
+            <a:fillRef idx="3">
+              <a:schemeClr val="accent1"/>
+            </a:fillRef>
+            <a:effectRef idx="2">
+              <a:schemeClr val="accent1"/>
+            </a:effectRef>
+            <a:fontRef idx="minor">
+              <a:schemeClr val="lt1"/>
+            </a:fontRef>
+          </p:style>
+        </p:sp>
+      </p:grpSp>
+      <p:sp>
+        <p:nvSpPr>
+          <p:cNvPr id="2" name="Title 1"/>
+          <p:cNvSpPr>
+            <a:spLocks noGrp="1"/>
+          </p:cNvSpPr>
+          <p:nvPr>
+            <p:ph type="ctrTitle"/>
+          </p:nvPr>
+        </p:nvSpPr>
         <p:spPr>
           <a:xfrm>
-            <a:off x="0" y="0"/>
-            <a:ext cx="12192000" cy="6858000"/>
-          </a:xfrm>
-          <a:prstGeom prst="rect">
-            <a:avLst/>
-          </a:prstGeom>
-        </p:spPr>
-      </p:pic>
-      <p:sp useBgFill="1">
-        <p:nvSpPr>
-          <p:cNvPr id="12" name="Freeform 11"/>
-          <p:cNvSpPr/>
-          <p:nvPr/>
-        </p:nvSpPr>
-        <p:spPr>
-          <a:xfrm>
-            <a:off x="-15875" y="0"/>
-            <a:ext cx="11683810" cy="6588125"/>
-          </a:xfrm>
-          <a:custGeom>
-            <a:avLst/>
-            <a:gdLst/>
-            <a:ahLst/>
-            <a:cxnLst/>
-            <a:rect l="l" t="t" r="r" b="b"/>
-            <a:pathLst>
-              <a:path w="11683810" h="6588125">
-                <a:moveTo>
-                  <a:pt x="0" y="0"/>
-                </a:moveTo>
-                <a:lnTo>
-                  <a:pt x="11318691" y="0"/>
-                </a:lnTo>
-                <a:lnTo>
-                  <a:pt x="11683810" y="5976938"/>
-                </a:lnTo>
-                <a:lnTo>
-                  <a:pt x="15875" y="6588125"/>
-                </a:lnTo>
-                <a:cubicBezTo>
-                  <a:pt x="10583" y="4386792"/>
-                  <a:pt x="5292" y="2185458"/>
-                  <a:pt x="0" y="0"/>
-                </a:cubicBezTo>
-                <a:close/>
-              </a:path>
-            </a:pathLst>
-          </a:custGeom>
-          <a:ln>
-            <a:noFill/>
-          </a:ln>
-          <a:effectLst>
-            <a:outerShdw blurRad="101600" dist="152400" dir="4380000" algn="tl" rotWithShape="0">
-              <a:srgbClr val="000000">
-                <a:alpha val="43000"/>
-              </a:srgbClr>
-            </a:outerShdw>
-          </a:effectLst>
-        </p:spPr>
-        <p:style>
-          <a:lnRef idx="1">
-            <a:schemeClr val="accent1"/>
-          </a:lnRef>
-          <a:fillRef idx="3">
-            <a:schemeClr val="accent1"/>
-          </a:fillRef>
-          <a:effectRef idx="2">
-            <a:schemeClr val="accent1"/>
-          </a:effectRef>
-          <a:fontRef idx="minor">
-            <a:schemeClr val="lt1"/>
-          </a:fontRef>
-        </p:style>
-      </p:sp>
-      <p:sp>
-        <p:nvSpPr>
-          <p:cNvPr id="14" name="Freeform 13"/>
-          <p:cNvSpPr/>
-          <p:nvPr/>
-        </p:nvSpPr>
-        <p:spPr>
-          <a:xfrm>
-            <a:off x="0" y="4282257"/>
-            <a:ext cx="11329257" cy="2028845"/>
-          </a:xfrm>
-          <a:custGeom>
-            <a:avLst/>
-            <a:gdLst/>
-            <a:ahLst/>
-            <a:cxnLst/>
-            <a:rect l="l" t="t" r="r" b="b"/>
-            <a:pathLst>
-              <a:path w="11329257" h="2028845">
-                <a:moveTo>
-                  <a:pt x="0" y="588520"/>
-                </a:moveTo>
-                <a:lnTo>
-                  <a:pt x="11244075" y="0"/>
-                </a:lnTo>
-                <a:lnTo>
-                  <a:pt x="11329257" y="1424838"/>
-                </a:lnTo>
-                <a:lnTo>
-                  <a:pt x="0" y="2028845"/>
-                </a:lnTo>
-                <a:lnTo>
-                  <a:pt x="0" y="588520"/>
-                </a:lnTo>
-                <a:close/>
-              </a:path>
-            </a:pathLst>
-          </a:custGeom>
-          <a:gradFill flip="none" rotWithShape="1">
-            <a:gsLst>
-              <a:gs pos="34000">
-                <a:schemeClr val="accent1"/>
-              </a:gs>
-              <a:gs pos="100000">
-                <a:schemeClr val="accent1">
-                  <a:lumMod val="50000"/>
-                </a:schemeClr>
-              </a:gs>
-            </a:gsLst>
-            <a:path path="circle">
-              <a:fillToRect l="50000" t="50000" r="50000" b="50000"/>
-            </a:path>
-            <a:tileRect/>
-          </a:gradFill>
-          <a:ln>
-            <a:noFill/>
-          </a:ln>
-        </p:spPr>
-        <p:style>
-          <a:lnRef idx="1">
-            <a:schemeClr val="accent1"/>
-          </a:lnRef>
-          <a:fillRef idx="3">
-            <a:schemeClr val="accent1"/>
-          </a:fillRef>
-          <a:effectRef idx="2">
-            <a:schemeClr val="accent1"/>
-          </a:effectRef>
-          <a:fontRef idx="minor">
-            <a:schemeClr val="lt1"/>
-          </a:fontRef>
-        </p:style>
-      </p:sp>
-      <p:sp>
-        <p:nvSpPr>
-          <p:cNvPr id="26" name="Freeform 25"/>
-          <p:cNvSpPr/>
-          <p:nvPr/>
-        </p:nvSpPr>
-        <p:spPr>
-          <a:xfrm>
-            <a:off x="0" y="0"/>
-            <a:ext cx="8719579" cy="456877"/>
-          </a:xfrm>
-          <a:custGeom>
-            <a:avLst/>
-            <a:gdLst/>
-            <a:ahLst/>
-            <a:cxnLst/>
-            <a:rect l="l" t="t" r="r" b="b"/>
-            <a:pathLst>
-              <a:path w="8719579" h="456877">
-                <a:moveTo>
-                  <a:pt x="0" y="0"/>
-                </a:moveTo>
-                <a:lnTo>
-                  <a:pt x="8719579" y="0"/>
-                </a:lnTo>
-                <a:lnTo>
-                  <a:pt x="0" y="456877"/>
-                </a:lnTo>
-                <a:lnTo>
-                  <a:pt x="0" y="0"/>
-                </a:lnTo>
-                <a:close/>
-              </a:path>
-            </a:pathLst>
-          </a:custGeom>
-          <a:gradFill flip="none" rotWithShape="1">
-            <a:gsLst>
-              <a:gs pos="34000">
-                <a:schemeClr val="accent1"/>
-              </a:gs>
-              <a:gs pos="100000">
-                <a:schemeClr val="accent1">
-                  <a:lumMod val="50000"/>
-                </a:schemeClr>
-              </a:gs>
-            </a:gsLst>
-            <a:path path="circle">
-              <a:fillToRect l="50000" t="50000" r="50000" b="50000"/>
-            </a:path>
-            <a:tileRect/>
-          </a:gradFill>
-          <a:ln>
-            <a:noFill/>
-          </a:ln>
-        </p:spPr>
-        <p:style>
-          <a:lnRef idx="1">
-            <a:schemeClr val="accent1"/>
-          </a:lnRef>
-          <a:fillRef idx="3">
-            <a:schemeClr val="accent1"/>
-          </a:fillRef>
-          <a:effectRef idx="2">
-            <a:schemeClr val="accent1"/>
-          </a:effectRef>
-          <a:fontRef idx="minor">
-            <a:schemeClr val="lt1"/>
-          </a:fontRef>
-        </p:style>
-      </p:sp>
-      <p:sp>
-        <p:nvSpPr>
-          <p:cNvPr id="15" name="Freeform 14"/>
-          <p:cNvSpPr/>
-          <p:nvPr/>
-        </p:nvSpPr>
-        <p:spPr>
-          <a:xfrm rot="21420000">
-            <a:off x="-161800" y="293317"/>
-            <a:ext cx="11367116" cy="5751804"/>
-          </a:xfrm>
-          <a:custGeom>
-            <a:avLst/>
-            <a:gdLst/>
-            <a:ahLst/>
-            <a:cxnLst/>
-            <a:rect l="l" t="t" r="r" b="b"/>
-            <a:pathLst>
-              <a:path w="11367116" h="5751804">
-                <a:moveTo>
-                  <a:pt x="11346705" y="0"/>
-                </a:moveTo>
-                <a:cubicBezTo>
-                  <a:pt x="11353509" y="1915114"/>
-                  <a:pt x="11360312" y="3830229"/>
-                  <a:pt x="11367116" y="5745343"/>
-                </a:cubicBezTo>
-                <a:lnTo>
-                  <a:pt x="0" y="5751804"/>
-                </a:lnTo>
-              </a:path>
-            </a:pathLst>
-          </a:custGeom>
-          <a:ln w="82550">
-            <a:solidFill>
-              <a:schemeClr val="tx1">
-                <a:lumMod val="50000"/>
-                <a:lumOff val="50000"/>
-              </a:schemeClr>
-            </a:solidFill>
-            <a:miter lim="800000"/>
-          </a:ln>
-        </p:spPr>
-        <p:style>
-          <a:lnRef idx="2">
-            <a:schemeClr val="accent1"/>
-          </a:lnRef>
-          <a:fillRef idx="0">
-            <a:schemeClr val="accent1"/>
-          </a:fillRef>
-          <a:effectRef idx="1">
-            <a:schemeClr val="accent1"/>
-          </a:effectRef>
-          <a:fontRef idx="minor">
-            <a:schemeClr val="tx1"/>
-          </a:fontRef>
-        </p:style>
-      </p:sp>
-      <p:sp>
-        <p:nvSpPr>
-          <p:cNvPr id="2" name="Title 1"/>
-          <p:cNvSpPr>
-            <a:spLocks noGrp="1"/>
-          </p:cNvSpPr>
-          <p:nvPr>
-            <p:ph type="ctrTitle"/>
-          </p:nvPr>
-        </p:nvSpPr>
-        <p:spPr>
-          <a:xfrm rot="21420000">
-            <a:off x="891201" y="662656"/>
-            <a:ext cx="9755187" cy="2766528"/>
+            <a:off x="1507067" y="2404534"/>
+            <a:ext cx="7766936" cy="1646302"/>
           </a:xfrm>
         </p:spPr>
         <p:txBody>
           <a:bodyPr anchor="b">
-            <a:normAutofit/>
+            <a:noAutofit/>
           </a:bodyPr>
           <a:lstStyle>
             <a:lvl1pPr algn="r">
-              <a:defRPr sz="8000"/>
+              <a:defRPr sz="5400">
+                <a:solidFill>
+                  <a:schemeClr val="accent1"/>
+                </a:solidFill>
+              </a:defRPr>
             </a:lvl1pPr>
           </a:lstStyle>
           <a:p>
@@ -472,57 +709,104 @@
           </p:nvPr>
         </p:nvSpPr>
         <p:spPr>
-          <a:xfrm rot="21420000">
-            <a:off x="983062" y="3505209"/>
-            <a:ext cx="9755187" cy="550333"/>
+          <a:xfrm>
+            <a:off x="1507067" y="4050833"/>
+            <a:ext cx="7766936" cy="1096899"/>
           </a:xfrm>
         </p:spPr>
         <p:txBody>
-          <a:bodyPr anchor="t">
-            <a:noAutofit/>
-          </a:bodyPr>
+          <a:bodyPr anchor="t"/>
           <a:lstStyle>
             <a:lvl1pPr marL="0" indent="0" algn="r">
               <a:buNone/>
-              <a:defRPr sz="2800">
-                <a:solidFill>
-                  <a:schemeClr val="bg1">
+              <a:defRPr>
+                <a:solidFill>
+                  <a:schemeClr val="tx1">
                     <a:lumMod val="50000"/>
+                    <a:lumOff val="50000"/>
                   </a:schemeClr>
                 </a:solidFill>
               </a:defRPr>
             </a:lvl1pPr>
             <a:lvl2pPr marL="457200" indent="0" algn="ctr">
               <a:buNone/>
-              <a:defRPr sz="2000"/>
+              <a:defRPr>
+                <a:solidFill>
+                  <a:schemeClr val="tx1">
+                    <a:tint val="75000"/>
+                  </a:schemeClr>
+                </a:solidFill>
+              </a:defRPr>
             </a:lvl2pPr>
             <a:lvl3pPr marL="914400" indent="0" algn="ctr">
               <a:buNone/>
-              <a:defRPr sz="1800"/>
+              <a:defRPr>
+                <a:solidFill>
+                  <a:schemeClr val="tx1">
+                    <a:tint val="75000"/>
+                  </a:schemeClr>
+                </a:solidFill>
+              </a:defRPr>
             </a:lvl3pPr>
             <a:lvl4pPr marL="1371600" indent="0" algn="ctr">
               <a:buNone/>
-              <a:defRPr sz="1600"/>
+              <a:defRPr>
+                <a:solidFill>
+                  <a:schemeClr val="tx1">
+                    <a:tint val="75000"/>
+                  </a:schemeClr>
+                </a:solidFill>
+              </a:defRPr>
             </a:lvl4pPr>
             <a:lvl5pPr marL="1828800" indent="0" algn="ctr">
               <a:buNone/>
-              <a:defRPr sz="1600"/>
+              <a:defRPr>
+                <a:solidFill>
+                  <a:schemeClr val="tx1">
+                    <a:tint val="75000"/>
+                  </a:schemeClr>
+                </a:solidFill>
+              </a:defRPr>
             </a:lvl5pPr>
             <a:lvl6pPr marL="2286000" indent="0" algn="ctr">
               <a:buNone/>
-              <a:defRPr sz="1600"/>
+              <a:defRPr>
+                <a:solidFill>
+                  <a:schemeClr val="tx1">
+                    <a:tint val="75000"/>
+                  </a:schemeClr>
+                </a:solidFill>
+              </a:defRPr>
             </a:lvl6pPr>
             <a:lvl7pPr marL="2743200" indent="0" algn="ctr">
               <a:buNone/>
-              <a:defRPr sz="1600"/>
+              <a:defRPr>
+                <a:solidFill>
+                  <a:schemeClr val="tx1">
+                    <a:tint val="75000"/>
+                  </a:schemeClr>
+                </a:solidFill>
+              </a:defRPr>
             </a:lvl7pPr>
             <a:lvl8pPr marL="3200400" indent="0" algn="ctr">
               <a:buNone/>
-              <a:defRPr sz="1600"/>
+              <a:defRPr>
+                <a:solidFill>
+                  <a:schemeClr val="tx1">
+                    <a:tint val="75000"/>
+                  </a:schemeClr>
+                </a:solidFill>
+              </a:defRPr>
             </a:lvl8pPr>
             <a:lvl9pPr marL="3657600" indent="0" algn="ctr">
               <a:buNone/>
-              <a:defRPr sz="1600"/>
+              <a:defRPr>
+                <a:solidFill>
+                  <a:schemeClr val="tx1">
+                    <a:tint val="75000"/>
+                  </a:schemeClr>
+                </a:solidFill>
+              </a:defRPr>
             </a:lvl9pPr>
           </a:lstStyle>
           <a:p>
@@ -544,25 +828,10 @@
             <p:ph type="dt" sz="half" idx="10"/>
           </p:nvPr>
         </p:nvSpPr>
-        <p:spPr>
-          <a:xfrm rot="21420000">
-            <a:off x="4948541" y="4578463"/>
-            <a:ext cx="6143653" cy="1163112"/>
-          </a:xfrm>
-        </p:spPr>
+        <p:spPr/>
         <p:txBody>
           <a:bodyPr/>
-          <a:lstStyle>
-            <a:lvl1pPr algn="ctr">
-              <a:defRPr sz="5400">
-                <a:solidFill>
-                  <a:schemeClr val="accent1">
-                    <a:lumMod val="50000"/>
-                  </a:schemeClr>
-                </a:solidFill>
-              </a:defRPr>
-            </a:lvl1pPr>
-          </a:lstStyle>
+          <a:lstStyle/>
           <a:p>
             <a:fld id="{33A6E825-A205-432D-964F-B81524EC8876}" type="datetimeFigureOut">
               <a:rPr lang="en-IN" smtClean="0"/>
@@ -582,19 +851,10 @@
             <p:ph type="ftr" sz="quarter" idx="11"/>
           </p:nvPr>
         </p:nvSpPr>
-        <p:spPr>
-          <a:xfrm rot="21420000">
-            <a:off x="-5560" y="4883024"/>
-            <a:ext cx="4047239" cy="1195538"/>
-          </a:xfrm>
-        </p:spPr>
-        <p:txBody>
-          <a:bodyPr vert="horz" lIns="91440" tIns="45720" rIns="91440" bIns="45720" rtlCol="0" anchor="ctr"/>
-          <a:lstStyle>
-            <a:lvl1pPr algn="r">
-              <a:defRPr lang="en-US" sz="5400" dirty="0"/>
-            </a:lvl1pPr>
-          </a:lstStyle>
+        <p:spPr/>
+        <p:txBody>
+          <a:bodyPr/>
+          <a:lstStyle/>
           <a:p>
             <a:endParaRPr lang="en-IN"/>
           </a:p>
@@ -610,26 +870,10 @@
             <p:ph type="sldNum" sz="quarter" idx="12"/>
           </p:nvPr>
         </p:nvSpPr>
-        <p:spPr>
-          <a:xfrm rot="21420000">
-            <a:off x="9851758" y="3832648"/>
-            <a:ext cx="907186" cy="498470"/>
-          </a:xfrm>
-        </p:spPr>
+        <p:spPr/>
         <p:txBody>
           <a:bodyPr/>
-          <a:lstStyle>
-            <a:lvl1pPr>
-              <a:defRPr sz="2400">
-                <a:solidFill>
-                  <a:schemeClr val="tx1">
-                    <a:lumMod val="75000"/>
-                    <a:lumOff val="25000"/>
-                  </a:schemeClr>
-                </a:solidFill>
-              </a:defRPr>
-            </a:lvl1pPr>
-          </a:lstStyle>
+          <a:lstStyle/>
           <a:p>
             <a:fld id="{DC21A46E-B1AF-49BB-A150-989300576F63}" type="slidenum">
               <a:rPr lang="en-IN" smtClean="0"/>
@@ -639,52 +883,10 @@
           </a:p>
         </p:txBody>
       </p:sp>
-      <p:sp>
-        <p:nvSpPr>
-          <p:cNvPr id="25" name="5-Point Star 24"/>
-          <p:cNvSpPr/>
-          <p:nvPr/>
-        </p:nvSpPr>
-        <p:spPr>
-          <a:xfrm rot="21420000">
-            <a:off x="4221385" y="5111356"/>
-            <a:ext cx="515386" cy="515386"/>
-          </a:xfrm>
-          <a:prstGeom prst="star5">
-            <a:avLst>
-              <a:gd name="adj" fmla="val 26693"/>
-              <a:gd name="hf" fmla="val 105146"/>
-              <a:gd name="vf" fmla="val 110557"/>
-            </a:avLst>
-          </a:prstGeom>
-          <a:solidFill>
-            <a:schemeClr val="tx1">
-              <a:alpha val="40000"/>
-            </a:schemeClr>
-          </a:solidFill>
-          <a:ln>
-            <a:noFill/>
-          </a:ln>
-        </p:spPr>
-        <p:style>
-          <a:lnRef idx="1">
-            <a:schemeClr val="accent1"/>
-          </a:lnRef>
-          <a:fillRef idx="3">
-            <a:schemeClr val="accent1"/>
-          </a:fillRef>
-          <a:effectRef idx="2">
-            <a:schemeClr val="accent1"/>
-          </a:effectRef>
-          <a:fontRef idx="minor">
-            <a:schemeClr val="lt1"/>
-          </a:fontRef>
-        </p:style>
-      </p:sp>
     </p:spTree>
     <p:extLst>
       <p:ext uri="{BB962C8B-B14F-4D97-AF65-F5344CB8AC3E}">
-        <p14:creationId xmlns:p14="http://schemas.microsoft.com/office/powerpoint/2010/main" val="845186448"/>
+        <p14:creationId xmlns:p14="http://schemas.microsoft.com/office/powerpoint/2010/main" val="3057016037"/>
       </p:ext>
     </p:extLst>
   </p:cSld>
@@ -695,271 +897,6 @@
 </file>
 
 <file path=ppt/slideLayouts/slideLayout10.xml><?xml version="1.0" encoding="utf-8"?>
-<p:sldLayout xmlns:a="http://schemas.openxmlformats.org/drawingml/2006/main" xmlns:r="http://schemas.openxmlformats.org/officeDocument/2006/relationships" xmlns:p="http://schemas.openxmlformats.org/presentationml/2006/main" preserve="1">
-  <p:cSld name="Panoramic Picture with Caption">
-    <p:spTree>
-      <p:nvGrpSpPr>
-        <p:cNvPr id="1" name=""/>
-        <p:cNvGrpSpPr/>
-        <p:nvPr/>
-      </p:nvGrpSpPr>
-      <p:grpSpPr>
-        <a:xfrm>
-          <a:off x="0" y="0"/>
-          <a:ext cx="0" cy="0"/>
-          <a:chOff x="0" y="0"/>
-          <a:chExt cx="0" cy="0"/>
-        </a:xfrm>
-      </p:grpSpPr>
-      <p:sp>
-        <p:nvSpPr>
-          <p:cNvPr id="2" name="Title 1"/>
-          <p:cNvSpPr>
-            <a:spLocks noGrp="1"/>
-          </p:cNvSpPr>
-          <p:nvPr>
-            <p:ph type="title"/>
-          </p:nvPr>
-        </p:nvSpPr>
-        <p:spPr>
-          <a:xfrm>
-            <a:off x="685800" y="4106333"/>
-            <a:ext cx="10394708" cy="588846"/>
-          </a:xfrm>
-        </p:spPr>
-        <p:txBody>
-          <a:bodyPr anchor="b"/>
-          <a:lstStyle>
-            <a:lvl1pPr>
-              <a:defRPr sz="3200"/>
-            </a:lvl1pPr>
-          </a:lstStyle>
-          <a:p>
-            <a:r>
-              <a:rPr lang="en-US"/>
-              <a:t>Click to edit Master title style</a:t>
-            </a:r>
-            <a:endParaRPr lang="en-US" dirty="0"/>
-          </a:p>
-        </p:txBody>
-      </p:sp>
-      <p:sp>
-        <p:nvSpPr>
-          <p:cNvPr id="3" name="Picture Placeholder 2"/>
-          <p:cNvSpPr>
-            <a:spLocks noGrp="1" noChangeAspect="1"/>
-          </p:cNvSpPr>
-          <p:nvPr>
-            <p:ph type="pic" idx="1"/>
-          </p:nvPr>
-        </p:nvSpPr>
-        <p:spPr>
-          <a:xfrm>
-            <a:off x="685801" y="685799"/>
-            <a:ext cx="10392513" cy="3194903"/>
-          </a:xfrm>
-          <a:ln w="57150" cmpd="thinThick">
-            <a:solidFill>
-              <a:schemeClr val="bg1">
-                <a:lumMod val="50000"/>
-              </a:schemeClr>
-            </a:solidFill>
-            <a:miter lim="800000"/>
-          </a:ln>
-        </p:spPr>
-        <p:txBody>
-          <a:bodyPr anchor="t"/>
-          <a:lstStyle>
-            <a:lvl1pPr marL="0" indent="0" algn="ctr">
-              <a:buNone/>
-              <a:defRPr sz="3200"/>
-            </a:lvl1pPr>
-            <a:lvl2pPr marL="457200" indent="0">
-              <a:buNone/>
-              <a:defRPr sz="2800"/>
-            </a:lvl2pPr>
-            <a:lvl3pPr marL="914400" indent="0">
-              <a:buNone/>
-              <a:defRPr sz="2400"/>
-            </a:lvl3pPr>
-            <a:lvl4pPr marL="1371600" indent="0">
-              <a:buNone/>
-              <a:defRPr sz="2000"/>
-            </a:lvl4pPr>
-            <a:lvl5pPr marL="1828800" indent="0">
-              <a:buNone/>
-              <a:defRPr sz="2000"/>
-            </a:lvl5pPr>
-            <a:lvl6pPr marL="2286000" indent="0">
-              <a:buNone/>
-              <a:defRPr sz="2000"/>
-            </a:lvl6pPr>
-            <a:lvl7pPr marL="2743200" indent="0">
-              <a:buNone/>
-              <a:defRPr sz="2000"/>
-            </a:lvl7pPr>
-            <a:lvl8pPr marL="3200400" indent="0">
-              <a:buNone/>
-              <a:defRPr sz="2000"/>
-            </a:lvl8pPr>
-            <a:lvl9pPr marL="3657600" indent="0">
-              <a:buNone/>
-              <a:defRPr sz="2000"/>
-            </a:lvl9pPr>
-          </a:lstStyle>
-          <a:p>
-            <a:r>
-              <a:rPr lang="en-US"/>
-              <a:t>Click icon to add picture</a:t>
-            </a:r>
-            <a:endParaRPr lang="en-US" dirty="0"/>
-          </a:p>
-        </p:txBody>
-      </p:sp>
-      <p:sp>
-        <p:nvSpPr>
-          <p:cNvPr id="4" name="Text Placeholder 3"/>
-          <p:cNvSpPr>
-            <a:spLocks noGrp="1"/>
-          </p:cNvSpPr>
-          <p:nvPr>
-            <p:ph type="body" sz="half" idx="2"/>
-          </p:nvPr>
-        </p:nvSpPr>
-        <p:spPr>
-          <a:xfrm>
-            <a:off x="685780" y="4702923"/>
-            <a:ext cx="10394728" cy="682472"/>
-          </a:xfrm>
-        </p:spPr>
-        <p:txBody>
-          <a:bodyPr anchor="t"/>
-          <a:lstStyle>
-            <a:lvl1pPr marL="0" indent="0" algn="l">
-              <a:buNone/>
-              <a:defRPr sz="1600"/>
-            </a:lvl1pPr>
-            <a:lvl2pPr marL="457200" indent="0">
-              <a:buNone/>
-              <a:defRPr sz="1400"/>
-            </a:lvl2pPr>
-            <a:lvl3pPr marL="914400" indent="0">
-              <a:buNone/>
-              <a:defRPr sz="1200"/>
-            </a:lvl3pPr>
-            <a:lvl4pPr marL="1371600" indent="0">
-              <a:buNone/>
-              <a:defRPr sz="1000"/>
-            </a:lvl4pPr>
-            <a:lvl5pPr marL="1828800" indent="0">
-              <a:buNone/>
-              <a:defRPr sz="1000"/>
-            </a:lvl5pPr>
-            <a:lvl6pPr marL="2286000" indent="0">
-              <a:buNone/>
-              <a:defRPr sz="1000"/>
-            </a:lvl6pPr>
-            <a:lvl7pPr marL="2743200" indent="0">
-              <a:buNone/>
-              <a:defRPr sz="1000"/>
-            </a:lvl7pPr>
-            <a:lvl8pPr marL="3200400" indent="0">
-              <a:buNone/>
-              <a:defRPr sz="1000"/>
-            </a:lvl8pPr>
-            <a:lvl9pPr marL="3657600" indent="0">
-              <a:buNone/>
-              <a:defRPr sz="1000"/>
-            </a:lvl9pPr>
-          </a:lstStyle>
-          <a:p>
-            <a:pPr lvl="0"/>
-            <a:r>
-              <a:rPr lang="en-US"/>
-              <a:t>Click to edit Master text styles</a:t>
-            </a:r>
-          </a:p>
-        </p:txBody>
-      </p:sp>
-      <p:sp>
-        <p:nvSpPr>
-          <p:cNvPr id="5" name="Date Placeholder 4"/>
-          <p:cNvSpPr>
-            <a:spLocks noGrp="1"/>
-          </p:cNvSpPr>
-          <p:nvPr>
-            <p:ph type="dt" sz="half" idx="10"/>
-          </p:nvPr>
-        </p:nvSpPr>
-        <p:spPr/>
-        <p:txBody>
-          <a:bodyPr/>
-          <a:lstStyle/>
-          <a:p>
-            <a:fld id="{33A6E825-A205-432D-964F-B81524EC8876}" type="datetimeFigureOut">
-              <a:rPr lang="en-IN" smtClean="0"/>
-              <a:t>27-06-2024</a:t>
-            </a:fld>
-            <a:endParaRPr lang="en-IN"/>
-          </a:p>
-        </p:txBody>
-      </p:sp>
-      <p:sp>
-        <p:nvSpPr>
-          <p:cNvPr id="6" name="Footer Placeholder 5"/>
-          <p:cNvSpPr>
-            <a:spLocks noGrp="1"/>
-          </p:cNvSpPr>
-          <p:nvPr>
-            <p:ph type="ftr" sz="quarter" idx="11"/>
-          </p:nvPr>
-        </p:nvSpPr>
-        <p:spPr/>
-        <p:txBody>
-          <a:bodyPr/>
-          <a:lstStyle/>
-          <a:p>
-            <a:endParaRPr lang="en-IN"/>
-          </a:p>
-        </p:txBody>
-      </p:sp>
-      <p:sp>
-        <p:nvSpPr>
-          <p:cNvPr id="7" name="Slide Number Placeholder 6"/>
-          <p:cNvSpPr>
-            <a:spLocks noGrp="1"/>
-          </p:cNvSpPr>
-          <p:nvPr>
-            <p:ph type="sldNum" sz="quarter" idx="12"/>
-          </p:nvPr>
-        </p:nvSpPr>
-        <p:spPr/>
-        <p:txBody>
-          <a:bodyPr/>
-          <a:lstStyle/>
-          <a:p>
-            <a:fld id="{DC21A46E-B1AF-49BB-A150-989300576F63}" type="slidenum">
-              <a:rPr lang="en-IN" smtClean="0"/>
-              <a:t>‹#›</a:t>
-            </a:fld>
-            <a:endParaRPr lang="en-IN"/>
-          </a:p>
-        </p:txBody>
-      </p:sp>
-    </p:spTree>
-    <p:extLst>
-      <p:ext uri="{BB962C8B-B14F-4D97-AF65-F5344CB8AC3E}">
-        <p14:creationId xmlns:p14="http://schemas.microsoft.com/office/powerpoint/2010/main" val="2642416605"/>
-      </p:ext>
-    </p:extLst>
-  </p:cSld>
-  <p:clrMapOvr>
-    <a:masterClrMapping/>
-  </p:clrMapOvr>
-</p:sldLayout>
-</file>
-
-<file path=ppt/slideLayouts/slideLayout11.xml><?xml version="1.0" encoding="utf-8"?>
 <p:sldLayout xmlns:a="http://schemas.openxmlformats.org/drawingml/2006/main" xmlns:r="http://schemas.openxmlformats.org/officeDocument/2006/relationships" xmlns:p="http://schemas.openxmlformats.org/presentationml/2006/main" preserve="1">
   <p:cSld name="Title and Caption">
     <p:spTree>
@@ -988,8 +925,8 @@
         </p:nvSpPr>
         <p:spPr>
           <a:xfrm>
-            <a:off x="685801" y="685800"/>
-            <a:ext cx="10396902" cy="3194903"/>
+            <a:off x="677335" y="609600"/>
+            <a:ext cx="8596668" cy="3403600"/>
           </a:xfrm>
         </p:spPr>
         <p:txBody>
@@ -997,8 +934,8 @@
             <a:normAutofit/>
           </a:bodyPr>
           <a:lstStyle>
-            <a:lvl1pPr algn="ctr">
-              <a:defRPr sz="4800"/>
+            <a:lvl1pPr algn="l">
+              <a:defRPr sz="4400" b="0" cap="none"/>
             </a:lvl1pPr>
           </a:lstStyle>
           <a:p>
@@ -1012,18 +949,18 @@
       </p:sp>
       <p:sp>
         <p:nvSpPr>
-          <p:cNvPr id="4" name="Text Placeholder 3"/>
-          <p:cNvSpPr>
-            <a:spLocks noGrp="1"/>
-          </p:cNvSpPr>
-          <p:nvPr>
-            <p:ph type="body" sz="half" idx="2"/>
+          <p:cNvPr id="3" name="Text Placeholder 2"/>
+          <p:cNvSpPr>
+            <a:spLocks noGrp="1"/>
+          </p:cNvSpPr>
+          <p:nvPr>
+            <p:ph type="body" idx="1"/>
           </p:nvPr>
         </p:nvSpPr>
         <p:spPr>
           <a:xfrm>
-            <a:off x="685779" y="4106333"/>
-            <a:ext cx="10394729" cy="1273606"/>
+            <a:off x="677335" y="4470400"/>
+            <a:ext cx="8596668" cy="1570962"/>
           </a:xfrm>
         </p:spPr>
         <p:txBody>
@@ -1031,41 +968,96 @@
             <a:normAutofit/>
           </a:bodyPr>
           <a:lstStyle>
-            <a:lvl1pPr marL="0" indent="0" algn="ctr">
-              <a:buNone/>
-              <a:defRPr sz="1800"/>
+            <a:lvl1pPr marL="0" indent="0" algn="l">
+              <a:buNone/>
+              <a:defRPr sz="1800">
+                <a:solidFill>
+                  <a:schemeClr val="tx1">
+                    <a:lumMod val="75000"/>
+                    <a:lumOff val="25000"/>
+                  </a:schemeClr>
+                </a:solidFill>
+              </a:defRPr>
             </a:lvl1pPr>
             <a:lvl2pPr marL="457200" indent="0">
               <a:buNone/>
-              <a:defRPr sz="1400"/>
+              <a:defRPr sz="1800">
+                <a:solidFill>
+                  <a:schemeClr val="tx1">
+                    <a:tint val="75000"/>
+                  </a:schemeClr>
+                </a:solidFill>
+              </a:defRPr>
             </a:lvl2pPr>
             <a:lvl3pPr marL="914400" indent="0">
               <a:buNone/>
-              <a:defRPr sz="1200"/>
+              <a:defRPr sz="1600">
+                <a:solidFill>
+                  <a:schemeClr val="tx1">
+                    <a:tint val="75000"/>
+                  </a:schemeClr>
+                </a:solidFill>
+              </a:defRPr>
             </a:lvl3pPr>
             <a:lvl4pPr marL="1371600" indent="0">
               <a:buNone/>
-              <a:defRPr sz="1000"/>
+              <a:defRPr sz="1400">
+                <a:solidFill>
+                  <a:schemeClr val="tx1">
+                    <a:tint val="75000"/>
+                  </a:schemeClr>
+                </a:solidFill>
+              </a:defRPr>
             </a:lvl4pPr>
             <a:lvl5pPr marL="1828800" indent="0">
               <a:buNone/>
-              <a:defRPr sz="1000"/>
+              <a:defRPr sz="1400">
+                <a:solidFill>
+                  <a:schemeClr val="tx1">
+                    <a:tint val="75000"/>
+                  </a:schemeClr>
+                </a:solidFill>
+              </a:defRPr>
             </a:lvl5pPr>
             <a:lvl6pPr marL="2286000" indent="0">
               <a:buNone/>
-              <a:defRPr sz="1000"/>
+              <a:defRPr sz="1400">
+                <a:solidFill>
+                  <a:schemeClr val="tx1">
+                    <a:tint val="75000"/>
+                  </a:schemeClr>
+                </a:solidFill>
+              </a:defRPr>
             </a:lvl6pPr>
             <a:lvl7pPr marL="2743200" indent="0">
               <a:buNone/>
-              <a:defRPr sz="1000"/>
+              <a:defRPr sz="1400">
+                <a:solidFill>
+                  <a:schemeClr val="tx1">
+                    <a:tint val="75000"/>
+                  </a:schemeClr>
+                </a:solidFill>
+              </a:defRPr>
             </a:lvl7pPr>
             <a:lvl8pPr marL="3200400" indent="0">
               <a:buNone/>
-              <a:defRPr sz="1000"/>
+              <a:defRPr sz="1400">
+                <a:solidFill>
+                  <a:schemeClr val="tx1">
+                    <a:tint val="75000"/>
+                  </a:schemeClr>
+                </a:solidFill>
+              </a:defRPr>
             </a:lvl8pPr>
             <a:lvl9pPr marL="3657600" indent="0">
               <a:buNone/>
-              <a:defRPr sz="1000"/>
+              <a:defRPr sz="1400">
+                <a:solidFill>
+                  <a:schemeClr val="tx1">
+                    <a:tint val="75000"/>
+                  </a:schemeClr>
+                </a:solidFill>
+              </a:defRPr>
             </a:lvl9pPr>
           </a:lstStyle>
           <a:p>
@@ -1079,7 +1071,7 @@
       </p:sp>
       <p:sp>
         <p:nvSpPr>
-          <p:cNvPr id="5" name="Date Placeholder 4"/>
+          <p:cNvPr id="4" name="Date Placeholder 3"/>
           <p:cNvSpPr>
             <a:spLocks noGrp="1"/>
           </p:cNvSpPr>
@@ -1102,7 +1094,7 @@
       </p:sp>
       <p:sp>
         <p:nvSpPr>
-          <p:cNvPr id="6" name="Footer Placeholder 5"/>
+          <p:cNvPr id="5" name="Footer Placeholder 4"/>
           <p:cNvSpPr>
             <a:spLocks noGrp="1"/>
           </p:cNvSpPr>
@@ -1121,7 +1113,7 @@
       </p:sp>
       <p:sp>
         <p:nvSpPr>
-          <p:cNvPr id="7" name="Slide Number Placeholder 6"/>
+          <p:cNvPr id="6" name="Slide Number Placeholder 5"/>
           <p:cNvSpPr>
             <a:spLocks noGrp="1"/>
           </p:cNvSpPr>
@@ -1145,7 +1137,7 @@
     </p:spTree>
     <p:extLst>
       <p:ext uri="{BB962C8B-B14F-4D97-AF65-F5344CB8AC3E}">
-        <p14:creationId xmlns:p14="http://schemas.microsoft.com/office/powerpoint/2010/main" val="72414054"/>
+        <p14:creationId xmlns:p14="http://schemas.microsoft.com/office/powerpoint/2010/main" val="233906828"/>
       </p:ext>
     </p:extLst>
   </p:cSld>
@@ -1155,7 +1147,7 @@
 </p:sldLayout>
 </file>
 
-<file path=ppt/slideLayouts/slideLayout12.xml><?xml version="1.0" encoding="utf-8"?>
+<file path=ppt/slideLayouts/slideLayout11.xml><?xml version="1.0" encoding="utf-8"?>
 <p:sldLayout xmlns:a="http://schemas.openxmlformats.org/drawingml/2006/main" xmlns:r="http://schemas.openxmlformats.org/officeDocument/2006/relationships" xmlns:p="http://schemas.openxmlformats.org/presentationml/2006/main" preserve="1">
   <p:cSld name="Quote with Caption">
     <p:spTree>
@@ -1184,8 +1176,8 @@
         </p:nvSpPr>
         <p:spPr>
           <a:xfrm>
-            <a:off x="1121732" y="685800"/>
-            <a:ext cx="9525020" cy="2916704"/>
+            <a:off x="931334" y="609600"/>
+            <a:ext cx="8094134" cy="3022600"/>
           </a:xfrm>
         </p:spPr>
         <p:txBody>
@@ -1193,8 +1185,8 @@
             <a:normAutofit/>
           </a:bodyPr>
           <a:lstStyle>
-            <a:lvl1pPr algn="ctr">
-              <a:defRPr sz="4800"/>
+            <a:lvl1pPr algn="l">
+              <a:defRPr sz="4400" b="0" cap="none"/>
             </a:lvl1pPr>
           </a:lstStyle>
           <a:p>
@@ -1208,28 +1200,29 @@
       </p:sp>
       <p:sp>
         <p:nvSpPr>
-          <p:cNvPr id="12" name="Text Placeholder 3"/>
-          <p:cNvSpPr>
-            <a:spLocks noGrp="1"/>
-          </p:cNvSpPr>
-          <p:nvPr>
-            <p:ph type="body" sz="half" idx="13"/>
+          <p:cNvPr id="23" name="Text Placeholder 9"/>
+          <p:cNvSpPr>
+            <a:spLocks noGrp="1"/>
+          </p:cNvSpPr>
+          <p:nvPr>
+            <p:ph type="body" sz="quarter" idx="13"/>
           </p:nvPr>
         </p:nvSpPr>
         <p:spPr>
           <a:xfrm>
-            <a:off x="1550264" y="3610032"/>
-            <a:ext cx="8667956" cy="377768"/>
+            <a:off x="1366139" y="3632200"/>
+            <a:ext cx="7224524" cy="381000"/>
           </a:xfrm>
         </p:spPr>
         <p:txBody>
-          <a:bodyPr anchor="t">
-            <a:normAutofit/>
+          <a:bodyPr anchor="ctr">
+            <a:noAutofit/>
           </a:bodyPr>
           <a:lstStyle>
-            <a:lvl1pPr marL="0" indent="0" algn="r">
-              <a:buNone/>
-              <a:defRPr sz="1400">
+            <a:lvl1pPr marL="0" indent="0">
+              <a:buFontTx/>
+              <a:buNone/>
+              <a:defRPr sz="1600">
                 <a:solidFill>
                   <a:schemeClr val="tx1">
                     <a:lumMod val="50000"/>
@@ -1239,37 +1232,25 @@
               </a:defRPr>
             </a:lvl1pPr>
             <a:lvl2pPr marL="457200" indent="0">
-              <a:buNone/>
-              <a:defRPr sz="1400"/>
+              <a:buFontTx/>
+              <a:buNone/>
+              <a:defRPr/>
             </a:lvl2pPr>
             <a:lvl3pPr marL="914400" indent="0">
-              <a:buNone/>
-              <a:defRPr sz="1200"/>
+              <a:buFontTx/>
+              <a:buNone/>
+              <a:defRPr/>
             </a:lvl3pPr>
             <a:lvl4pPr marL="1371600" indent="0">
-              <a:buNone/>
-              <a:defRPr sz="1000"/>
+              <a:buFontTx/>
+              <a:buNone/>
+              <a:defRPr/>
             </a:lvl4pPr>
             <a:lvl5pPr marL="1828800" indent="0">
-              <a:buNone/>
-              <a:defRPr sz="1000"/>
+              <a:buFontTx/>
+              <a:buNone/>
+              <a:defRPr/>
             </a:lvl5pPr>
-            <a:lvl6pPr marL="2286000" indent="0">
-              <a:buNone/>
-              <a:defRPr sz="1000"/>
-            </a:lvl6pPr>
-            <a:lvl7pPr marL="2743200" indent="0">
-              <a:buNone/>
-              <a:defRPr sz="1000"/>
-            </a:lvl7pPr>
-            <a:lvl8pPr marL="3200400" indent="0">
-              <a:buNone/>
-              <a:defRPr sz="1000"/>
-            </a:lvl8pPr>
-            <a:lvl9pPr marL="3657600" indent="0">
-              <a:buNone/>
-              <a:defRPr sz="1000"/>
-            </a:lvl9pPr>
           </a:lstStyle>
           <a:p>
             <a:pPr lvl="0"/>
@@ -1282,18 +1263,18 @@
       </p:sp>
       <p:sp>
         <p:nvSpPr>
-          <p:cNvPr id="4" name="Text Placeholder 3"/>
-          <p:cNvSpPr>
-            <a:spLocks noGrp="1"/>
-          </p:cNvSpPr>
-          <p:nvPr>
-            <p:ph type="body" sz="half" idx="2"/>
+          <p:cNvPr id="3" name="Text Placeholder 2"/>
+          <p:cNvSpPr>
+            <a:spLocks noGrp="1"/>
+          </p:cNvSpPr>
+          <p:nvPr>
+            <p:ph type="body" idx="1"/>
           </p:nvPr>
         </p:nvSpPr>
         <p:spPr>
           <a:xfrm>
-            <a:off x="685801" y="4106334"/>
-            <a:ext cx="10396882" cy="1268252"/>
+            <a:off x="677335" y="4470400"/>
+            <a:ext cx="8596668" cy="1570962"/>
           </a:xfrm>
         </p:spPr>
         <p:txBody>
@@ -1301,41 +1282,96 @@
             <a:normAutofit/>
           </a:bodyPr>
           <a:lstStyle>
-            <a:lvl1pPr marL="0" indent="0" algn="ctr">
-              <a:buNone/>
-              <a:defRPr sz="1800"/>
+            <a:lvl1pPr marL="0" indent="0" algn="l">
+              <a:buNone/>
+              <a:defRPr sz="1800">
+                <a:solidFill>
+                  <a:schemeClr val="tx1">
+                    <a:lumMod val="75000"/>
+                    <a:lumOff val="25000"/>
+                  </a:schemeClr>
+                </a:solidFill>
+              </a:defRPr>
             </a:lvl1pPr>
             <a:lvl2pPr marL="457200" indent="0">
               <a:buNone/>
-              <a:defRPr sz="1400"/>
+              <a:defRPr sz="1800">
+                <a:solidFill>
+                  <a:schemeClr val="tx1">
+                    <a:tint val="75000"/>
+                  </a:schemeClr>
+                </a:solidFill>
+              </a:defRPr>
             </a:lvl2pPr>
             <a:lvl3pPr marL="914400" indent="0">
               <a:buNone/>
-              <a:defRPr sz="1200"/>
+              <a:defRPr sz="1600">
+                <a:solidFill>
+                  <a:schemeClr val="tx1">
+                    <a:tint val="75000"/>
+                  </a:schemeClr>
+                </a:solidFill>
+              </a:defRPr>
             </a:lvl3pPr>
             <a:lvl4pPr marL="1371600" indent="0">
               <a:buNone/>
-              <a:defRPr sz="1000"/>
+              <a:defRPr sz="1400">
+                <a:solidFill>
+                  <a:schemeClr val="tx1">
+                    <a:tint val="75000"/>
+                  </a:schemeClr>
+                </a:solidFill>
+              </a:defRPr>
             </a:lvl4pPr>
             <a:lvl5pPr marL="1828800" indent="0">
               <a:buNone/>
-              <a:defRPr sz="1000"/>
+              <a:defRPr sz="1400">
+                <a:solidFill>
+                  <a:schemeClr val="tx1">
+                    <a:tint val="75000"/>
+                  </a:schemeClr>
+                </a:solidFill>
+              </a:defRPr>
             </a:lvl5pPr>
             <a:lvl6pPr marL="2286000" indent="0">
               <a:buNone/>
-              <a:defRPr sz="1000"/>
+              <a:defRPr sz="1400">
+                <a:solidFill>
+                  <a:schemeClr val="tx1">
+                    <a:tint val="75000"/>
+                  </a:schemeClr>
+                </a:solidFill>
+              </a:defRPr>
             </a:lvl6pPr>
             <a:lvl7pPr marL="2743200" indent="0">
               <a:buNone/>
-              <a:defRPr sz="1000"/>
+              <a:defRPr sz="1400">
+                <a:solidFill>
+                  <a:schemeClr val="tx1">
+                    <a:tint val="75000"/>
+                  </a:schemeClr>
+                </a:solidFill>
+              </a:defRPr>
             </a:lvl7pPr>
             <a:lvl8pPr marL="3200400" indent="0">
               <a:buNone/>
-              <a:defRPr sz="1000"/>
+              <a:defRPr sz="1400">
+                <a:solidFill>
+                  <a:schemeClr val="tx1">
+                    <a:tint val="75000"/>
+                  </a:schemeClr>
+                </a:solidFill>
+              </a:defRPr>
             </a:lvl8pPr>
             <a:lvl9pPr marL="3657600" indent="0">
               <a:buNone/>
-              <a:defRPr sz="1000"/>
+              <a:defRPr sz="1400">
+                <a:solidFill>
+                  <a:schemeClr val="tx1">
+                    <a:tint val="75000"/>
+                  </a:schemeClr>
+                </a:solidFill>
+              </a:defRPr>
             </a:lvl9pPr>
           </a:lstStyle>
           <a:p>
@@ -1349,7 +1385,7 @@
       </p:sp>
       <p:sp>
         <p:nvSpPr>
-          <p:cNvPr id="5" name="Date Placeholder 4"/>
+          <p:cNvPr id="4" name="Date Placeholder 3"/>
           <p:cNvSpPr>
             <a:spLocks noGrp="1"/>
           </p:cNvSpPr>
@@ -1372,7 +1408,7 @@
       </p:sp>
       <p:sp>
         <p:nvSpPr>
-          <p:cNvPr id="6" name="Footer Placeholder 5"/>
+          <p:cNvPr id="5" name="Footer Placeholder 4"/>
           <p:cNvSpPr>
             <a:spLocks noGrp="1"/>
           </p:cNvSpPr>
@@ -1391,7 +1427,7 @@
       </p:sp>
       <p:sp>
         <p:nvSpPr>
-          <p:cNvPr id="7" name="Slide Number Placeholder 6"/>
+          <p:cNvPr id="6" name="Slide Number Placeholder 5"/>
           <p:cNvSpPr>
             <a:spLocks noGrp="1"/>
           </p:cNvSpPr>
@@ -1414,13 +1450,13 @@
       </p:sp>
       <p:sp>
         <p:nvSpPr>
-          <p:cNvPr id="13" name="TextBox 12"/>
+          <p:cNvPr id="20" name="TextBox 19"/>
           <p:cNvSpPr txBox="1"/>
           <p:nvPr/>
         </p:nvSpPr>
         <p:spPr>
           <a:xfrm>
-            <a:off x="685801" y="892628"/>
+            <a:off x="541870" y="790378"/>
             <a:ext cx="609600" cy="584776"/>
           </a:xfrm>
           <a:prstGeom prst="rect">
@@ -1431,97 +1467,22 @@
           <a:bodyPr vert="horz" lIns="91440" tIns="45720" rIns="91440" bIns="45720" rtlCol="0" anchor="ctr">
             <a:noAutofit/>
           </a:bodyPr>
-          <a:lstStyle>
-            <a:lvl1pPr>
-              <a:spcBef>
-                <a:spcPct val="0"/>
-              </a:spcBef>
-              <a:buNone/>
-              <a:defRPr sz="3200" b="0" cap="all">
+          <a:lstStyle/>
+          <a:p>
+            <a:pPr lvl="0"/>
+            <a:r>
+              <a:rPr lang="en-US" sz="8000" baseline="0" dirty="0">
                 <a:ln w="3175" cmpd="sng">
                   <a:noFill/>
                 </a:ln>
-                <a:effectLst>
-                  <a:glow rad="38100">
-                    <a:schemeClr val="bg1">
-                      <a:lumMod val="65000"/>
-                      <a:lumOff val="35000"/>
-                      <a:alpha val="40000"/>
-                    </a:schemeClr>
-                  </a:glow>
-                  <a:outerShdw blurRad="28575" dist="38100" dir="14040000" algn="tl" rotWithShape="0">
-                    <a:srgbClr val="000000">
-                      <a:alpha val="25000"/>
-                    </a:srgbClr>
-                  </a:outerShdw>
-                </a:effectLst>
-              </a:defRPr>
-            </a:lvl1pPr>
-            <a:lvl2pPr>
-              <a:defRPr>
-                <a:solidFill>
-                  <a:schemeClr val="tx2"/>
-                </a:solidFill>
-              </a:defRPr>
-            </a:lvl2pPr>
-            <a:lvl3pPr>
-              <a:defRPr>
-                <a:solidFill>
-                  <a:schemeClr val="tx2"/>
-                </a:solidFill>
-              </a:defRPr>
-            </a:lvl3pPr>
-            <a:lvl4pPr>
-              <a:defRPr>
-                <a:solidFill>
-                  <a:schemeClr val="tx2"/>
-                </a:solidFill>
-              </a:defRPr>
-            </a:lvl4pPr>
-            <a:lvl5pPr>
-              <a:defRPr>
-                <a:solidFill>
-                  <a:schemeClr val="tx2"/>
-                </a:solidFill>
-              </a:defRPr>
-            </a:lvl5pPr>
-            <a:lvl6pPr>
-              <a:defRPr>
-                <a:solidFill>
-                  <a:schemeClr val="tx2"/>
-                </a:solidFill>
-              </a:defRPr>
-            </a:lvl6pPr>
-            <a:lvl7pPr>
-              <a:defRPr>
-                <a:solidFill>
-                  <a:schemeClr val="tx2"/>
-                </a:solidFill>
-              </a:defRPr>
-            </a:lvl7pPr>
-            <a:lvl8pPr>
-              <a:defRPr>
-                <a:solidFill>
-                  <a:schemeClr val="tx2"/>
-                </a:solidFill>
-              </a:defRPr>
-            </a:lvl8pPr>
-            <a:lvl9pPr>
-              <a:defRPr>
-                <a:solidFill>
-                  <a:schemeClr val="tx2"/>
-                </a:solidFill>
-              </a:defRPr>
-            </a:lvl9pPr>
-          </a:lstStyle>
-          <a:p>
-            <a:pPr lvl="0"/>
-            <a:r>
-              <a:rPr lang="en-US" sz="8000" dirty="0">
-                <a:solidFill>
-                  <a:schemeClr val="tx1"/>
+                <a:solidFill>
+                  <a:schemeClr val="accent1">
+                    <a:lumMod val="60000"/>
+                    <a:lumOff val="40000"/>
+                  </a:schemeClr>
                 </a:solidFill>
                 <a:effectLst/>
+                <a:latin typeface="Arial"/>
               </a:rPr>
               <a:t>“</a:t>
             </a:r>
@@ -1530,13 +1491,13 @@
       </p:sp>
       <p:sp>
         <p:nvSpPr>
-          <p:cNvPr id="14" name="TextBox 13"/>
+          <p:cNvPr id="22" name="TextBox 21"/>
           <p:cNvSpPr txBox="1"/>
           <p:nvPr/>
         </p:nvSpPr>
         <p:spPr>
           <a:xfrm>
-            <a:off x="10473083" y="2922827"/>
+            <a:off x="8893011" y="2886556"/>
             <a:ext cx="609600" cy="584776"/>
           </a:xfrm>
           <a:prstGeom prst="rect">
@@ -1547,107 +1508,40 @@
           <a:bodyPr vert="horz" lIns="91440" tIns="45720" rIns="91440" bIns="45720" rtlCol="0" anchor="ctr">
             <a:noAutofit/>
           </a:bodyPr>
-          <a:lstStyle>
-            <a:lvl1pPr>
-              <a:spcBef>
-                <a:spcPct val="0"/>
-              </a:spcBef>
-              <a:buNone/>
-              <a:defRPr sz="3200" b="0" cap="all">
+          <a:lstStyle/>
+          <a:p>
+            <a:pPr lvl="0"/>
+            <a:r>
+              <a:rPr lang="en-US" sz="8000" baseline="0" dirty="0">
                 <a:ln w="3175" cmpd="sng">
                   <a:noFill/>
                 </a:ln>
-                <a:effectLst>
-                  <a:glow rad="38100">
-                    <a:schemeClr val="bg1">
-                      <a:lumMod val="65000"/>
-                      <a:lumOff val="35000"/>
-                      <a:alpha val="40000"/>
-                    </a:schemeClr>
-                  </a:glow>
-                  <a:outerShdw blurRad="28575" dist="38100" dir="14040000" algn="tl" rotWithShape="0">
-                    <a:srgbClr val="000000">
-                      <a:alpha val="25000"/>
-                    </a:srgbClr>
-                  </a:outerShdw>
-                </a:effectLst>
-              </a:defRPr>
-            </a:lvl1pPr>
-            <a:lvl2pPr>
-              <a:defRPr>
-                <a:solidFill>
-                  <a:schemeClr val="tx2"/>
-                </a:solidFill>
-              </a:defRPr>
-            </a:lvl2pPr>
-            <a:lvl3pPr>
-              <a:defRPr>
-                <a:solidFill>
-                  <a:schemeClr val="tx2"/>
-                </a:solidFill>
-              </a:defRPr>
-            </a:lvl3pPr>
-            <a:lvl4pPr>
-              <a:defRPr>
-                <a:solidFill>
-                  <a:schemeClr val="tx2"/>
-                </a:solidFill>
-              </a:defRPr>
-            </a:lvl4pPr>
-            <a:lvl5pPr>
-              <a:defRPr>
-                <a:solidFill>
-                  <a:schemeClr val="tx2"/>
-                </a:solidFill>
-              </a:defRPr>
-            </a:lvl5pPr>
-            <a:lvl6pPr>
-              <a:defRPr>
-                <a:solidFill>
-                  <a:schemeClr val="tx2"/>
-                </a:solidFill>
-              </a:defRPr>
-            </a:lvl6pPr>
-            <a:lvl7pPr>
-              <a:defRPr>
-                <a:solidFill>
-                  <a:schemeClr val="tx2"/>
-                </a:solidFill>
-              </a:defRPr>
-            </a:lvl7pPr>
-            <a:lvl8pPr>
-              <a:defRPr>
-                <a:solidFill>
-                  <a:schemeClr val="tx2"/>
-                </a:solidFill>
-              </a:defRPr>
-            </a:lvl8pPr>
-            <a:lvl9pPr>
-              <a:defRPr>
-                <a:solidFill>
-                  <a:schemeClr val="tx2"/>
-                </a:solidFill>
-              </a:defRPr>
-            </a:lvl9pPr>
-          </a:lstStyle>
-          <a:p>
-            <a:pPr lvl="0" algn="r"/>
-            <a:r>
-              <a:rPr lang="en-US" sz="8000" dirty="0">
-                <a:solidFill>
-                  <a:schemeClr val="tx1"/>
-                </a:solidFill>
-                <a:effectLst/>
+                <a:solidFill>
+                  <a:schemeClr val="accent1">
+                    <a:lumMod val="60000"/>
+                    <a:lumOff val="40000"/>
+                  </a:schemeClr>
+                </a:solidFill>
+                <a:latin typeface="Arial"/>
               </a:rPr>
               <a:t>”</a:t>
             </a:r>
+            <a:endParaRPr lang="en-US" dirty="0">
+              <a:solidFill>
+                <a:schemeClr val="accent1">
+                  <a:lumMod val="60000"/>
+                  <a:lumOff val="40000"/>
+                </a:schemeClr>
+              </a:solidFill>
+              <a:latin typeface="Arial"/>
+            </a:endParaRPr>
           </a:p>
         </p:txBody>
       </p:sp>
     </p:spTree>
     <p:extLst>
       <p:ext uri="{BB962C8B-B14F-4D97-AF65-F5344CB8AC3E}">
-        <p14:creationId xmlns:p14="http://schemas.microsoft.com/office/powerpoint/2010/main" val="1211329015"/>
+        <p14:creationId xmlns:p14="http://schemas.microsoft.com/office/powerpoint/2010/main" val="2609700012"/>
       </p:ext>
     </p:extLst>
   </p:cSld>
@@ -1657,7 +1551,7 @@
 </p:sldLayout>
 </file>
 
-<file path=ppt/slideLayouts/slideLayout13.xml><?xml version="1.0" encoding="utf-8"?>
+<file path=ppt/slideLayouts/slideLayout12.xml><?xml version="1.0" encoding="utf-8"?>
 <p:sldLayout xmlns:a="http://schemas.openxmlformats.org/drawingml/2006/main" xmlns:r="http://schemas.openxmlformats.org/officeDocument/2006/relationships" xmlns:p="http://schemas.openxmlformats.org/presentationml/2006/main" preserve="1">
   <p:cSld name="Name Card">
     <p:spTree>
@@ -1686,8 +1580,8 @@
         </p:nvSpPr>
         <p:spPr>
           <a:xfrm>
-            <a:off x="685800" y="1723854"/>
-            <a:ext cx="10394707" cy="2511835"/>
+            <a:off x="677335" y="1931988"/>
+            <a:ext cx="8596668" cy="2595460"/>
           </a:xfrm>
         </p:spPr>
         <p:txBody>
@@ -1696,7 +1590,7 @@
           </a:bodyPr>
           <a:lstStyle>
             <a:lvl1pPr algn="l">
-              <a:defRPr sz="4800"/>
+              <a:defRPr sz="4400" b="0" cap="none"/>
             </a:lvl1pPr>
           </a:lstStyle>
           <a:p>
@@ -1710,18 +1604,18 @@
       </p:sp>
       <p:sp>
         <p:nvSpPr>
-          <p:cNvPr id="4" name="Text Placeholder 3"/>
-          <p:cNvSpPr>
-            <a:spLocks noGrp="1"/>
-          </p:cNvSpPr>
-          <p:nvPr>
-            <p:ph type="body" sz="half" idx="2"/>
+          <p:cNvPr id="3" name="Text Placeholder 2"/>
+          <p:cNvSpPr>
+            <a:spLocks noGrp="1"/>
+          </p:cNvSpPr>
+          <p:nvPr>
+            <p:ph type="body" idx="1"/>
           </p:nvPr>
         </p:nvSpPr>
         <p:spPr>
           <a:xfrm>
-            <a:off x="685800" y="4247468"/>
-            <a:ext cx="10394707" cy="1140644"/>
+            <a:off x="677335" y="4527448"/>
+            <a:ext cx="8596668" cy="1513914"/>
           </a:xfrm>
         </p:spPr>
         <p:txBody>
@@ -1731,39 +1625,94 @@
           <a:lstStyle>
             <a:lvl1pPr marL="0" indent="0" algn="l">
               <a:buNone/>
-              <a:defRPr sz="1800"/>
+              <a:defRPr sz="1800">
+                <a:solidFill>
+                  <a:schemeClr val="tx1">
+                    <a:lumMod val="75000"/>
+                    <a:lumOff val="25000"/>
+                  </a:schemeClr>
+                </a:solidFill>
+              </a:defRPr>
             </a:lvl1pPr>
             <a:lvl2pPr marL="457200" indent="0">
               <a:buNone/>
-              <a:defRPr sz="1400"/>
+              <a:defRPr sz="1800">
+                <a:solidFill>
+                  <a:schemeClr val="tx1">
+                    <a:tint val="75000"/>
+                  </a:schemeClr>
+                </a:solidFill>
+              </a:defRPr>
             </a:lvl2pPr>
             <a:lvl3pPr marL="914400" indent="0">
               <a:buNone/>
-              <a:defRPr sz="1200"/>
+              <a:defRPr sz="1600">
+                <a:solidFill>
+                  <a:schemeClr val="tx1">
+                    <a:tint val="75000"/>
+                  </a:schemeClr>
+                </a:solidFill>
+              </a:defRPr>
             </a:lvl3pPr>
             <a:lvl4pPr marL="1371600" indent="0">
               <a:buNone/>
-              <a:defRPr sz="1000"/>
+              <a:defRPr sz="1400">
+                <a:solidFill>
+                  <a:schemeClr val="tx1">
+                    <a:tint val="75000"/>
+                  </a:schemeClr>
+                </a:solidFill>
+              </a:defRPr>
             </a:lvl4pPr>
             <a:lvl5pPr marL="1828800" indent="0">
               <a:buNone/>
-              <a:defRPr sz="1000"/>
+              <a:defRPr sz="1400">
+                <a:solidFill>
+                  <a:schemeClr val="tx1">
+                    <a:tint val="75000"/>
+                  </a:schemeClr>
+                </a:solidFill>
+              </a:defRPr>
             </a:lvl5pPr>
             <a:lvl6pPr marL="2286000" indent="0">
               <a:buNone/>
-              <a:defRPr sz="1000"/>
+              <a:defRPr sz="1400">
+                <a:solidFill>
+                  <a:schemeClr val="tx1">
+                    <a:tint val="75000"/>
+                  </a:schemeClr>
+                </a:solidFill>
+              </a:defRPr>
             </a:lvl6pPr>
             <a:lvl7pPr marL="2743200" indent="0">
               <a:buNone/>
-              <a:defRPr sz="1000"/>
+              <a:defRPr sz="1400">
+                <a:solidFill>
+                  <a:schemeClr val="tx1">
+                    <a:tint val="75000"/>
+                  </a:schemeClr>
+                </a:solidFill>
+              </a:defRPr>
             </a:lvl7pPr>
             <a:lvl8pPr marL="3200400" indent="0">
               <a:buNone/>
-              <a:defRPr sz="1000"/>
+              <a:defRPr sz="1400">
+                <a:solidFill>
+                  <a:schemeClr val="tx1">
+                    <a:tint val="75000"/>
+                  </a:schemeClr>
+                </a:solidFill>
+              </a:defRPr>
             </a:lvl8pPr>
             <a:lvl9pPr marL="3657600" indent="0">
               <a:buNone/>
-              <a:defRPr sz="1000"/>
+              <a:defRPr sz="1400">
+                <a:solidFill>
+                  <a:schemeClr val="tx1">
+                    <a:tint val="75000"/>
+                  </a:schemeClr>
+                </a:solidFill>
+              </a:defRPr>
             </a:lvl9pPr>
           </a:lstStyle>
           <a:p>
@@ -1777,7 +1726,7 @@
       </p:sp>
       <p:sp>
         <p:nvSpPr>
-          <p:cNvPr id="5" name="Date Placeholder 4"/>
+          <p:cNvPr id="4" name="Date Placeholder 3"/>
           <p:cNvSpPr>
             <a:spLocks noGrp="1"/>
           </p:cNvSpPr>
@@ -1800,7 +1749,7 @@
       </p:sp>
       <p:sp>
         <p:nvSpPr>
-          <p:cNvPr id="6" name="Footer Placeholder 5"/>
+          <p:cNvPr id="5" name="Footer Placeholder 4"/>
           <p:cNvSpPr>
             <a:spLocks noGrp="1"/>
           </p:cNvSpPr>
@@ -1819,7 +1768,7 @@
       </p:sp>
       <p:sp>
         <p:nvSpPr>
-          <p:cNvPr id="7" name="Slide Number Placeholder 6"/>
+          <p:cNvPr id="6" name="Slide Number Placeholder 5"/>
           <p:cNvSpPr>
             <a:spLocks noGrp="1"/>
           </p:cNvSpPr>
@@ -1843,7 +1792,7 @@
     </p:spTree>
     <p:extLst>
       <p:ext uri="{BB962C8B-B14F-4D97-AF65-F5344CB8AC3E}">
-        <p14:creationId xmlns:p14="http://schemas.microsoft.com/office/powerpoint/2010/main" val="2064751319"/>
+        <p14:creationId xmlns:p14="http://schemas.microsoft.com/office/powerpoint/2010/main" val="721739061"/>
       </p:ext>
     </p:extLst>
   </p:cSld>
@@ -1853,9 +1802,9 @@
 </p:sldLayout>
 </file>
 
-<file path=ppt/slideLayouts/slideLayout14.xml><?xml version="1.0" encoding="utf-8"?>
+<file path=ppt/slideLayouts/slideLayout13.xml><?xml version="1.0" encoding="utf-8"?>
 <p:sldLayout xmlns:a="http://schemas.openxmlformats.org/drawingml/2006/main" xmlns:r="http://schemas.openxmlformats.org/officeDocument/2006/relationships" xmlns:p="http://schemas.openxmlformats.org/presentationml/2006/main" preserve="1">
-  <p:cSld name="3 Column">
+  <p:cSld name="Quote Name Card">
     <p:spTree>
       <p:nvGrpSpPr>
         <p:cNvPr id="1" name=""/>
@@ -1872,7 +1821,7 @@
       </p:grpSpPr>
       <p:sp>
         <p:nvSpPr>
-          <p:cNvPr id="15" name="Title 1"/>
+          <p:cNvPr id="2" name="Title 1"/>
           <p:cNvSpPr>
             <a:spLocks noGrp="1"/>
           </p:cNvSpPr>
@@ -1882,15 +1831,17 @@
         </p:nvSpPr>
         <p:spPr>
           <a:xfrm>
-            <a:off x="685802" y="685800"/>
-            <a:ext cx="10394706" cy="1151965"/>
+            <a:off x="931334" y="609600"/>
+            <a:ext cx="8094134" cy="3022600"/>
           </a:xfrm>
         </p:spPr>
         <p:txBody>
-          <a:bodyPr/>
+          <a:bodyPr anchor="ctr">
+            <a:normAutofit/>
+          </a:bodyPr>
           <a:lstStyle>
-            <a:lvl1pPr algn="ctr">
-              <a:defRPr/>
+            <a:lvl1pPr algn="l">
+              <a:defRPr sz="4400" b="0" cap="none"/>
             </a:lvl1pPr>
           </a:lstStyle>
           <a:p>
@@ -1904,18 +1855,18 @@
       </p:sp>
       <p:sp>
         <p:nvSpPr>
-          <p:cNvPr id="7" name="Text Placeholder 2"/>
-          <p:cNvSpPr>
-            <a:spLocks noGrp="1"/>
-          </p:cNvSpPr>
-          <p:nvPr>
-            <p:ph type="body" idx="1"/>
+          <p:cNvPr id="23" name="Text Placeholder 9"/>
+          <p:cNvSpPr>
+            <a:spLocks noGrp="1"/>
+          </p:cNvSpPr>
+          <p:nvPr>
+            <p:ph type="body" sz="quarter" idx="13"/>
           </p:nvPr>
         </p:nvSpPr>
         <p:spPr>
           <a:xfrm>
-            <a:off x="685802" y="2063395"/>
-            <a:ext cx="3310128" cy="576262"/>
+            <a:off x="677332" y="4013200"/>
+            <a:ext cx="8596669" cy="514248"/>
           </a:xfrm>
         </p:spPr>
         <p:txBody>
@@ -1923,49 +1874,38 @@
             <a:noAutofit/>
           </a:bodyPr>
           <a:lstStyle>
-            <a:lvl1pPr marL="0" indent="0" algn="ctr">
-              <a:lnSpc>
-                <a:spcPct val="90000"/>
-              </a:lnSpc>
-              <a:buNone/>
-              <a:defRPr sz="2400" b="0">
-                <a:solidFill>
-                  <a:schemeClr val="accent1"/>
+            <a:lvl1pPr marL="0" indent="0">
+              <a:buFontTx/>
+              <a:buNone/>
+              <a:defRPr sz="2400">
+                <a:solidFill>
+                  <a:schemeClr val="tx1">
+                    <a:lumMod val="75000"/>
+                    <a:lumOff val="25000"/>
+                  </a:schemeClr>
                 </a:solidFill>
               </a:defRPr>
             </a:lvl1pPr>
             <a:lvl2pPr marL="457200" indent="0">
-              <a:buNone/>
-              <a:defRPr sz="2000" b="1"/>
+              <a:buFontTx/>
+              <a:buNone/>
+              <a:defRPr/>
             </a:lvl2pPr>
             <a:lvl3pPr marL="914400" indent="0">
-              <a:buNone/>
-              <a:defRPr sz="1800" b="1"/>
+              <a:buFontTx/>
+              <a:buNone/>
+              <a:defRPr/>
             </a:lvl3pPr>
             <a:lvl4pPr marL="1371600" indent="0">
-              <a:buNone/>
-              <a:defRPr sz="1600" b="1"/>
+              <a:buFontTx/>
+              <a:buNone/>
+              <a:defRPr/>
             </a:lvl4pPr>
             <a:lvl5pPr marL="1828800" indent="0">
-              <a:buNone/>
-              <a:defRPr sz="1600" b="1"/>
+              <a:buFontTx/>
+              <a:buNone/>
+              <a:defRPr/>
             </a:lvl5pPr>
-            <a:lvl6pPr marL="2286000" indent="0">
-              <a:buNone/>
-              <a:defRPr sz="1600" b="1"/>
-            </a:lvl6pPr>
-            <a:lvl7pPr marL="2743200" indent="0">
-              <a:buNone/>
-              <a:defRPr sz="1600" b="1"/>
-            </a:lvl7pPr>
-            <a:lvl8pPr marL="3200400" indent="0">
-              <a:buNone/>
-              <a:defRPr sz="1600" b="1"/>
-            </a:lvl8pPr>
-            <a:lvl9pPr marL="3657600" indent="0">
-              <a:buNone/>
-              <a:defRPr sz="1600" b="1"/>
-            </a:lvl9pPr>
           </a:lstStyle>
           <a:p>
             <a:pPr lvl="0"/>
@@ -1978,18 +1918,18 @@
       </p:sp>
       <p:sp>
         <p:nvSpPr>
-          <p:cNvPr id="8" name="Text Placeholder 3"/>
-          <p:cNvSpPr>
-            <a:spLocks noGrp="1"/>
-          </p:cNvSpPr>
-          <p:nvPr>
-            <p:ph type="body" sz="half" idx="15"/>
+          <p:cNvPr id="3" name="Text Placeholder 2"/>
+          <p:cNvSpPr>
+            <a:spLocks noGrp="1"/>
+          </p:cNvSpPr>
+          <p:nvPr>
+            <p:ph type="body" idx="1"/>
           </p:nvPr>
         </p:nvSpPr>
         <p:spPr>
           <a:xfrm>
-            <a:off x="685802" y="2639658"/>
-            <a:ext cx="3310128" cy="2734928"/>
+            <a:off x="677335" y="4527448"/>
+            <a:ext cx="8596668" cy="1513914"/>
           </a:xfrm>
         </p:spPr>
         <p:txBody>
@@ -1997,115 +1937,96 @@
             <a:normAutofit/>
           </a:bodyPr>
           <a:lstStyle>
-            <a:lvl1pPr marL="0" indent="0" algn="ctr">
-              <a:buNone/>
-              <a:defRPr sz="1400"/>
-            </a:lvl1pPr>
-            <a:lvl2pPr marL="457200" indent="0">
-              <a:buNone/>
-              <a:defRPr sz="1200"/>
-            </a:lvl2pPr>
-            <a:lvl3pPr marL="914400" indent="0">
-              <a:buNone/>
-              <a:defRPr sz="1000"/>
-            </a:lvl3pPr>
-            <a:lvl4pPr marL="1371600" indent="0">
-              <a:buNone/>
-              <a:defRPr sz="900"/>
-            </a:lvl4pPr>
-            <a:lvl5pPr marL="1828800" indent="0">
-              <a:buNone/>
-              <a:defRPr sz="900"/>
-            </a:lvl5pPr>
-            <a:lvl6pPr marL="2286000" indent="0">
-              <a:buNone/>
-              <a:defRPr sz="900"/>
-            </a:lvl6pPr>
-            <a:lvl7pPr marL="2743200" indent="0">
-              <a:buNone/>
-              <a:defRPr sz="900"/>
-            </a:lvl7pPr>
-            <a:lvl8pPr marL="3200400" indent="0">
-              <a:buNone/>
-              <a:defRPr sz="900"/>
-            </a:lvl8pPr>
-            <a:lvl9pPr marL="3657600" indent="0">
-              <a:buNone/>
-              <a:defRPr sz="900"/>
-            </a:lvl9pPr>
-          </a:lstStyle>
-          <a:p>
-            <a:pPr lvl="0"/>
-            <a:r>
-              <a:rPr lang="en-US"/>
-              <a:t>Click to edit Master text styles</a:t>
-            </a:r>
-          </a:p>
-        </p:txBody>
-      </p:sp>
-      <p:sp>
-        <p:nvSpPr>
-          <p:cNvPr id="9" name="Text Placeholder 4"/>
-          <p:cNvSpPr>
-            <a:spLocks noGrp="1"/>
-          </p:cNvSpPr>
-          <p:nvPr>
-            <p:ph type="body" sz="quarter" idx="3"/>
-          </p:nvPr>
-        </p:nvSpPr>
-        <p:spPr>
-          <a:xfrm>
-            <a:off x="4234622" y="2063395"/>
-            <a:ext cx="3310128" cy="576262"/>
-          </a:xfrm>
-        </p:spPr>
-        <p:txBody>
-          <a:bodyPr anchor="b">
-            <a:noAutofit/>
-          </a:bodyPr>
-          <a:lstStyle>
-            <a:lvl1pPr marL="0" indent="0" algn="ctr">
-              <a:lnSpc>
-                <a:spcPct val="90000"/>
-              </a:lnSpc>
-              <a:buNone/>
-              <a:defRPr sz="2400" b="0">
-                <a:solidFill>
-                  <a:schemeClr val="accent1"/>
+            <a:lvl1pPr marL="0" indent="0" algn="l">
+              <a:buNone/>
+              <a:defRPr sz="1800">
+                <a:solidFill>
+                  <a:schemeClr val="tx1">
+                    <a:lumMod val="50000"/>
+                    <a:lumOff val="50000"/>
+                  </a:schemeClr>
                 </a:solidFill>
               </a:defRPr>
             </a:lvl1pPr>
             <a:lvl2pPr marL="457200" indent="0">
               <a:buNone/>
-              <a:defRPr sz="2000" b="1"/>
+              <a:defRPr sz="1800">
+                <a:solidFill>
+                  <a:schemeClr val="tx1">
+                    <a:tint val="75000"/>
+                  </a:schemeClr>
+                </a:solidFill>
+              </a:defRPr>
             </a:lvl2pPr>
             <a:lvl3pPr marL="914400" indent="0">
               <a:buNone/>
-              <a:defRPr sz="1800" b="1"/>
+              <a:defRPr sz="1600">
+                <a:solidFill>
+                  <a:schemeClr val="tx1">
+                    <a:tint val="75000"/>
+                  </a:schemeClr>
+                </a:solidFill>
+              </a:defRPr>
             </a:lvl3pPr>
             <a:lvl4pPr marL="1371600" indent="0">
               <a:buNone/>
-              <a:defRPr sz="1600" b="1"/>
+              <a:defRPr sz="1400">
+                <a:solidFill>
+                  <a:schemeClr val="tx1">
+                    <a:tint val="75000"/>
+                  </a:schemeClr>
+                </a:solidFill>
+              </a:defRPr>
             </a:lvl4pPr>
             <a:lvl5pPr marL="1828800" indent="0">
               <a:buNone/>
-              <a:defRPr sz="1600" b="1"/>
+              <a:defRPr sz="1400">
+                <a:solidFill>
+                  <a:schemeClr val="tx1">
+                    <a:tint val="75000"/>
+                  </a:schemeClr>
+                </a:solidFill>
+              </a:defRPr>
             </a:lvl5pPr>
             <a:lvl6pPr marL="2286000" indent="0">
               <a:buNone/>
-              <a:defRPr sz="1600" b="1"/>
+              <a:defRPr sz="1400">
+                <a:solidFill>
+                  <a:schemeClr val="tx1">
+                    <a:tint val="75000"/>
+                  </a:schemeClr>
+                </a:solidFill>
+              </a:defRPr>
             </a:lvl6pPr>
             <a:lvl7pPr marL="2743200" indent="0">
               <a:buNone/>
-              <a:defRPr sz="1600" b="1"/>
+              <a:defRPr sz="1400">
+                <a:solidFill>
+                  <a:schemeClr val="tx1">
+                    <a:tint val="75000"/>
+                  </a:schemeClr>
+                </a:solidFill>
+              </a:defRPr>
             </a:lvl7pPr>
             <a:lvl8pPr marL="3200400" indent="0">
               <a:buNone/>
-              <a:defRPr sz="1600" b="1"/>
+              <a:defRPr sz="1400">
+                <a:solidFill>
+                  <a:schemeClr val="tx1">
+                    <a:tint val="75000"/>
+                  </a:schemeClr>
+                </a:solidFill>
+              </a:defRPr>
             </a:lvl8pPr>
             <a:lvl9pPr marL="3657600" indent="0">
               <a:buNone/>
-              <a:defRPr sz="1600" b="1"/>
+              <a:defRPr sz="1400">
+                <a:solidFill>
+                  <a:schemeClr val="tx1">
+                    <a:tint val="75000"/>
+                  </a:schemeClr>
+                </a:solidFill>
+              </a:defRPr>
             </a:lvl9pPr>
           </a:lstStyle>
           <a:p>
@@ -2119,215 +2040,7 @@
       </p:sp>
       <p:sp>
         <p:nvSpPr>
-          <p:cNvPr id="10" name="Text Placeholder 3"/>
-          <p:cNvSpPr>
-            <a:spLocks noGrp="1"/>
-          </p:cNvSpPr>
-          <p:nvPr>
-            <p:ph type="body" sz="half" idx="16"/>
-          </p:nvPr>
-        </p:nvSpPr>
-        <p:spPr>
-          <a:xfrm>
-            <a:off x="4234621" y="2639658"/>
-            <a:ext cx="3310128" cy="2734928"/>
-          </a:xfrm>
-        </p:spPr>
-        <p:txBody>
-          <a:bodyPr anchor="t">
-            <a:normAutofit/>
-          </a:bodyPr>
-          <a:lstStyle>
-            <a:lvl1pPr marL="0" indent="0" algn="ctr">
-              <a:buNone/>
-              <a:defRPr sz="1400"/>
-            </a:lvl1pPr>
-            <a:lvl2pPr marL="457200" indent="0">
-              <a:buNone/>
-              <a:defRPr sz="1200"/>
-            </a:lvl2pPr>
-            <a:lvl3pPr marL="914400" indent="0">
-              <a:buNone/>
-              <a:defRPr sz="1000"/>
-            </a:lvl3pPr>
-            <a:lvl4pPr marL="1371600" indent="0">
-              <a:buNone/>
-              <a:defRPr sz="900"/>
-            </a:lvl4pPr>
-            <a:lvl5pPr marL="1828800" indent="0">
-              <a:buNone/>
-              <a:defRPr sz="900"/>
-            </a:lvl5pPr>
-            <a:lvl6pPr marL="2286000" indent="0">
-              <a:buNone/>
-              <a:defRPr sz="900"/>
-            </a:lvl6pPr>
-            <a:lvl7pPr marL="2743200" indent="0">
-              <a:buNone/>
-              <a:defRPr sz="900"/>
-            </a:lvl7pPr>
-            <a:lvl8pPr marL="3200400" indent="0">
-              <a:buNone/>
-              <a:defRPr sz="900"/>
-            </a:lvl8pPr>
-            <a:lvl9pPr marL="3657600" indent="0">
-              <a:buNone/>
-              <a:defRPr sz="900"/>
-            </a:lvl9pPr>
-          </a:lstStyle>
-          <a:p>
-            <a:pPr lvl="0"/>
-            <a:r>
-              <a:rPr lang="en-US"/>
-              <a:t>Click to edit Master text styles</a:t>
-            </a:r>
-          </a:p>
-        </p:txBody>
-      </p:sp>
-      <p:sp>
-        <p:nvSpPr>
-          <p:cNvPr id="11" name="Text Placeholder 4"/>
-          <p:cNvSpPr>
-            <a:spLocks noGrp="1"/>
-          </p:cNvSpPr>
-          <p:nvPr>
-            <p:ph type="body" sz="quarter" idx="13"/>
-          </p:nvPr>
-        </p:nvSpPr>
-        <p:spPr>
-          <a:xfrm>
-            <a:off x="7770380" y="2063395"/>
-            <a:ext cx="3310128" cy="576262"/>
-          </a:xfrm>
-        </p:spPr>
-        <p:txBody>
-          <a:bodyPr anchor="b">
-            <a:noAutofit/>
-          </a:bodyPr>
-          <a:lstStyle>
-            <a:lvl1pPr marL="0" indent="0" algn="ctr">
-              <a:lnSpc>
-                <a:spcPct val="90000"/>
-              </a:lnSpc>
-              <a:buNone/>
-              <a:defRPr sz="2400" b="0">
-                <a:solidFill>
-                  <a:schemeClr val="accent1"/>
-                </a:solidFill>
-              </a:defRPr>
-            </a:lvl1pPr>
-            <a:lvl2pPr marL="457200" indent="0">
-              <a:buNone/>
-              <a:defRPr sz="2000" b="1"/>
-            </a:lvl2pPr>
-            <a:lvl3pPr marL="914400" indent="0">
-              <a:buNone/>
-              <a:defRPr sz="1800" b="1"/>
-            </a:lvl3pPr>
-            <a:lvl4pPr marL="1371600" indent="0">
-              <a:buNone/>
-              <a:defRPr sz="1600" b="1"/>
-            </a:lvl4pPr>
-            <a:lvl5pPr marL="1828800" indent="0">
-              <a:buNone/>
-              <a:defRPr sz="1600" b="1"/>
-            </a:lvl5pPr>
-            <a:lvl6pPr marL="2286000" indent="0">
-              <a:buNone/>
-              <a:defRPr sz="1600" b="1"/>
-            </a:lvl6pPr>
-            <a:lvl7pPr marL="2743200" indent="0">
-              <a:buNone/>
-              <a:defRPr sz="1600" b="1"/>
-            </a:lvl7pPr>
-            <a:lvl8pPr marL="3200400" indent="0">
-              <a:buNone/>
-              <a:defRPr sz="1600" b="1"/>
-            </a:lvl8pPr>
-            <a:lvl9pPr marL="3657600" indent="0">
-              <a:buNone/>
-              <a:defRPr sz="1600" b="1"/>
-            </a:lvl9pPr>
-          </a:lstStyle>
-          <a:p>
-            <a:pPr lvl="0"/>
-            <a:r>
-              <a:rPr lang="en-US"/>
-              <a:t>Click to edit Master text styles</a:t>
-            </a:r>
-          </a:p>
-        </p:txBody>
-      </p:sp>
-      <p:sp>
-        <p:nvSpPr>
-          <p:cNvPr id="12" name="Text Placeholder 3"/>
-          <p:cNvSpPr>
-            <a:spLocks noGrp="1"/>
-          </p:cNvSpPr>
-          <p:nvPr>
-            <p:ph type="body" sz="half" idx="17"/>
-          </p:nvPr>
-        </p:nvSpPr>
-        <p:spPr>
-          <a:xfrm>
-            <a:off x="7770380" y="2639658"/>
-            <a:ext cx="3310128" cy="2734928"/>
-          </a:xfrm>
-        </p:spPr>
-        <p:txBody>
-          <a:bodyPr anchor="t">
-            <a:normAutofit/>
-          </a:bodyPr>
-          <a:lstStyle>
-            <a:lvl1pPr marL="0" indent="0" algn="ctr">
-              <a:buNone/>
-              <a:defRPr sz="1400"/>
-            </a:lvl1pPr>
-            <a:lvl2pPr marL="457200" indent="0">
-              <a:buNone/>
-              <a:defRPr sz="1200"/>
-            </a:lvl2pPr>
-            <a:lvl3pPr marL="914400" indent="0">
-              <a:buNone/>
-              <a:defRPr sz="1000"/>
-            </a:lvl3pPr>
-            <a:lvl4pPr marL="1371600" indent="0">
-              <a:buNone/>
-              <a:defRPr sz="900"/>
-            </a:lvl4pPr>
-            <a:lvl5pPr marL="1828800" indent="0">
-              <a:buNone/>
-              <a:defRPr sz="900"/>
-            </a:lvl5pPr>
-            <a:lvl6pPr marL="2286000" indent="0">
-              <a:buNone/>
-              <a:defRPr sz="900"/>
-            </a:lvl6pPr>
-            <a:lvl7pPr marL="2743200" indent="0">
-              <a:buNone/>
-              <a:defRPr sz="900"/>
-            </a:lvl7pPr>
-            <a:lvl8pPr marL="3200400" indent="0">
-              <a:buNone/>
-              <a:defRPr sz="900"/>
-            </a:lvl8pPr>
-            <a:lvl9pPr marL="3657600" indent="0">
-              <a:buNone/>
-              <a:defRPr sz="900"/>
-            </a:lvl9pPr>
-          </a:lstStyle>
-          <a:p>
-            <a:pPr lvl="0"/>
-            <a:r>
-              <a:rPr lang="en-US"/>
-              <a:t>Click to edit Master text styles</a:t>
-            </a:r>
-          </a:p>
-        </p:txBody>
-      </p:sp>
-      <p:sp>
-        <p:nvSpPr>
-          <p:cNvPr id="3" name="Date Placeholder 2"/>
+          <p:cNvPr id="4" name="Date Placeholder 3"/>
           <p:cNvSpPr>
             <a:spLocks noGrp="1"/>
           </p:cNvSpPr>
@@ -2350,7 +2063,7 @@
       </p:sp>
       <p:sp>
         <p:nvSpPr>
-          <p:cNvPr id="4" name="Footer Placeholder 3"/>
+          <p:cNvPr id="5" name="Footer Placeholder 4"/>
           <p:cNvSpPr>
             <a:spLocks noGrp="1"/>
           </p:cNvSpPr>
@@ -2369,7 +2082,7 @@
       </p:sp>
       <p:sp>
         <p:nvSpPr>
-          <p:cNvPr id="5" name="Slide Number Placeholder 4"/>
+          <p:cNvPr id="6" name="Slide Number Placeholder 5"/>
           <p:cNvSpPr>
             <a:spLocks noGrp="1"/>
           </p:cNvSpPr>
@@ -2390,10 +2103,92 @@
           </a:p>
         </p:txBody>
       </p:sp>
+      <p:sp>
+        <p:nvSpPr>
+          <p:cNvPr id="24" name="TextBox 23"/>
+          <p:cNvSpPr txBox="1"/>
+          <p:nvPr/>
+        </p:nvSpPr>
+        <p:spPr>
+          <a:xfrm>
+            <a:off x="541870" y="790378"/>
+            <a:ext cx="609600" cy="584776"/>
+          </a:xfrm>
+          <a:prstGeom prst="rect">
+            <a:avLst/>
+          </a:prstGeom>
+        </p:spPr>
+        <p:txBody>
+          <a:bodyPr vert="horz" lIns="91440" tIns="45720" rIns="91440" bIns="45720" rtlCol="0" anchor="ctr">
+            <a:noAutofit/>
+          </a:bodyPr>
+          <a:lstStyle/>
+          <a:p>
+            <a:pPr lvl="0"/>
+            <a:r>
+              <a:rPr lang="en-US" sz="8000" baseline="0" dirty="0">
+                <a:ln w="3175" cmpd="sng">
+                  <a:noFill/>
+                </a:ln>
+                <a:solidFill>
+                  <a:schemeClr val="accent1">
+                    <a:lumMod val="60000"/>
+                    <a:lumOff val="40000"/>
+                  </a:schemeClr>
+                </a:solidFill>
+                <a:effectLst/>
+                <a:latin typeface="Arial"/>
+              </a:rPr>
+              <a:t>“</a:t>
+            </a:r>
+          </a:p>
+        </p:txBody>
+      </p:sp>
+      <p:sp>
+        <p:nvSpPr>
+          <p:cNvPr id="25" name="TextBox 24"/>
+          <p:cNvSpPr txBox="1"/>
+          <p:nvPr/>
+        </p:nvSpPr>
+        <p:spPr>
+          <a:xfrm>
+            <a:off x="8893011" y="2886556"/>
+            <a:ext cx="609600" cy="584776"/>
+          </a:xfrm>
+          <a:prstGeom prst="rect">
+            <a:avLst/>
+          </a:prstGeom>
+        </p:spPr>
+        <p:txBody>
+          <a:bodyPr vert="horz" lIns="91440" tIns="45720" rIns="91440" bIns="45720" rtlCol="0" anchor="ctr">
+            <a:noAutofit/>
+          </a:bodyPr>
+          <a:lstStyle/>
+          <a:p>
+            <a:pPr lvl="0"/>
+            <a:r>
+              <a:rPr lang="en-US" sz="8000" baseline="0" dirty="0">
+                <a:ln w="3175" cmpd="sng">
+                  <a:noFill/>
+                </a:ln>
+                <a:solidFill>
+                  <a:schemeClr val="accent1">
+                    <a:lumMod val="60000"/>
+                    <a:lumOff val="40000"/>
+                  </a:schemeClr>
+                </a:solidFill>
+                <a:effectLst/>
+                <a:latin typeface="Arial"/>
+              </a:rPr>
+              <a:t>”</a:t>
+            </a:r>
+          </a:p>
+        </p:txBody>
+      </p:sp>
     </p:spTree>
     <p:extLst>
       <p:ext uri="{BB962C8B-B14F-4D97-AF65-F5344CB8AC3E}">
-        <p14:creationId xmlns:p14="http://schemas.microsoft.com/office/powerpoint/2010/main" val="249242572"/>
+        <p14:creationId xmlns:p14="http://schemas.microsoft.com/office/powerpoint/2010/main" val="3790162073"/>
       </p:ext>
     </p:extLst>
   </p:cSld>
@@ -2403,9 +2198,9 @@
 </p:sldLayout>
 </file>
 
-<file path=ppt/slideLayouts/slideLayout15.xml><?xml version="1.0" encoding="utf-8"?>
+<file path=ppt/slideLayouts/slideLayout14.xml><?xml version="1.0" encoding="utf-8"?>
 <p:sldLayout xmlns:a="http://schemas.openxmlformats.org/drawingml/2006/main" xmlns:r="http://schemas.openxmlformats.org/officeDocument/2006/relationships" xmlns:p="http://schemas.openxmlformats.org/presentationml/2006/main" preserve="1">
-  <p:cSld name="3 Picture Column">
+  <p:cSld name="True or False">
     <p:spTree>
       <p:nvGrpSpPr>
         <p:cNvPr id="1" name=""/>
@@ -2422,7 +2217,7 @@
       </p:grpSpPr>
       <p:sp>
         <p:nvSpPr>
-          <p:cNvPr id="30" name="Title 1"/>
+          <p:cNvPr id="2" name="Title 1"/>
           <p:cNvSpPr>
             <a:spLocks noGrp="1"/>
           </p:cNvSpPr>
@@ -2432,15 +2227,17 @@
         </p:nvSpPr>
         <p:spPr>
           <a:xfrm>
-            <a:off x="685801" y="685800"/>
-            <a:ext cx="10396882" cy="1151965"/>
+            <a:off x="685799" y="609600"/>
+            <a:ext cx="8588203" cy="3022600"/>
           </a:xfrm>
         </p:spPr>
         <p:txBody>
-          <a:bodyPr/>
+          <a:bodyPr anchor="ctr">
+            <a:normAutofit/>
+          </a:bodyPr>
           <a:lstStyle>
-            <a:lvl1pPr algn="ctr">
-              <a:defRPr/>
+            <a:lvl1pPr algn="l">
+              <a:defRPr sz="4400" b="0" cap="none"/>
             </a:lvl1pPr>
           </a:lstStyle>
           <a:p>
@@ -2454,18 +2251,18 @@
       </p:sp>
       <p:sp>
         <p:nvSpPr>
-          <p:cNvPr id="19" name="Text Placeholder 2"/>
-          <p:cNvSpPr>
-            <a:spLocks noGrp="1"/>
-          </p:cNvSpPr>
-          <p:nvPr>
-            <p:ph type="body" idx="1"/>
+          <p:cNvPr id="23" name="Text Placeholder 9"/>
+          <p:cNvSpPr>
+            <a:spLocks noGrp="1"/>
+          </p:cNvSpPr>
+          <p:nvPr>
+            <p:ph type="body" sz="quarter" idx="13"/>
           </p:nvPr>
         </p:nvSpPr>
         <p:spPr>
           <a:xfrm>
-            <a:off x="691840" y="3813025"/>
-            <a:ext cx="3310128" cy="576262"/>
+            <a:off x="677332" y="4013200"/>
+            <a:ext cx="8596669" cy="514248"/>
           </a:xfrm>
         </p:spPr>
         <p:txBody>
@@ -2473,49 +2270,35 @@
             <a:noAutofit/>
           </a:bodyPr>
           <a:lstStyle>
-            <a:lvl1pPr marL="0" indent="0" algn="ctr">
-              <a:lnSpc>
-                <a:spcPct val="90000"/>
-              </a:lnSpc>
-              <a:buNone/>
-              <a:defRPr sz="2200" b="0">
+            <a:lvl1pPr marL="0" indent="0">
+              <a:buFontTx/>
+              <a:buNone/>
+              <a:defRPr sz="2400">
                 <a:solidFill>
                   <a:schemeClr val="accent1"/>
                 </a:solidFill>
               </a:defRPr>
             </a:lvl1pPr>
             <a:lvl2pPr marL="457200" indent="0">
-              <a:buNone/>
-              <a:defRPr sz="2000" b="1"/>
+              <a:buFontTx/>
+              <a:buNone/>
+              <a:defRPr/>
             </a:lvl2pPr>
             <a:lvl3pPr marL="914400" indent="0">
-              <a:buNone/>
-              <a:defRPr sz="1800" b="1"/>
+              <a:buFontTx/>
+              <a:buNone/>
+              <a:defRPr/>
             </a:lvl3pPr>
             <a:lvl4pPr marL="1371600" indent="0">
-              <a:buNone/>
-              <a:defRPr sz="1600" b="1"/>
+              <a:buFontTx/>
+              <a:buNone/>
+              <a:defRPr/>
             </a:lvl4pPr>
             <a:lvl5pPr marL="1828800" indent="0">
-              <a:buNone/>
-              <a:defRPr sz="1600" b="1"/>
+              <a:buFontTx/>
+              <a:buNone/>
+              <a:defRPr/>
             </a:lvl5pPr>
-            <a:lvl6pPr marL="2286000" indent="0">
-              <a:buNone/>
-              <a:defRPr sz="1600" b="1"/>
-            </a:lvl6pPr>
-            <a:lvl7pPr marL="2743200" indent="0">
-              <a:buNone/>
-              <a:defRPr sz="1600" b="1"/>
-            </a:lvl7pPr>
-            <a:lvl8pPr marL="3200400" indent="0">
-              <a:buNone/>
-              <a:defRPr sz="1600" b="1"/>
-            </a:lvl8pPr>
-            <a:lvl9pPr marL="3657600" indent="0">
-              <a:buNone/>
-              <a:defRPr sz="1600" b="1"/>
-            </a:lvl9pPr>
           </a:lstStyle>
           <a:p>
             <a:pPr lvl="0"/>
@@ -2528,214 +2311,115 @@
       </p:sp>
       <p:sp>
         <p:nvSpPr>
-          <p:cNvPr id="20" name="Picture Placeholder 2"/>
-          <p:cNvSpPr>
-            <a:spLocks noGrp="1" noChangeAspect="1"/>
-          </p:cNvSpPr>
-          <p:nvPr>
-            <p:ph type="pic" idx="15"/>
+          <p:cNvPr id="3" name="Text Placeholder 2"/>
+          <p:cNvSpPr>
+            <a:spLocks noGrp="1"/>
+          </p:cNvSpPr>
+          <p:nvPr>
+            <p:ph type="body" idx="1"/>
           </p:nvPr>
         </p:nvSpPr>
         <p:spPr>
           <a:xfrm>
-            <a:off x="685780" y="2063395"/>
-            <a:ext cx="3310128" cy="1536725"/>
+            <a:off x="677335" y="4527448"/>
+            <a:ext cx="8596668" cy="1513914"/>
           </a:xfrm>
-          <a:prstGeom prst="roundRect">
-            <a:avLst>
-              <a:gd name="adj" fmla="val 0"/>
-            </a:avLst>
-          </a:prstGeom>
-          <a:ln w="57150" cmpd="thinThick">
-            <a:solidFill>
-              <a:schemeClr val="bg1">
-                <a:lumMod val="50000"/>
-              </a:schemeClr>
-            </a:solidFill>
-            <a:miter lim="800000"/>
-          </a:ln>
         </p:spPr>
         <p:txBody>
           <a:bodyPr anchor="t">
             <a:normAutofit/>
           </a:bodyPr>
           <a:lstStyle>
-            <a:lvl1pPr marL="0" indent="0" algn="ctr">
-              <a:buNone/>
-              <a:defRPr sz="1600"/>
-            </a:lvl1pPr>
-            <a:lvl2pPr marL="457200" indent="0">
-              <a:buNone/>
-              <a:defRPr sz="1600"/>
-            </a:lvl2pPr>
-            <a:lvl3pPr marL="914400" indent="0">
-              <a:buNone/>
-              <a:defRPr sz="1600"/>
-            </a:lvl3pPr>
-            <a:lvl4pPr marL="1371600" indent="0">
-              <a:buNone/>
-              <a:defRPr sz="1600"/>
-            </a:lvl4pPr>
-            <a:lvl5pPr marL="1828800" indent="0">
-              <a:buNone/>
-              <a:defRPr sz="1600"/>
-            </a:lvl5pPr>
-            <a:lvl6pPr marL="2286000" indent="0">
-              <a:buNone/>
-              <a:defRPr sz="1600"/>
-            </a:lvl6pPr>
-            <a:lvl7pPr marL="2743200" indent="0">
-              <a:buNone/>
-              <a:defRPr sz="1600"/>
-            </a:lvl7pPr>
-            <a:lvl8pPr marL="3200400" indent="0">
-              <a:buNone/>
-              <a:defRPr sz="1600"/>
-            </a:lvl8pPr>
-            <a:lvl9pPr marL="3657600" indent="0">
-              <a:buNone/>
-              <a:defRPr sz="1600"/>
-            </a:lvl9pPr>
-          </a:lstStyle>
-          <a:p>
-            <a:r>
-              <a:rPr lang="en-US"/>
-              <a:t>Click icon to add picture</a:t>
-            </a:r>
-            <a:endParaRPr lang="en-US" dirty="0"/>
-          </a:p>
-        </p:txBody>
-      </p:sp>
-      <p:sp>
-        <p:nvSpPr>
-          <p:cNvPr id="21" name="Text Placeholder 3"/>
-          <p:cNvSpPr>
-            <a:spLocks noGrp="1"/>
-          </p:cNvSpPr>
-          <p:nvPr>
-            <p:ph type="body" sz="half" idx="18"/>
-          </p:nvPr>
-        </p:nvSpPr>
-        <p:spPr>
-          <a:xfrm>
-            <a:off x="691840" y="4389287"/>
-            <a:ext cx="3310128" cy="985299"/>
-          </a:xfrm>
-        </p:spPr>
-        <p:txBody>
-          <a:bodyPr anchor="t">
-            <a:normAutofit/>
-          </a:bodyPr>
-          <a:lstStyle>
-            <a:lvl1pPr marL="0" indent="0" algn="ctr">
-              <a:buNone/>
-              <a:defRPr sz="1400"/>
-            </a:lvl1pPr>
-            <a:lvl2pPr marL="457200" indent="0">
-              <a:buNone/>
-              <a:defRPr sz="1200"/>
-            </a:lvl2pPr>
-            <a:lvl3pPr marL="914400" indent="0">
-              <a:buNone/>
-              <a:defRPr sz="1000"/>
-            </a:lvl3pPr>
-            <a:lvl4pPr marL="1371600" indent="0">
-              <a:buNone/>
-              <a:defRPr sz="900"/>
-            </a:lvl4pPr>
-            <a:lvl5pPr marL="1828800" indent="0">
-              <a:buNone/>
-              <a:defRPr sz="900"/>
-            </a:lvl5pPr>
-            <a:lvl6pPr marL="2286000" indent="0">
-              <a:buNone/>
-              <a:defRPr sz="900"/>
-            </a:lvl6pPr>
-            <a:lvl7pPr marL="2743200" indent="0">
-              <a:buNone/>
-              <a:defRPr sz="900"/>
-            </a:lvl7pPr>
-            <a:lvl8pPr marL="3200400" indent="0">
-              <a:buNone/>
-              <a:defRPr sz="900"/>
-            </a:lvl8pPr>
-            <a:lvl9pPr marL="3657600" indent="0">
-              <a:buNone/>
-              <a:defRPr sz="900"/>
-            </a:lvl9pPr>
-          </a:lstStyle>
-          <a:p>
-            <a:pPr lvl="0"/>
-            <a:r>
-              <a:rPr lang="en-US"/>
-              <a:t>Click to edit Master text styles</a:t>
-            </a:r>
-          </a:p>
-        </p:txBody>
-      </p:sp>
-      <p:sp>
-        <p:nvSpPr>
-          <p:cNvPr id="22" name="Text Placeholder 4"/>
-          <p:cNvSpPr>
-            <a:spLocks noGrp="1"/>
-          </p:cNvSpPr>
-          <p:nvPr>
-            <p:ph type="body" sz="quarter" idx="3"/>
-          </p:nvPr>
-        </p:nvSpPr>
-        <p:spPr>
-          <a:xfrm>
-            <a:off x="4237410" y="3813025"/>
-            <a:ext cx="3310128" cy="576262"/>
-          </a:xfrm>
-        </p:spPr>
-        <p:txBody>
-          <a:bodyPr anchor="b">
-            <a:noAutofit/>
-          </a:bodyPr>
-          <a:lstStyle>
-            <a:lvl1pPr marL="0" indent="0" algn="ctr">
-              <a:lnSpc>
-                <a:spcPct val="90000"/>
-              </a:lnSpc>
-              <a:buNone/>
-              <a:defRPr sz="2200" b="0">
-                <a:solidFill>
-                  <a:schemeClr val="accent1"/>
+            <a:lvl1pPr marL="0" indent="0" algn="l">
+              <a:buNone/>
+              <a:defRPr sz="1800">
+                <a:solidFill>
+                  <a:schemeClr val="tx1">
+                    <a:lumMod val="50000"/>
+                    <a:lumOff val="50000"/>
+                  </a:schemeClr>
                 </a:solidFill>
               </a:defRPr>
             </a:lvl1pPr>
             <a:lvl2pPr marL="457200" indent="0">
               <a:buNone/>
-              <a:defRPr sz="2000" b="1"/>
+              <a:defRPr sz="1800">
+                <a:solidFill>
+                  <a:schemeClr val="tx1">
+                    <a:tint val="75000"/>
+                  </a:schemeClr>
+                </a:solidFill>
+              </a:defRPr>
             </a:lvl2pPr>
             <a:lvl3pPr marL="914400" indent="0">
               <a:buNone/>
-              <a:defRPr sz="1800" b="1"/>
+              <a:defRPr sz="1600">
+                <a:solidFill>
+                  <a:schemeClr val="tx1">
+                    <a:tint val="75000"/>
+                  </a:schemeClr>
+                </a:solidFill>
+              </a:defRPr>
             </a:lvl3pPr>
             <a:lvl4pPr marL="1371600" indent="0">
               <a:buNone/>
-              <a:defRPr sz="1600" b="1"/>
+              <a:defRPr sz="1400">
+                <a:solidFill>
+                  <a:schemeClr val="tx1">
+                    <a:tint val="75000"/>
+                  </a:schemeClr>
+                </a:solidFill>
+              </a:defRPr>
             </a:lvl4pPr>
             <a:lvl5pPr marL="1828800" indent="0">
               <a:buNone/>
-              <a:defRPr sz="1600" b="1"/>
+              <a:defRPr sz="1400">
+                <a:solidFill>
+                  <a:schemeClr val="tx1">
+                    <a:tint val="75000"/>
+                  </a:schemeClr>
+                </a:solidFill>
+              </a:defRPr>
             </a:lvl5pPr>
             <a:lvl6pPr marL="2286000" indent="0">
               <a:buNone/>
-              <a:defRPr sz="1600" b="1"/>
+              <a:defRPr sz="1400">
+                <a:solidFill>
+                  <a:schemeClr val="tx1">
+                    <a:tint val="75000"/>
+                  </a:schemeClr>
+                </a:solidFill>
+              </a:defRPr>
             </a:lvl6pPr>
             <a:lvl7pPr marL="2743200" indent="0">
               <a:buNone/>
-              <a:defRPr sz="1600" b="1"/>
+              <a:defRPr sz="1400">
+                <a:solidFill>
+                  <a:schemeClr val="tx1">
+                    <a:tint val="75000"/>
+                  </a:schemeClr>
+                </a:solidFill>
+              </a:defRPr>
             </a:lvl7pPr>
             <a:lvl8pPr marL="3200400" indent="0">
               <a:buNone/>
-              <a:defRPr sz="1600" b="1"/>
+              <a:defRPr sz="1400">
+                <a:solidFill>
+                  <a:schemeClr val="tx1">
+                    <a:tint val="75000"/>
+                  </a:schemeClr>
+                </a:solidFill>
+              </a:defRPr>
             </a:lvl8pPr>
             <a:lvl9pPr marL="3657600" indent="0">
               <a:buNone/>
-              <a:defRPr sz="1600" b="1"/>
+              <a:defRPr sz="1400">
+                <a:solidFill>
+                  <a:schemeClr val="tx1">
+                    <a:tint val="75000"/>
+                  </a:schemeClr>
+                </a:solidFill>
+              </a:defRPr>
             </a:lvl9pPr>
           </a:lstStyle>
           <a:p>
@@ -2749,375 +2433,7 @@
       </p:sp>
       <p:sp>
         <p:nvSpPr>
-          <p:cNvPr id="23" name="Picture Placeholder 2"/>
-          <p:cNvSpPr>
-            <a:spLocks noGrp="1" noChangeAspect="1"/>
-          </p:cNvSpPr>
-          <p:nvPr>
-            <p:ph type="pic" idx="21"/>
-          </p:nvPr>
-        </p:nvSpPr>
-        <p:spPr>
-          <a:xfrm>
-            <a:off x="4235999" y="2063395"/>
-            <a:ext cx="3310128" cy="1535237"/>
-          </a:xfrm>
-          <a:prstGeom prst="roundRect">
-            <a:avLst>
-              <a:gd name="adj" fmla="val 0"/>
-            </a:avLst>
-          </a:prstGeom>
-          <a:ln w="57150" cmpd="thinThick">
-            <a:solidFill>
-              <a:schemeClr val="bg1">
-                <a:lumMod val="50000"/>
-              </a:schemeClr>
-            </a:solidFill>
-            <a:miter lim="800000"/>
-          </a:ln>
-        </p:spPr>
-        <p:txBody>
-          <a:bodyPr anchor="t">
-            <a:normAutofit/>
-          </a:bodyPr>
-          <a:lstStyle>
-            <a:lvl1pPr marL="0" indent="0" algn="ctr">
-              <a:buNone/>
-              <a:defRPr sz="1600"/>
-            </a:lvl1pPr>
-            <a:lvl2pPr marL="457200" indent="0">
-              <a:buNone/>
-              <a:defRPr sz="1600"/>
-            </a:lvl2pPr>
-            <a:lvl3pPr marL="914400" indent="0">
-              <a:buNone/>
-              <a:defRPr sz="1600"/>
-            </a:lvl3pPr>
-            <a:lvl4pPr marL="1371600" indent="0">
-              <a:buNone/>
-              <a:defRPr sz="1600"/>
-            </a:lvl4pPr>
-            <a:lvl5pPr marL="1828800" indent="0">
-              <a:buNone/>
-              <a:defRPr sz="1600"/>
-            </a:lvl5pPr>
-            <a:lvl6pPr marL="2286000" indent="0">
-              <a:buNone/>
-              <a:defRPr sz="1600"/>
-            </a:lvl6pPr>
-            <a:lvl7pPr marL="2743200" indent="0">
-              <a:buNone/>
-              <a:defRPr sz="1600"/>
-            </a:lvl7pPr>
-            <a:lvl8pPr marL="3200400" indent="0">
-              <a:buNone/>
-              <a:defRPr sz="1600"/>
-            </a:lvl8pPr>
-            <a:lvl9pPr marL="3657600" indent="0">
-              <a:buNone/>
-              <a:defRPr sz="1600"/>
-            </a:lvl9pPr>
-          </a:lstStyle>
-          <a:p>
-            <a:r>
-              <a:rPr lang="en-US"/>
-              <a:t>Click icon to add picture</a:t>
-            </a:r>
-            <a:endParaRPr lang="en-US" dirty="0"/>
-          </a:p>
-        </p:txBody>
-      </p:sp>
-      <p:sp>
-        <p:nvSpPr>
-          <p:cNvPr id="24" name="Text Placeholder 3"/>
-          <p:cNvSpPr>
-            <a:spLocks noGrp="1"/>
-          </p:cNvSpPr>
-          <p:nvPr>
-            <p:ph type="body" sz="half" idx="19"/>
-          </p:nvPr>
-        </p:nvSpPr>
-        <p:spPr>
-          <a:xfrm>
-            <a:off x="4235999" y="4389286"/>
-            <a:ext cx="3310128" cy="985300"/>
-          </a:xfrm>
-        </p:spPr>
-        <p:txBody>
-          <a:bodyPr anchor="t">
-            <a:normAutofit/>
-          </a:bodyPr>
-          <a:lstStyle>
-            <a:lvl1pPr marL="0" indent="0" algn="ctr">
-              <a:buNone/>
-              <a:defRPr sz="1400"/>
-            </a:lvl1pPr>
-            <a:lvl2pPr marL="457200" indent="0">
-              <a:buNone/>
-              <a:defRPr sz="1200"/>
-            </a:lvl2pPr>
-            <a:lvl3pPr marL="914400" indent="0">
-              <a:buNone/>
-              <a:defRPr sz="1000"/>
-            </a:lvl3pPr>
-            <a:lvl4pPr marL="1371600" indent="0">
-              <a:buNone/>
-              <a:defRPr sz="900"/>
-            </a:lvl4pPr>
-            <a:lvl5pPr marL="1828800" indent="0">
-              <a:buNone/>
-              <a:defRPr sz="900"/>
-            </a:lvl5pPr>
-            <a:lvl6pPr marL="2286000" indent="0">
-              <a:buNone/>
-              <a:defRPr sz="900"/>
-            </a:lvl6pPr>
-            <a:lvl7pPr marL="2743200" indent="0">
-              <a:buNone/>
-              <a:defRPr sz="900"/>
-            </a:lvl7pPr>
-            <a:lvl8pPr marL="3200400" indent="0">
-              <a:buNone/>
-              <a:defRPr sz="900"/>
-            </a:lvl8pPr>
-            <a:lvl9pPr marL="3657600" indent="0">
-              <a:buNone/>
-              <a:defRPr sz="900"/>
-            </a:lvl9pPr>
-          </a:lstStyle>
-          <a:p>
-            <a:pPr lvl="0"/>
-            <a:r>
-              <a:rPr lang="en-US"/>
-              <a:t>Click to edit Master text styles</a:t>
-            </a:r>
-          </a:p>
-        </p:txBody>
-      </p:sp>
-      <p:sp>
-        <p:nvSpPr>
-          <p:cNvPr id="25" name="Text Placeholder 4"/>
-          <p:cNvSpPr>
-            <a:spLocks noGrp="1"/>
-          </p:cNvSpPr>
-          <p:nvPr>
-            <p:ph type="body" sz="quarter" idx="13"/>
-          </p:nvPr>
-        </p:nvSpPr>
-        <p:spPr>
-          <a:xfrm>
-            <a:off x="7768944" y="3813025"/>
-            <a:ext cx="3310128" cy="576262"/>
-          </a:xfrm>
-        </p:spPr>
-        <p:txBody>
-          <a:bodyPr anchor="b">
-            <a:noAutofit/>
-          </a:bodyPr>
-          <a:lstStyle>
-            <a:lvl1pPr marL="0" indent="0" algn="ctr">
-              <a:lnSpc>
-                <a:spcPct val="90000"/>
-              </a:lnSpc>
-              <a:buNone/>
-              <a:defRPr sz="2200" b="0">
-                <a:solidFill>
-                  <a:schemeClr val="accent1"/>
-                </a:solidFill>
-              </a:defRPr>
-            </a:lvl1pPr>
-            <a:lvl2pPr marL="457200" indent="0">
-              <a:buNone/>
-              <a:defRPr sz="2000" b="1"/>
-            </a:lvl2pPr>
-            <a:lvl3pPr marL="914400" indent="0">
-              <a:buNone/>
-              <a:defRPr sz="1800" b="1"/>
-            </a:lvl3pPr>
-            <a:lvl4pPr marL="1371600" indent="0">
-              <a:buNone/>
-              <a:defRPr sz="1600" b="1"/>
-            </a:lvl4pPr>
-            <a:lvl5pPr marL="1828800" indent="0">
-              <a:buNone/>
-              <a:defRPr sz="1600" b="1"/>
-            </a:lvl5pPr>
-            <a:lvl6pPr marL="2286000" indent="0">
-              <a:buNone/>
-              <a:defRPr sz="1600" b="1"/>
-            </a:lvl6pPr>
-            <a:lvl7pPr marL="2743200" indent="0">
-              <a:buNone/>
-              <a:defRPr sz="1600" b="1"/>
-            </a:lvl7pPr>
-            <a:lvl8pPr marL="3200400" indent="0">
-              <a:buNone/>
-              <a:defRPr sz="1600" b="1"/>
-            </a:lvl8pPr>
-            <a:lvl9pPr marL="3657600" indent="0">
-              <a:buNone/>
-              <a:defRPr sz="1600" b="1"/>
-            </a:lvl9pPr>
-          </a:lstStyle>
-          <a:p>
-            <a:pPr lvl="0"/>
-            <a:r>
-              <a:rPr lang="en-US"/>
-              <a:t>Click to edit Master text styles</a:t>
-            </a:r>
-          </a:p>
-        </p:txBody>
-      </p:sp>
-      <p:sp>
-        <p:nvSpPr>
-          <p:cNvPr id="26" name="Picture Placeholder 2"/>
-          <p:cNvSpPr>
-            <a:spLocks noGrp="1" noChangeAspect="1"/>
-          </p:cNvSpPr>
-          <p:nvPr>
-            <p:ph type="pic" idx="22"/>
-          </p:nvPr>
-        </p:nvSpPr>
-        <p:spPr>
-          <a:xfrm>
-            <a:off x="7768819" y="2063394"/>
-            <a:ext cx="3310128" cy="1537196"/>
-          </a:xfrm>
-          <a:prstGeom prst="roundRect">
-            <a:avLst>
-              <a:gd name="adj" fmla="val 0"/>
-            </a:avLst>
-          </a:prstGeom>
-          <a:ln w="57150" cmpd="thinThick">
-            <a:solidFill>
-              <a:schemeClr val="bg1">
-                <a:lumMod val="50000"/>
-              </a:schemeClr>
-            </a:solidFill>
-            <a:miter lim="800000"/>
-          </a:ln>
-        </p:spPr>
-        <p:txBody>
-          <a:bodyPr anchor="t">
-            <a:normAutofit/>
-          </a:bodyPr>
-          <a:lstStyle>
-            <a:lvl1pPr marL="0" indent="0" algn="ctr">
-              <a:buNone/>
-              <a:defRPr sz="1600"/>
-            </a:lvl1pPr>
-            <a:lvl2pPr marL="457200" indent="0">
-              <a:buNone/>
-              <a:defRPr sz="1600"/>
-            </a:lvl2pPr>
-            <a:lvl3pPr marL="914400" indent="0">
-              <a:buNone/>
-              <a:defRPr sz="1600"/>
-            </a:lvl3pPr>
-            <a:lvl4pPr marL="1371600" indent="0">
-              <a:buNone/>
-              <a:defRPr sz="1600"/>
-            </a:lvl4pPr>
-            <a:lvl5pPr marL="1828800" indent="0">
-              <a:buNone/>
-              <a:defRPr sz="1600"/>
-            </a:lvl5pPr>
-            <a:lvl6pPr marL="2286000" indent="0">
-              <a:buNone/>
-              <a:defRPr sz="1600"/>
-            </a:lvl6pPr>
-            <a:lvl7pPr marL="2743200" indent="0">
-              <a:buNone/>
-              <a:defRPr sz="1600"/>
-            </a:lvl7pPr>
-            <a:lvl8pPr marL="3200400" indent="0">
-              <a:buNone/>
-              <a:defRPr sz="1600"/>
-            </a:lvl8pPr>
-            <a:lvl9pPr marL="3657600" indent="0">
-              <a:buNone/>
-              <a:defRPr sz="1600"/>
-            </a:lvl9pPr>
-          </a:lstStyle>
-          <a:p>
-            <a:r>
-              <a:rPr lang="en-US"/>
-              <a:t>Click icon to add picture</a:t>
-            </a:r>
-            <a:endParaRPr lang="en-US" dirty="0"/>
-          </a:p>
-        </p:txBody>
-      </p:sp>
-      <p:sp>
-        <p:nvSpPr>
-          <p:cNvPr id="27" name="Text Placeholder 3"/>
-          <p:cNvSpPr>
-            <a:spLocks noGrp="1"/>
-          </p:cNvSpPr>
-          <p:nvPr>
-            <p:ph type="body" sz="half" idx="20"/>
-          </p:nvPr>
-        </p:nvSpPr>
-        <p:spPr>
-          <a:xfrm>
-            <a:off x="7768819" y="4389284"/>
-            <a:ext cx="3310128" cy="985302"/>
-          </a:xfrm>
-        </p:spPr>
-        <p:txBody>
-          <a:bodyPr anchor="t">
-            <a:normAutofit/>
-          </a:bodyPr>
-          <a:lstStyle>
-            <a:lvl1pPr marL="0" indent="0" algn="ctr">
-              <a:buNone/>
-              <a:defRPr sz="1400"/>
-            </a:lvl1pPr>
-            <a:lvl2pPr marL="457200" indent="0">
-              <a:buNone/>
-              <a:defRPr sz="1200"/>
-            </a:lvl2pPr>
-            <a:lvl3pPr marL="914400" indent="0">
-              <a:buNone/>
-              <a:defRPr sz="1000"/>
-            </a:lvl3pPr>
-            <a:lvl4pPr marL="1371600" indent="0">
-              <a:buNone/>
-              <a:defRPr sz="900"/>
-            </a:lvl4pPr>
-            <a:lvl5pPr marL="1828800" indent="0">
-              <a:buNone/>
-              <a:defRPr sz="900"/>
-            </a:lvl5pPr>
-            <a:lvl6pPr marL="2286000" indent="0">
-              <a:buNone/>
-              <a:defRPr sz="900"/>
-            </a:lvl6pPr>
-            <a:lvl7pPr marL="2743200" indent="0">
-              <a:buNone/>
-              <a:defRPr sz="900"/>
-            </a:lvl7pPr>
-            <a:lvl8pPr marL="3200400" indent="0">
-              <a:buNone/>
-              <a:defRPr sz="900"/>
-            </a:lvl8pPr>
-            <a:lvl9pPr marL="3657600" indent="0">
-              <a:buNone/>
-              <a:defRPr sz="900"/>
-            </a:lvl9pPr>
-          </a:lstStyle>
-          <a:p>
-            <a:pPr lvl="0"/>
-            <a:r>
-              <a:rPr lang="en-US"/>
-              <a:t>Click to edit Master text styles</a:t>
-            </a:r>
-          </a:p>
-        </p:txBody>
-      </p:sp>
-      <p:sp>
-        <p:nvSpPr>
-          <p:cNvPr id="3" name="Date Placeholder 2"/>
+          <p:cNvPr id="4" name="Date Placeholder 3"/>
           <p:cNvSpPr>
             <a:spLocks noGrp="1"/>
           </p:cNvSpPr>
@@ -3140,7 +2456,7 @@
       </p:sp>
       <p:sp>
         <p:nvSpPr>
-          <p:cNvPr id="4" name="Footer Placeholder 3"/>
+          <p:cNvPr id="5" name="Footer Placeholder 4"/>
           <p:cNvSpPr>
             <a:spLocks noGrp="1"/>
           </p:cNvSpPr>
@@ -3159,7 +2475,7 @@
       </p:sp>
       <p:sp>
         <p:nvSpPr>
-          <p:cNvPr id="5" name="Slide Number Placeholder 4"/>
+          <p:cNvPr id="6" name="Slide Number Placeholder 5"/>
           <p:cNvSpPr>
             <a:spLocks noGrp="1"/>
           </p:cNvSpPr>
@@ -3183,7 +2499,7 @@
     </p:spTree>
     <p:extLst>
       <p:ext uri="{BB962C8B-B14F-4D97-AF65-F5344CB8AC3E}">
-        <p14:creationId xmlns:p14="http://schemas.microsoft.com/office/powerpoint/2010/main" val="3278994892"/>
+        <p14:creationId xmlns:p14="http://schemas.microsoft.com/office/powerpoint/2010/main" val="2489816939"/>
       </p:ext>
     </p:extLst>
   </p:cSld>
@@ -3193,7 +2509,7 @@
 </p:sldLayout>
 </file>
 
-<file path=ppt/slideLayouts/slideLayout16.xml><?xml version="1.0" encoding="utf-8"?>
+<file path=ppt/slideLayouts/slideLayout15.xml><?xml version="1.0" encoding="utf-8"?>
 <p:sldLayout xmlns:a="http://schemas.openxmlformats.org/drawingml/2006/main" xmlns:r="http://schemas.openxmlformats.org/officeDocument/2006/relationships" xmlns:p="http://schemas.openxmlformats.org/presentationml/2006/main" type="vertTx" preserve="1">
   <p:cSld name="Title and Vertical Text">
     <p:spTree>
@@ -3223,11 +2539,7 @@
         <p:spPr/>
         <p:txBody>
           <a:bodyPr/>
-          <a:lstStyle>
-            <a:lvl1pPr algn="r">
-              <a:defRPr/>
-            </a:lvl1pPr>
-          </a:lstStyle>
+          <a:lstStyle/>
           <a:p>
             <a:r>
               <a:rPr lang="en-US"/>
@@ -3239,22 +2551,17 @@
       </p:sp>
       <p:sp>
         <p:nvSpPr>
-          <p:cNvPr id="11" name="Vertical Text Placeholder 2"/>
-          <p:cNvSpPr>
-            <a:spLocks noGrp="1"/>
-          </p:cNvSpPr>
-          <p:nvPr>
-            <p:ph type="body" orient="vert" sz="quarter" idx="13"/>
-          </p:nvPr>
-        </p:nvSpPr>
-        <p:spPr>
-          <a:xfrm>
-            <a:off x="685800" y="2063396"/>
-            <a:ext cx="10394707" cy="3311190"/>
-          </a:xfrm>
-        </p:spPr>
-        <p:txBody>
-          <a:bodyPr vert="eaVert" anchor="t"/>
+          <p:cNvPr id="3" name="Vertical Text Placeholder 2"/>
+          <p:cNvSpPr>
+            <a:spLocks noGrp="1"/>
+          </p:cNvSpPr>
+          <p:nvPr>
+            <p:ph type="body" orient="vert" idx="1"/>
+          </p:nvPr>
+        </p:nvSpPr>
+        <p:spPr/>
+        <p:txBody>
+          <a:bodyPr vert="eaVert"/>
           <a:lstStyle/>
           <a:p>
             <a:pPr lvl="0"/>
@@ -3362,7 +2669,7 @@
     </p:spTree>
     <p:extLst>
       <p:ext uri="{BB962C8B-B14F-4D97-AF65-F5344CB8AC3E}">
-        <p14:creationId xmlns:p14="http://schemas.microsoft.com/office/powerpoint/2010/main" val="2786634770"/>
+        <p14:creationId xmlns:p14="http://schemas.microsoft.com/office/powerpoint/2010/main" val="3721338312"/>
       </p:ext>
     </p:extLst>
   </p:cSld>
@@ -3372,7 +2679,7 @@
 </p:sldLayout>
 </file>
 
-<file path=ppt/slideLayouts/slideLayout17.xml><?xml version="1.0" encoding="utf-8"?>
+<file path=ppt/slideLayouts/slideLayout16.xml><?xml version="1.0" encoding="utf-8"?>
 <p:sldLayout xmlns:a="http://schemas.openxmlformats.org/drawingml/2006/main" xmlns:r="http://schemas.openxmlformats.org/officeDocument/2006/relationships" xmlns:p="http://schemas.openxmlformats.org/presentationml/2006/main" type="vertTitleAndTx" preserve="1">
   <p:cSld name="Vertical Title and Text">
     <p:spTree>
@@ -3401,17 +2708,13 @@
         </p:nvSpPr>
         <p:spPr>
           <a:xfrm>
-            <a:off x="8815862" y="685800"/>
-            <a:ext cx="2264646" cy="4688785"/>
+            <a:off x="7967673" y="609599"/>
+            <a:ext cx="1304743" cy="5251451"/>
           </a:xfrm>
         </p:spPr>
         <p:txBody>
-          <a:bodyPr vert="eaVert"/>
-          <a:lstStyle>
-            <a:lvl1pPr algn="l">
-              <a:defRPr/>
-            </a:lvl1pPr>
-          </a:lstStyle>
+          <a:bodyPr vert="eaVert" anchor="ctr"/>
+          <a:lstStyle/>
           <a:p>
             <a:r>
               <a:rPr lang="en-US"/>
@@ -3423,22 +2726,22 @@
       </p:sp>
       <p:sp>
         <p:nvSpPr>
-          <p:cNvPr id="8" name="Vertical Text Placeholder 2"/>
-          <p:cNvSpPr>
-            <a:spLocks noGrp="1"/>
-          </p:cNvSpPr>
-          <p:nvPr>
-            <p:ph type="body" orient="vert" sz="quarter" idx="13"/>
+          <p:cNvPr id="3" name="Vertical Text Placeholder 2"/>
+          <p:cNvSpPr>
+            <a:spLocks noGrp="1"/>
+          </p:cNvSpPr>
+          <p:nvPr>
+            <p:ph type="body" orient="vert" idx="1"/>
           </p:nvPr>
         </p:nvSpPr>
         <p:spPr>
           <a:xfrm>
-            <a:off x="685800" y="685800"/>
-            <a:ext cx="7904431" cy="4688785"/>
+            <a:off x="677335" y="609600"/>
+            <a:ext cx="7060150" cy="5251450"/>
           </a:xfrm>
         </p:spPr>
         <p:txBody>
-          <a:bodyPr vert="eaVert" anchor="t"/>
+          <a:bodyPr vert="eaVert"/>
           <a:lstStyle/>
           <a:p>
             <a:pPr lvl="0"/>
@@ -3546,7 +2849,182 @@
     </p:spTree>
     <p:extLst>
       <p:ext uri="{BB962C8B-B14F-4D97-AF65-F5344CB8AC3E}">
-        <p14:creationId xmlns:p14="http://schemas.microsoft.com/office/powerpoint/2010/main" val="441516906"/>
+        <p14:creationId xmlns:p14="http://schemas.microsoft.com/office/powerpoint/2010/main" val="3590100711"/>
+      </p:ext>
+    </p:extLst>
+  </p:cSld>
+  <p:clrMapOvr>
+    <a:masterClrMapping/>
+  </p:clrMapOvr>
+</p:sldLayout>
+</file>
+
+<file path=ppt/slideLayouts/slideLayout17.xml><?xml version="1.0" encoding="utf-8"?>
+<p:sldLayout xmlns:a="http://schemas.openxmlformats.org/drawingml/2006/main" xmlns:r="http://schemas.openxmlformats.org/officeDocument/2006/relationships" xmlns:p="http://schemas.openxmlformats.org/presentationml/2006/main" type="obj">
+  <p:cSld name="1_Title and Content">
+    <p:spTree>
+      <p:nvGrpSpPr>
+        <p:cNvPr id="1" name=""/>
+        <p:cNvGrpSpPr/>
+        <p:nvPr/>
+      </p:nvGrpSpPr>
+      <p:grpSpPr>
+        <a:xfrm>
+          <a:off x="0" y="0"/>
+          <a:ext cx="0" cy="0"/>
+          <a:chOff x="0" y="0"/>
+          <a:chExt cx="0" cy="0"/>
+        </a:xfrm>
+      </p:grpSpPr>
+      <p:sp>
+        <p:nvSpPr>
+          <p:cNvPr id="2" name="Title 1"/>
+          <p:cNvSpPr>
+            <a:spLocks noGrp="1"/>
+          </p:cNvSpPr>
+          <p:nvPr>
+            <p:ph type="title"/>
+          </p:nvPr>
+        </p:nvSpPr>
+        <p:spPr/>
+        <p:txBody>
+          <a:bodyPr/>
+          <a:lstStyle/>
+          <a:p>
+            <a:r>
+              <a:rPr lang="en-US"/>
+              <a:t>Click to edit Master title style</a:t>
+            </a:r>
+            <a:endParaRPr lang="en-US" dirty="0"/>
+          </a:p>
+        </p:txBody>
+      </p:sp>
+      <p:sp>
+        <p:nvSpPr>
+          <p:cNvPr id="12" name="Content Placeholder 2"/>
+          <p:cNvSpPr>
+            <a:spLocks noGrp="1"/>
+          </p:cNvSpPr>
+          <p:nvPr>
+            <p:ph sz="quarter" idx="13"/>
+          </p:nvPr>
+        </p:nvSpPr>
+        <p:spPr>
+          <a:xfrm>
+            <a:off x="685800" y="2063396"/>
+            <a:ext cx="10394707" cy="3311189"/>
+          </a:xfrm>
+        </p:spPr>
+        <p:txBody>
+          <a:bodyPr/>
+          <a:lstStyle/>
+          <a:p>
+            <a:pPr lvl="0"/>
+            <a:r>
+              <a:rPr lang="en-US"/>
+              <a:t>Click to edit Master text styles</a:t>
+            </a:r>
+          </a:p>
+          <a:p>
+            <a:pPr lvl="1"/>
+            <a:r>
+              <a:rPr lang="en-US"/>
+              <a:t>Second level</a:t>
+            </a:r>
+          </a:p>
+          <a:p>
+            <a:pPr lvl="2"/>
+            <a:r>
+              <a:rPr lang="en-US"/>
+              <a:t>Third level</a:t>
+            </a:r>
+          </a:p>
+          <a:p>
+            <a:pPr lvl="3"/>
+            <a:r>
+              <a:rPr lang="en-US"/>
+              <a:t>Fourth level</a:t>
+            </a:r>
+          </a:p>
+          <a:p>
+            <a:pPr lvl="4"/>
+            <a:r>
+              <a:rPr lang="en-US"/>
+              <a:t>Fifth level</a:t>
+            </a:r>
+            <a:endParaRPr lang="en-US" dirty="0"/>
+          </a:p>
+        </p:txBody>
+      </p:sp>
+      <p:sp>
+        <p:nvSpPr>
+          <p:cNvPr id="4" name="Date Placeholder 3"/>
+          <p:cNvSpPr>
+            <a:spLocks noGrp="1"/>
+          </p:cNvSpPr>
+          <p:nvPr>
+            <p:ph type="dt" sz="half" idx="10"/>
+          </p:nvPr>
+        </p:nvSpPr>
+        <p:spPr/>
+        <p:txBody>
+          <a:bodyPr/>
+          <a:lstStyle/>
+          <a:p>
+            <a:fld id="{33A6E825-A205-432D-964F-B81524EC8876}" type="datetimeFigureOut">
+              <a:rPr lang="en-IN" smtClean="0"/>
+              <a:t>27-06-2024</a:t>
+            </a:fld>
+            <a:endParaRPr lang="en-IN"/>
+          </a:p>
+        </p:txBody>
+      </p:sp>
+      <p:sp>
+        <p:nvSpPr>
+          <p:cNvPr id="5" name="Footer Placeholder 4"/>
+          <p:cNvSpPr>
+            <a:spLocks noGrp="1"/>
+          </p:cNvSpPr>
+          <p:nvPr>
+            <p:ph type="ftr" sz="quarter" idx="11"/>
+          </p:nvPr>
+        </p:nvSpPr>
+        <p:spPr/>
+        <p:txBody>
+          <a:bodyPr/>
+          <a:lstStyle/>
+          <a:p>
+            <a:endParaRPr lang="en-IN"/>
+          </a:p>
+        </p:txBody>
+      </p:sp>
+      <p:sp>
+        <p:nvSpPr>
+          <p:cNvPr id="6" name="Slide Number Placeholder 5"/>
+          <p:cNvSpPr>
+            <a:spLocks noGrp="1"/>
+          </p:cNvSpPr>
+          <p:nvPr>
+            <p:ph type="sldNum" sz="quarter" idx="12"/>
+          </p:nvPr>
+        </p:nvSpPr>
+        <p:spPr/>
+        <p:txBody>
+          <a:bodyPr/>
+          <a:lstStyle/>
+          <a:p>
+            <a:fld id="{DC21A46E-B1AF-49BB-A150-989300576F63}" type="slidenum">
+              <a:rPr lang="en-IN" smtClean="0"/>
+              <a:t>‹#›</a:t>
+            </a:fld>
+            <a:endParaRPr lang="en-IN"/>
+          </a:p>
+        </p:txBody>
+      </p:sp>
+    </p:spTree>
+    <p:extLst>
+      <p:ext uri="{BB962C8B-B14F-4D97-AF65-F5344CB8AC3E}">
+        <p14:creationId xmlns:p14="http://schemas.microsoft.com/office/powerpoint/2010/main" val="3900043430"/>
       </p:ext>
     </p:extLst>
   </p:cSld>
@@ -3585,8 +3063,14 @@
         </p:nvSpPr>
         <p:spPr/>
         <p:txBody>
-          <a:bodyPr/>
-          <a:lstStyle/>
+          <a:bodyPr>
+            <a:normAutofit/>
+          </a:bodyPr>
+          <a:lstStyle>
+            <a:lvl1pPr>
+              <a:defRPr sz="3600"/>
+            </a:lvl1pPr>
+          </a:lstStyle>
           <a:p>
             <a:r>
               <a:rPr lang="en-US"/>
@@ -3598,20 +3082,15 @@
       </p:sp>
       <p:sp>
         <p:nvSpPr>
-          <p:cNvPr id="12" name="Content Placeholder 2"/>
-          <p:cNvSpPr>
-            <a:spLocks noGrp="1"/>
-          </p:cNvSpPr>
-          <p:nvPr>
-            <p:ph sz="quarter" idx="13"/>
-          </p:nvPr>
-        </p:nvSpPr>
-        <p:spPr>
-          <a:xfrm>
-            <a:off x="685800" y="2063396"/>
-            <a:ext cx="10394707" cy="3311189"/>
-          </a:xfrm>
-        </p:spPr>
+          <p:cNvPr id="3" name="Content Placeholder 2"/>
+          <p:cNvSpPr>
+            <a:spLocks noGrp="1"/>
+          </p:cNvSpPr>
+          <p:nvPr>
+            <p:ph idx="1"/>
+          </p:nvPr>
+        </p:nvSpPr>
+        <p:spPr/>
         <p:txBody>
           <a:bodyPr/>
           <a:lstStyle/>
@@ -3721,7 +3200,7 @@
     </p:spTree>
     <p:extLst>
       <p:ext uri="{BB962C8B-B14F-4D97-AF65-F5344CB8AC3E}">
-        <p14:creationId xmlns:p14="http://schemas.microsoft.com/office/powerpoint/2010/main" val="3976455462"/>
+        <p14:creationId xmlns:p14="http://schemas.microsoft.com/office/powerpoint/2010/main" val="4214094003"/>
       </p:ext>
     </p:extLst>
   </p:cSld>
@@ -3760,17 +3239,15 @@
         </p:nvSpPr>
         <p:spPr>
           <a:xfrm>
-            <a:off x="685801" y="685800"/>
-            <a:ext cx="10394707" cy="3193487"/>
+            <a:off x="677335" y="2700867"/>
+            <a:ext cx="8596668" cy="1826581"/>
           </a:xfrm>
         </p:spPr>
         <p:txBody>
-          <a:bodyPr anchor="b">
-            <a:normAutofit/>
-          </a:bodyPr>
+          <a:bodyPr anchor="b"/>
           <a:lstStyle>
             <a:lvl1pPr algn="l">
-              <a:defRPr sz="5400"/>
+              <a:defRPr sz="4000" b="0" cap="none"/>
             </a:lvl1pPr>
           </a:lstStyle>
           <a:p>
@@ -3794,28 +3271,27 @@
         </p:nvSpPr>
         <p:spPr>
           <a:xfrm>
-            <a:off x="685801" y="3742267"/>
-            <a:ext cx="10394707" cy="1639614"/>
+            <a:off x="677335" y="4527448"/>
+            <a:ext cx="8596668" cy="860400"/>
           </a:xfrm>
         </p:spPr>
         <p:txBody>
-          <a:bodyPr anchor="t">
-            <a:normAutofit/>
-          </a:bodyPr>
+          <a:bodyPr anchor="t"/>
           <a:lstStyle>
             <a:lvl1pPr marL="0" indent="0" algn="l">
               <a:buNone/>
               <a:defRPr sz="2000">
                 <a:solidFill>
-                  <a:schemeClr val="bg1">
+                  <a:schemeClr val="tx1">
                     <a:lumMod val="50000"/>
+                    <a:lumOff val="50000"/>
                   </a:schemeClr>
                 </a:solidFill>
               </a:defRPr>
             </a:lvl1pPr>
             <a:lvl2pPr marL="457200" indent="0">
               <a:buNone/>
-              <a:defRPr sz="2000">
+              <a:defRPr sz="1800">
                 <a:solidFill>
                   <a:schemeClr val="tx1">
                     <a:tint val="75000"/>
@@ -3825,7 +3301,7 @@
             </a:lvl2pPr>
             <a:lvl3pPr marL="914400" indent="0">
               <a:buNone/>
-              <a:defRPr sz="1800">
+              <a:defRPr sz="1600">
                 <a:solidFill>
                   <a:schemeClr val="tx1">
                     <a:tint val="75000"/>
@@ -3835,7 +3311,7 @@
             </a:lvl3pPr>
             <a:lvl4pPr marL="1371600" indent="0">
               <a:buNone/>
-              <a:defRPr sz="1600">
+              <a:defRPr sz="1400">
                 <a:solidFill>
                   <a:schemeClr val="tx1">
                     <a:tint val="75000"/>
@@ -3845,7 +3321,7 @@
             </a:lvl4pPr>
             <a:lvl5pPr marL="1828800" indent="0">
               <a:buNone/>
-              <a:defRPr sz="1600">
+              <a:defRPr sz="1400">
                 <a:solidFill>
                   <a:schemeClr val="tx1">
                     <a:tint val="75000"/>
@@ -3855,7 +3331,7 @@
             </a:lvl5pPr>
             <a:lvl6pPr marL="2286000" indent="0">
               <a:buNone/>
-              <a:defRPr sz="1600">
+              <a:defRPr sz="1400">
                 <a:solidFill>
                   <a:schemeClr val="tx1">
                     <a:tint val="75000"/>
@@ -3865,7 +3341,7 @@
             </a:lvl6pPr>
             <a:lvl7pPr marL="2743200" indent="0">
               <a:buNone/>
-              <a:defRPr sz="1600">
+              <a:defRPr sz="1400">
                 <a:solidFill>
                   <a:schemeClr val="tx1">
                     <a:tint val="75000"/>
@@ -3875,7 +3351,7 @@
             </a:lvl7pPr>
             <a:lvl8pPr marL="3200400" indent="0">
               <a:buNone/>
-              <a:defRPr sz="1600">
+              <a:defRPr sz="1400">
                 <a:solidFill>
                   <a:schemeClr val="tx1">
                     <a:tint val="75000"/>
@@ -3885,7 +3361,7 @@
             </a:lvl8pPr>
             <a:lvl9pPr marL="3657600" indent="0">
               <a:buNone/>
-              <a:defRPr sz="1600">
+              <a:defRPr sz="1400">
                 <a:solidFill>
                   <a:schemeClr val="tx1">
                     <a:tint val="75000"/>
@@ -3971,7 +3447,7 @@
     </p:spTree>
     <p:extLst>
       <p:ext uri="{BB962C8B-B14F-4D97-AF65-F5344CB8AC3E}">
-        <p14:creationId xmlns:p14="http://schemas.microsoft.com/office/powerpoint/2010/main" val="2155875824"/>
+        <p14:creationId xmlns:p14="http://schemas.microsoft.com/office/powerpoint/2010/main" val="2174265024"/>
       </p:ext>
     </p:extLst>
   </p:cSld>
@@ -4000,27 +3476,79 @@
       </p:grpSpPr>
       <p:sp>
         <p:nvSpPr>
-          <p:cNvPr id="14" name="Title 1"/>
+          <p:cNvPr id="2" name="Title 1"/>
           <p:cNvSpPr>
             <a:spLocks noGrp="1"/>
           </p:cNvSpPr>
           <p:nvPr>
             <p:ph type="title"/>
+          </p:nvPr>
+        </p:nvSpPr>
+        <p:spPr/>
+        <p:txBody>
+          <a:bodyPr/>
+          <a:lstStyle/>
+          <a:p>
+            <a:r>
+              <a:rPr lang="en-US"/>
+              <a:t>Click to edit Master title style</a:t>
+            </a:r>
+            <a:endParaRPr lang="en-US" dirty="0"/>
+          </a:p>
+        </p:txBody>
+      </p:sp>
+      <p:sp>
+        <p:nvSpPr>
+          <p:cNvPr id="3" name="Content Placeholder 2"/>
+          <p:cNvSpPr>
+            <a:spLocks noGrp="1"/>
+          </p:cNvSpPr>
+          <p:nvPr>
+            <p:ph sz="half" idx="1"/>
           </p:nvPr>
         </p:nvSpPr>
         <p:spPr>
           <a:xfrm>
-            <a:off x="685801" y="685800"/>
-            <a:ext cx="10396882" cy="1158140"/>
+            <a:off x="677334" y="2160589"/>
+            <a:ext cx="4184035" cy="3880772"/>
           </a:xfrm>
         </p:spPr>
         <p:txBody>
           <a:bodyPr/>
           <a:lstStyle/>
           <a:p>
-            <a:r>
-              <a:rPr lang="en-US"/>
-              <a:t>Click to edit Master title style</a:t>
+            <a:pPr lvl="0"/>
+            <a:r>
+              <a:rPr lang="en-US"/>
+              <a:t>Click to edit Master text styles</a:t>
+            </a:r>
+          </a:p>
+          <a:p>
+            <a:pPr lvl="1"/>
+            <a:r>
+              <a:rPr lang="en-US"/>
+              <a:t>Second level</a:t>
+            </a:r>
+          </a:p>
+          <a:p>
+            <a:pPr lvl="2"/>
+            <a:r>
+              <a:rPr lang="en-US"/>
+              <a:t>Third level</a:t>
+            </a:r>
+          </a:p>
+          <a:p>
+            <a:pPr lvl="3"/>
+            <a:r>
+              <a:rPr lang="en-US"/>
+              <a:t>Fourth level</a:t>
+            </a:r>
+          </a:p>
+          <a:p>
+            <a:pPr lvl="4"/>
+            <a:r>
+              <a:rPr lang="en-US"/>
+              <a:t>Fifth level</a:t>
             </a:r>
             <a:endParaRPr lang="en-US" dirty="0"/>
           </a:p>
@@ -4028,79 +3556,22 @@
       </p:sp>
       <p:sp>
         <p:nvSpPr>
-          <p:cNvPr id="12" name="Content Placeholder 2"/>
-          <p:cNvSpPr>
-            <a:spLocks noGrp="1"/>
-          </p:cNvSpPr>
-          <p:nvPr>
-            <p:ph sz="quarter" idx="13"/>
+          <p:cNvPr id="4" name="Content Placeholder 3"/>
+          <p:cNvSpPr>
+            <a:spLocks noGrp="1"/>
+          </p:cNvSpPr>
+          <p:nvPr>
+            <p:ph sz="half" idx="2"/>
           </p:nvPr>
         </p:nvSpPr>
         <p:spPr>
           <a:xfrm>
-            <a:off x="685800" y="2063396"/>
-            <a:ext cx="5088714" cy="3311189"/>
+            <a:off x="5089970" y="2160589"/>
+            <a:ext cx="4184034" cy="3880773"/>
           </a:xfrm>
         </p:spPr>
         <p:txBody>
-          <a:bodyPr anchor="t"/>
-          <a:lstStyle/>
-          <a:p>
-            <a:pPr lvl="0"/>
-            <a:r>
-              <a:rPr lang="en-US"/>
-              <a:t>Click to edit Master text styles</a:t>
-            </a:r>
-          </a:p>
-          <a:p>
-            <a:pPr lvl="1"/>
-            <a:r>
-              <a:rPr lang="en-US"/>
-              <a:t>Second level</a:t>
-            </a:r>
-          </a:p>
-          <a:p>
-            <a:pPr lvl="2"/>
-            <a:r>
-              <a:rPr lang="en-US"/>
-              <a:t>Third level</a:t>
-            </a:r>
-          </a:p>
-          <a:p>
-            <a:pPr lvl="3"/>
-            <a:r>
-              <a:rPr lang="en-US"/>
-              <a:t>Fourth level</a:t>
-            </a:r>
-          </a:p>
-          <a:p>
-            <a:pPr lvl="4"/>
-            <a:r>
-              <a:rPr lang="en-US"/>
-              <a:t>Fifth level</a:t>
-            </a:r>
-            <a:endParaRPr lang="en-US" dirty="0"/>
-          </a:p>
-        </p:txBody>
-      </p:sp>
-      <p:sp>
-        <p:nvSpPr>
-          <p:cNvPr id="13" name="Content Placeholder 3"/>
-          <p:cNvSpPr>
-            <a:spLocks noGrp="1"/>
-          </p:cNvSpPr>
-          <p:nvPr>
-            <p:ph sz="quarter" idx="14"/>
-          </p:nvPr>
-        </p:nvSpPr>
-        <p:spPr>
-          <a:xfrm>
-            <a:off x="5993971" y="2063396"/>
-            <a:ext cx="5086538" cy="3311189"/>
-          </a:xfrm>
-        </p:spPr>
-        <p:txBody>
-          <a:bodyPr anchor="t"/>
+          <a:bodyPr/>
           <a:lstStyle/>
           <a:p>
             <a:pPr lvl="0"/>
@@ -4208,7 +3679,7 @@
     </p:spTree>
     <p:extLst>
       <p:ext uri="{BB962C8B-B14F-4D97-AF65-F5344CB8AC3E}">
-        <p14:creationId xmlns:p14="http://schemas.microsoft.com/office/powerpoint/2010/main" val="255451534"/>
+        <p14:creationId xmlns:p14="http://schemas.microsoft.com/office/powerpoint/2010/main" val="1318780248"/>
       </p:ext>
     </p:extLst>
   </p:cSld>
@@ -4237,46 +3708,45 @@
       </p:grpSpPr>
       <p:sp>
         <p:nvSpPr>
-          <p:cNvPr id="14" name="Title 1"/>
+          <p:cNvPr id="2" name="Title 1"/>
           <p:cNvSpPr>
             <a:spLocks noGrp="1"/>
           </p:cNvSpPr>
           <p:nvPr>
             <p:ph type="title"/>
+          </p:nvPr>
+        </p:nvSpPr>
+        <p:spPr/>
+        <p:txBody>
+          <a:bodyPr/>
+          <a:lstStyle>
+            <a:lvl1pPr>
+              <a:defRPr/>
+            </a:lvl1pPr>
+          </a:lstStyle>
+          <a:p>
+            <a:r>
+              <a:rPr lang="en-US"/>
+              <a:t>Click to edit Master title style</a:t>
+            </a:r>
+            <a:endParaRPr lang="en-US" dirty="0"/>
+          </a:p>
+        </p:txBody>
+      </p:sp>
+      <p:sp>
+        <p:nvSpPr>
+          <p:cNvPr id="3" name="Text Placeholder 2"/>
+          <p:cNvSpPr>
+            <a:spLocks noGrp="1"/>
+          </p:cNvSpPr>
+          <p:nvPr>
+            <p:ph type="body" idx="1"/>
           </p:nvPr>
         </p:nvSpPr>
         <p:spPr>
           <a:xfrm>
-            <a:off x="685801" y="685800"/>
-            <a:ext cx="10394707" cy="1158140"/>
-          </a:xfrm>
-        </p:spPr>
-        <p:txBody>
-          <a:bodyPr/>
-          <a:lstStyle/>
-          <a:p>
-            <a:r>
-              <a:rPr lang="en-US"/>
-              <a:t>Click to edit Master title style</a:t>
-            </a:r>
-            <a:endParaRPr lang="en-US" dirty="0"/>
-          </a:p>
-        </p:txBody>
-      </p:sp>
-      <p:sp>
-        <p:nvSpPr>
-          <p:cNvPr id="3" name="Text Placeholder 2"/>
-          <p:cNvSpPr>
-            <a:spLocks noGrp="1"/>
-          </p:cNvSpPr>
-          <p:nvPr>
-            <p:ph type="body" idx="1"/>
-          </p:nvPr>
-        </p:nvSpPr>
-        <p:spPr>
-          <a:xfrm>
-            <a:off x="918356" y="2063396"/>
-            <a:ext cx="4856158" cy="679994"/>
+            <a:off x="675745" y="2160983"/>
+            <a:ext cx="4185623" cy="576262"/>
           </a:xfrm>
         </p:spPr>
         <p:txBody>
@@ -4285,15 +3755,8 @@
           </a:bodyPr>
           <a:lstStyle>
             <a:lvl1pPr marL="0" indent="0">
-              <a:lnSpc>
-                <a:spcPct val="90000"/>
-              </a:lnSpc>
-              <a:buNone/>
-              <a:defRPr sz="2600" b="0">
-                <a:solidFill>
-                  <a:schemeClr val="accent1"/>
-                </a:solidFill>
-              </a:defRPr>
+              <a:buNone/>
+              <a:defRPr sz="2400" b="0"/>
             </a:lvl1pPr>
             <a:lvl2pPr marL="457200" indent="0">
               <a:buNone/>
@@ -4339,22 +3802,24 @@
       </p:sp>
       <p:sp>
         <p:nvSpPr>
-          <p:cNvPr id="12" name="Content Placeholder 3"/>
-          <p:cNvSpPr>
-            <a:spLocks noGrp="1"/>
-          </p:cNvSpPr>
-          <p:nvPr>
-            <p:ph sz="quarter" idx="13"/>
+          <p:cNvPr id="4" name="Content Placeholder 3"/>
+          <p:cNvSpPr>
+            <a:spLocks noGrp="1"/>
+          </p:cNvSpPr>
+          <p:nvPr>
+            <p:ph sz="half" idx="2"/>
           </p:nvPr>
         </p:nvSpPr>
         <p:spPr>
           <a:xfrm>
-            <a:off x="685802" y="2861733"/>
-            <a:ext cx="5088712" cy="2512852"/>
+            <a:off x="675745" y="2737245"/>
+            <a:ext cx="4185623" cy="3304117"/>
           </a:xfrm>
         </p:spPr>
         <p:txBody>
-          <a:bodyPr anchor="t"/>
+          <a:bodyPr>
+            <a:normAutofit/>
+          </a:bodyPr>
           <a:lstStyle/>
           <a:p>
             <a:pPr lvl="0"/>
@@ -4406,8 +3871,8 @@
         </p:nvSpPr>
         <p:spPr>
           <a:xfrm>
-            <a:off x="6218191" y="2063396"/>
-            <a:ext cx="4864491" cy="679994"/>
+            <a:off x="5088383" y="2160983"/>
+            <a:ext cx="4185618" cy="576262"/>
           </a:xfrm>
         </p:spPr>
         <p:txBody>
@@ -4416,15 +3881,8 @@
           </a:bodyPr>
           <a:lstStyle>
             <a:lvl1pPr marL="0" indent="0">
-              <a:lnSpc>
-                <a:spcPct val="90000"/>
-              </a:lnSpc>
-              <a:buNone/>
-              <a:defRPr sz="2600" b="0">
-                <a:solidFill>
-                  <a:schemeClr val="accent1"/>
-                </a:solidFill>
-              </a:defRPr>
+              <a:buNone/>
+              <a:defRPr sz="2400" b="0"/>
             </a:lvl1pPr>
             <a:lvl2pPr marL="457200" indent="0">
               <a:buNone/>
@@ -4470,22 +3928,24 @@
       </p:sp>
       <p:sp>
         <p:nvSpPr>
-          <p:cNvPr id="13" name="Content Placeholder 5"/>
-          <p:cNvSpPr>
-            <a:spLocks noGrp="1"/>
-          </p:cNvSpPr>
-          <p:nvPr>
-            <p:ph sz="quarter" idx="14"/>
+          <p:cNvPr id="6" name="Content Placeholder 5"/>
+          <p:cNvSpPr>
+            <a:spLocks noGrp="1"/>
+          </p:cNvSpPr>
+          <p:nvPr>
+            <p:ph sz="quarter" idx="4"/>
           </p:nvPr>
         </p:nvSpPr>
         <p:spPr>
           <a:xfrm>
-            <a:off x="5993969" y="2861733"/>
-            <a:ext cx="5088713" cy="2512852"/>
+            <a:off x="5088384" y="2737245"/>
+            <a:ext cx="4185617" cy="3304117"/>
           </a:xfrm>
         </p:spPr>
         <p:txBody>
-          <a:bodyPr anchor="t"/>
+          <a:bodyPr>
+            <a:normAutofit/>
+          </a:bodyPr>
           <a:lstStyle/>
           <a:p>
             <a:pPr lvl="0"/>
@@ -4593,7 +4053,7 @@
     </p:spTree>
     <p:extLst>
       <p:ext uri="{BB962C8B-B14F-4D97-AF65-F5344CB8AC3E}">
-        <p14:creationId xmlns:p14="http://schemas.microsoft.com/office/powerpoint/2010/main" val="497943943"/>
+        <p14:creationId xmlns:p14="http://schemas.microsoft.com/office/powerpoint/2010/main" val="2483570166"/>
       </p:ext>
     </p:extLst>
   </p:cSld>
@@ -4630,7 +4090,12 @@
             <p:ph type="title"/>
           </p:nvPr>
         </p:nvSpPr>
-        <p:spPr/>
+        <p:spPr>
+          <a:xfrm>
+            <a:off x="677334" y="609600"/>
+            <a:ext cx="8596668" cy="1320800"/>
+          </a:xfrm>
+        </p:spPr>
         <p:txBody>
           <a:bodyPr/>
           <a:lstStyle/>
@@ -4711,7 +4176,7 @@
     </p:spTree>
     <p:extLst>
       <p:ext uri="{BB962C8B-B14F-4D97-AF65-F5344CB8AC3E}">
-        <p14:creationId xmlns:p14="http://schemas.microsoft.com/office/powerpoint/2010/main" val="2830680159"/>
+        <p14:creationId xmlns:p14="http://schemas.microsoft.com/office/powerpoint/2010/main" val="2486187644"/>
       </p:ext>
     </p:extLst>
   </p:cSld>
@@ -4806,7 +4271,7 @@
     </p:spTree>
     <p:extLst>
       <p:ext uri="{BB962C8B-B14F-4D97-AF65-F5344CB8AC3E}">
-        <p14:creationId xmlns:p14="http://schemas.microsoft.com/office/powerpoint/2010/main" val="1361075269"/>
+        <p14:creationId xmlns:p14="http://schemas.microsoft.com/office/powerpoint/2010/main" val="2621392575"/>
       </p:ext>
     </p:extLst>
   </p:cSld>
@@ -4845,8 +4310,8 @@
         </p:nvSpPr>
         <p:spPr>
           <a:xfrm>
-            <a:off x="693643" y="685800"/>
-            <a:ext cx="4126860" cy="2023252"/>
+            <a:off x="677334" y="1498604"/>
+            <a:ext cx="3854528" cy="1278466"/>
           </a:xfrm>
         </p:spPr>
         <p:txBody>
@@ -4854,8 +4319,8 @@
             <a:normAutofit/>
           </a:bodyPr>
           <a:lstStyle>
-            <a:lvl1pPr algn="ctr">
-              <a:defRPr sz="3600"/>
+            <a:lvl1pPr>
+              <a:defRPr sz="2000"/>
             </a:lvl1pPr>
           </a:lstStyle>
           <a:p>
@@ -4869,22 +4334,24 @@
       </p:sp>
       <p:sp>
         <p:nvSpPr>
-          <p:cNvPr id="10" name="Content Placeholder 2"/>
-          <p:cNvSpPr>
-            <a:spLocks noGrp="1"/>
-          </p:cNvSpPr>
-          <p:nvPr>
-            <p:ph sz="quarter" idx="13"/>
+          <p:cNvPr id="3" name="Content Placeholder 2"/>
+          <p:cNvSpPr>
+            <a:spLocks noGrp="1"/>
+          </p:cNvSpPr>
+          <p:nvPr>
+            <p:ph idx="1"/>
           </p:nvPr>
         </p:nvSpPr>
         <p:spPr>
           <a:xfrm>
-            <a:off x="5046132" y="685800"/>
-            <a:ext cx="6034375" cy="4688785"/>
+            <a:off x="4760461" y="514924"/>
+            <a:ext cx="4513541" cy="5526437"/>
           </a:xfrm>
         </p:spPr>
         <p:txBody>
-          <a:bodyPr/>
+          <a:bodyPr>
+            <a:normAutofit/>
+          </a:bodyPr>
           <a:lstStyle/>
           <a:p>
             <a:pPr lvl="0"/>
@@ -4936,48 +4403,48 @@
         </p:nvSpPr>
         <p:spPr>
           <a:xfrm>
-            <a:off x="693642" y="2709052"/>
-            <a:ext cx="4126861" cy="2665533"/>
+            <a:off x="677334" y="2777069"/>
+            <a:ext cx="3854528" cy="2584449"/>
           </a:xfrm>
         </p:spPr>
         <p:txBody>
-          <a:bodyPr anchor="t">
+          <a:bodyPr>
             <a:normAutofit/>
           </a:bodyPr>
           <a:lstStyle>
-            <a:lvl1pPr marL="0" indent="0" algn="ctr">
-              <a:buNone/>
-              <a:defRPr sz="1800"/>
+            <a:lvl1pPr marL="0" indent="0">
+              <a:buNone/>
+              <a:defRPr sz="1400"/>
             </a:lvl1pPr>
-            <a:lvl2pPr marL="457200" indent="0">
+            <a:lvl2pPr marL="457063" indent="0">
               <a:buNone/>
               <a:defRPr sz="1400"/>
             </a:lvl2pPr>
-            <a:lvl3pPr marL="914400" indent="0">
+            <a:lvl3pPr marL="914126" indent="0">
               <a:buNone/>
               <a:defRPr sz="1200"/>
             </a:lvl3pPr>
-            <a:lvl4pPr marL="1371600" indent="0">
+            <a:lvl4pPr marL="1371189" indent="0">
               <a:buNone/>
               <a:defRPr sz="1000"/>
             </a:lvl4pPr>
-            <a:lvl5pPr marL="1828800" indent="0">
+            <a:lvl5pPr marL="1828251" indent="0">
               <a:buNone/>
               <a:defRPr sz="1000"/>
             </a:lvl5pPr>
-            <a:lvl6pPr marL="2286000" indent="0">
+            <a:lvl6pPr marL="2285314" indent="0">
               <a:buNone/>
               <a:defRPr sz="1000"/>
             </a:lvl6pPr>
-            <a:lvl7pPr marL="2743200" indent="0">
+            <a:lvl7pPr marL="2742377" indent="0">
               <a:buNone/>
               <a:defRPr sz="1000"/>
             </a:lvl7pPr>
-            <a:lvl8pPr marL="3200400" indent="0">
+            <a:lvl8pPr marL="3199440" indent="0">
               <a:buNone/>
               <a:defRPr sz="1000"/>
             </a:lvl8pPr>
-            <a:lvl9pPr marL="3657600" indent="0">
+            <a:lvl9pPr marL="3656503" indent="0">
               <a:buNone/>
               <a:defRPr sz="1000"/>
             </a:lvl9pPr>
@@ -5059,7 +4526,7 @@
     </p:spTree>
     <p:extLst>
       <p:ext uri="{BB962C8B-B14F-4D97-AF65-F5344CB8AC3E}">
-        <p14:creationId xmlns:p14="http://schemas.microsoft.com/office/powerpoint/2010/main" val="1218893516"/>
+        <p14:creationId xmlns:p14="http://schemas.microsoft.com/office/powerpoint/2010/main" val="3870010366"/>
       </p:ext>
     </p:extLst>
   </p:cSld>
@@ -5098,8 +4565,8 @@
         </p:nvSpPr>
         <p:spPr>
           <a:xfrm>
-            <a:off x="685800" y="685800"/>
-            <a:ext cx="6345302" cy="2023252"/>
+            <a:off x="677334" y="4800600"/>
+            <a:ext cx="8596667" cy="566738"/>
           </a:xfrm>
         </p:spPr>
         <p:txBody>
@@ -5107,8 +4574,8 @@
             <a:normAutofit/>
           </a:bodyPr>
           <a:lstStyle>
-            <a:lvl1pPr algn="ctr">
-              <a:defRPr sz="3600"/>
+            <a:lvl1pPr algn="l">
+              <a:defRPr sz="2400" b="0"/>
             </a:lvl1pPr>
           </a:lstStyle>
           <a:p>
@@ -5132,81 +4599,8 @@
         </p:nvSpPr>
         <p:spPr>
           <a:xfrm>
-            <a:off x="7482362" y="0"/>
-            <a:ext cx="3598146" cy="5071533"/>
-          </a:xfrm>
-          <a:ln w="57150" cmpd="thinThick">
-            <a:solidFill>
-              <a:schemeClr val="bg1">
-                <a:lumMod val="50000"/>
-              </a:schemeClr>
-            </a:solidFill>
-            <a:miter lim="800000"/>
-          </a:ln>
-        </p:spPr>
-        <p:txBody>
-          <a:bodyPr anchor="t"/>
-          <a:lstStyle>
-            <a:lvl1pPr marL="0" indent="0" algn="ctr">
-              <a:buNone/>
-              <a:defRPr sz="3200"/>
-            </a:lvl1pPr>
-            <a:lvl2pPr marL="457200" indent="0">
-              <a:buNone/>
-              <a:defRPr sz="2800"/>
-            </a:lvl2pPr>
-            <a:lvl3pPr marL="914400" indent="0">
-              <a:buNone/>
-              <a:defRPr sz="2400"/>
-            </a:lvl3pPr>
-            <a:lvl4pPr marL="1371600" indent="0">
-              <a:buNone/>
-              <a:defRPr sz="2000"/>
-            </a:lvl4pPr>
-            <a:lvl5pPr marL="1828800" indent="0">
-              <a:buNone/>
-              <a:defRPr sz="2000"/>
-            </a:lvl5pPr>
-            <a:lvl6pPr marL="2286000" indent="0">
-              <a:buNone/>
-              <a:defRPr sz="2000"/>
-            </a:lvl6pPr>
-            <a:lvl7pPr marL="2743200" indent="0">
-              <a:buNone/>
-              <a:defRPr sz="2000"/>
-            </a:lvl7pPr>
-            <a:lvl8pPr marL="3200400" indent="0">
-              <a:buNone/>
-              <a:defRPr sz="2000"/>
-            </a:lvl8pPr>
-            <a:lvl9pPr marL="3657600" indent="0">
-              <a:buNone/>
-              <a:defRPr sz="2000"/>
-            </a:lvl9pPr>
-          </a:lstStyle>
-          <a:p>
-            <a:r>
-              <a:rPr lang="en-US"/>
-              <a:t>Click icon to add picture</a:t>
-            </a:r>
-            <a:endParaRPr lang="en-US" dirty="0"/>
-          </a:p>
-        </p:txBody>
-      </p:sp>
-      <p:sp>
-        <p:nvSpPr>
-          <p:cNvPr id="4" name="Text Placeholder 3"/>
-          <p:cNvSpPr>
-            <a:spLocks noGrp="1"/>
-          </p:cNvSpPr>
-          <p:nvPr>
-            <p:ph type="body" sz="half" idx="2"/>
-          </p:nvPr>
-        </p:nvSpPr>
-        <p:spPr>
-          <a:xfrm>
-            <a:off x="685801" y="2709052"/>
-            <a:ext cx="6345301" cy="2362481"/>
+            <a:off x="677334" y="609600"/>
+            <a:ext cx="8596668" cy="3845718"/>
           </a:xfrm>
         </p:spPr>
         <p:txBody>
@@ -5216,39 +4610,106 @@
           <a:lstStyle>
             <a:lvl1pPr marL="0" indent="0" algn="ctr">
               <a:buNone/>
-              <a:defRPr sz="1800"/>
+              <a:defRPr sz="1600"/>
             </a:lvl1pPr>
             <a:lvl2pPr marL="457200" indent="0">
               <a:buNone/>
-              <a:defRPr sz="1400"/>
+              <a:defRPr sz="1600"/>
             </a:lvl2pPr>
             <a:lvl3pPr marL="914400" indent="0">
               <a:buNone/>
-              <a:defRPr sz="1200"/>
+              <a:defRPr sz="1600"/>
             </a:lvl3pPr>
             <a:lvl4pPr marL="1371600" indent="0">
               <a:buNone/>
-              <a:defRPr sz="1000"/>
+              <a:defRPr sz="1600"/>
             </a:lvl4pPr>
             <a:lvl5pPr marL="1828800" indent="0">
               <a:buNone/>
-              <a:defRPr sz="1000"/>
+              <a:defRPr sz="1600"/>
             </a:lvl5pPr>
             <a:lvl6pPr marL="2286000" indent="0">
               <a:buNone/>
-              <a:defRPr sz="1000"/>
+              <a:defRPr sz="1600"/>
             </a:lvl6pPr>
             <a:lvl7pPr marL="2743200" indent="0">
               <a:buNone/>
-              <a:defRPr sz="1000"/>
+              <a:defRPr sz="1600"/>
             </a:lvl7pPr>
             <a:lvl8pPr marL="3200400" indent="0">
               <a:buNone/>
-              <a:defRPr sz="1000"/>
+              <a:defRPr sz="1600"/>
             </a:lvl8pPr>
             <a:lvl9pPr marL="3657600" indent="0">
               <a:buNone/>
+              <a:defRPr sz="1600"/>
+            </a:lvl9pPr>
+          </a:lstStyle>
+          <a:p>
+            <a:r>
+              <a:rPr lang="en-US"/>
+              <a:t>Click icon to add picture</a:t>
+            </a:r>
+            <a:endParaRPr lang="en-US" dirty="0"/>
+          </a:p>
+        </p:txBody>
+      </p:sp>
+      <p:sp>
+        <p:nvSpPr>
+          <p:cNvPr id="4" name="Text Placeholder 3"/>
+          <p:cNvSpPr>
+            <a:spLocks noGrp="1"/>
+          </p:cNvSpPr>
+          <p:nvPr>
+            <p:ph type="body" sz="half" idx="2"/>
+          </p:nvPr>
+        </p:nvSpPr>
+        <p:spPr>
+          <a:xfrm>
+            <a:off x="677334" y="5367338"/>
+            <a:ext cx="8596667" cy="674024"/>
+          </a:xfrm>
+        </p:spPr>
+        <p:txBody>
+          <a:bodyPr>
+            <a:normAutofit/>
+          </a:bodyPr>
+          <a:lstStyle>
+            <a:lvl1pPr marL="0" indent="0">
+              <a:buNone/>
+              <a:defRPr sz="1200"/>
+            </a:lvl1pPr>
+            <a:lvl2pPr marL="457200" indent="0">
+              <a:buNone/>
+              <a:defRPr sz="1200"/>
+            </a:lvl2pPr>
+            <a:lvl3pPr marL="914400" indent="0">
+              <a:buNone/>
               <a:defRPr sz="1000"/>
+            </a:lvl3pPr>
+            <a:lvl4pPr marL="1371600" indent="0">
+              <a:buNone/>
+              <a:defRPr sz="900"/>
+            </a:lvl4pPr>
+            <a:lvl5pPr marL="1828800" indent="0">
+              <a:buNone/>
+              <a:defRPr sz="900"/>
+            </a:lvl5pPr>
+            <a:lvl6pPr marL="2286000" indent="0">
+              <a:buNone/>
+              <a:defRPr sz="900"/>
+            </a:lvl6pPr>
+            <a:lvl7pPr marL="2743200" indent="0">
+              <a:buNone/>
+              <a:defRPr sz="900"/>
+            </a:lvl7pPr>
+            <a:lvl8pPr marL="3200400" indent="0">
+              <a:buNone/>
+              <a:defRPr sz="900"/>
+            </a:lvl8pPr>
+            <a:lvl9pPr marL="3657600" indent="0">
+              <a:buNone/>
+              <a:defRPr sz="900"/>
             </a:lvl9pPr>
           </a:lstStyle>
           <a:p>
@@ -5328,7 +4789,7 @@
     </p:spTree>
     <p:extLst>
       <p:ext uri="{BB962C8B-B14F-4D97-AF65-F5344CB8AC3E}">
-        <p14:creationId xmlns:p14="http://schemas.microsoft.com/office/powerpoint/2010/main" val="3705662535"/>
+        <p14:creationId xmlns:p14="http://schemas.microsoft.com/office/powerpoint/2010/main" val="1021405657"/>
       </p:ext>
     </p:extLst>
   </p:cSld>
@@ -5342,7 +4803,7 @@
 <p:sldMaster xmlns:a="http://schemas.openxmlformats.org/drawingml/2006/main" xmlns:r="http://schemas.openxmlformats.org/officeDocument/2006/relationships" xmlns:p="http://schemas.openxmlformats.org/presentationml/2006/main">
   <p:cSld>
     <p:bg>
-      <p:bgRef idx="1003">
+      <p:bgRef idx="1001">
         <a:schemeClr val="bg1"/>
       </p:bgRef>
     </p:bg>
@@ -5360,74 +4821,141 @@
           <a:chExt cx="0" cy="0"/>
         </a:xfrm>
       </p:grpSpPr>
-      <p:pic>
-        <p:nvPicPr>
-          <p:cNvPr id="7" name="Picture 6" descr="Brickwork-HD-R1a.jpg"/>
-          <p:cNvPicPr>
-            <a:picLocks noChangeAspect="1"/>
-          </p:cNvPicPr>
-          <p:nvPr/>
-        </p:nvPicPr>
-        <p:blipFill>
-          <a:blip r:embed="rId19">
-            <a:extLst>
-              <a:ext uri="{28A0092B-C50C-407E-A947-70E740481C1C}">
-                <a14:useLocalDpi xmlns:a14="http://schemas.microsoft.com/office/drawing/2010/main" val="0"/>
-              </a:ext>
-            </a:extLst>
-          </a:blip>
-          <a:stretch>
-            <a:fillRect/>
-          </a:stretch>
-        </p:blipFill>
-        <p:spPr>
-          <a:xfrm>
-            <a:off x="0" y="0"/>
-            <a:ext cx="12192000" cy="6858000"/>
-          </a:xfrm>
-          <a:prstGeom prst="rect">
-            <a:avLst/>
-          </a:prstGeom>
-        </p:spPr>
-      </p:pic>
       <p:grpSp>
         <p:nvGrpSpPr>
-          <p:cNvPr id="10" name="Group 9"/>
+          <p:cNvPr id="7" name="Group 6"/>
           <p:cNvGrpSpPr/>
           <p:nvPr/>
         </p:nvGrpSpPr>
         <p:grpSpPr>
           <a:xfrm>
-            <a:off x="-25397" y="0"/>
-            <a:ext cx="12005350" cy="6644081"/>
-            <a:chOff x="-25397" y="0"/>
-            <a:chExt cx="12005350" cy="6644081"/>
+            <a:off x="0" y="-8467"/>
+            <a:ext cx="12192000" cy="6866467"/>
+            <a:chOff x="0" y="-8467"/>
+            <a:chExt cx="12192000" cy="6866467"/>
           </a:xfrm>
         </p:grpSpPr>
-        <p:sp useBgFill="1">
+        <p:cxnSp>
+          <p:nvCxnSpPr>
+            <p:cNvPr id="20" name="Straight Connector 19"/>
+            <p:cNvCxnSpPr/>
+            <p:nvPr/>
+          </p:nvCxnSpPr>
+          <p:spPr>
+            <a:xfrm>
+              <a:off x="9371012" y="0"/>
+              <a:ext cx="1219200" cy="6858000"/>
+            </a:xfrm>
+            <a:prstGeom prst="line">
+              <a:avLst/>
+            </a:prstGeom>
+            <a:ln w="9525">
+              <a:solidFill>
+                <a:schemeClr val="bg1">
+                  <a:lumMod val="75000"/>
+                </a:schemeClr>
+              </a:solidFill>
+            </a:ln>
+          </p:spPr>
+          <p:style>
+            <a:lnRef idx="2">
+              <a:schemeClr val="accent1"/>
+            </a:lnRef>
+            <a:fillRef idx="0">
+              <a:schemeClr val="accent1"/>
+            </a:fillRef>
+            <a:effectRef idx="1">
+              <a:schemeClr val="accent1"/>
+            </a:effectRef>
+            <a:fontRef idx="minor">
+              <a:schemeClr val="tx1"/>
+            </a:fontRef>
+          </p:style>
+        </p:cxnSp>
+        <p:cxnSp>
+          <p:nvCxnSpPr>
+            <p:cNvPr id="21" name="Straight Connector 20"/>
+            <p:cNvCxnSpPr/>
+            <p:nvPr/>
+          </p:nvCxnSpPr>
+          <p:spPr>
+            <a:xfrm flipH="1">
+              <a:off x="7425267" y="3681413"/>
+              <a:ext cx="4763558" cy="3176587"/>
+            </a:xfrm>
+            <a:prstGeom prst="line">
+              <a:avLst/>
+            </a:prstGeom>
+            <a:ln w="9525">
+              <a:solidFill>
+                <a:schemeClr val="bg1">
+                  <a:lumMod val="85000"/>
+                </a:schemeClr>
+              </a:solidFill>
+            </a:ln>
+          </p:spPr>
+          <p:style>
+            <a:lnRef idx="2">
+              <a:schemeClr val="accent1"/>
+            </a:lnRef>
+            <a:fillRef idx="0">
+              <a:schemeClr val="accent1"/>
+            </a:fillRef>
+            <a:effectRef idx="1">
+              <a:schemeClr val="accent1"/>
+            </a:effectRef>
+            <a:fontRef idx="minor">
+              <a:schemeClr val="tx1"/>
+            </a:fontRef>
+          </p:style>
+        </p:cxnSp>
+        <p:sp>
           <p:nvSpPr>
-            <p:cNvPr id="11" name="Rectangle 10"/>
+            <p:cNvPr id="22" name="Rectangle 23"/>
             <p:cNvSpPr/>
             <p:nvPr/>
           </p:nvSpPr>
           <p:spPr>
             <a:xfrm>
-              <a:off x="1" y="0"/>
-              <a:ext cx="11979952" cy="6644081"/>
+              <a:off x="9181476" y="-8467"/>
+              <a:ext cx="3007349" cy="6866467"/>
             </a:xfrm>
-            <a:prstGeom prst="rect">
+            <a:custGeom>
               <a:avLst/>
-            </a:prstGeom>
+              <a:gdLst/>
+              <a:ahLst/>
+              <a:cxnLst/>
+              <a:rect l="l" t="t" r="r" b="b"/>
+              <a:pathLst>
+                <a:path w="3007349" h="6866467">
+                  <a:moveTo>
+                    <a:pt x="2045532" y="0"/>
+                  </a:moveTo>
+                  <a:lnTo>
+                    <a:pt x="3007349" y="0"/>
+                  </a:lnTo>
+                  <a:lnTo>
+                    <a:pt x="3007349" y="6866467"/>
+                  </a:lnTo>
+                  <a:lnTo>
+                    <a:pt x="0" y="6866467"/>
+                  </a:lnTo>
+                  <a:lnTo>
+                    <a:pt x="2045532" y="0"/>
+                  </a:lnTo>
+                  <a:close/>
+                </a:path>
+              </a:pathLst>
+            </a:custGeom>
+            <a:solidFill>
+              <a:schemeClr val="accent1">
+                <a:alpha val="30000"/>
+              </a:schemeClr>
+            </a:solidFill>
             <a:ln>
               <a:noFill/>
             </a:ln>
-            <a:effectLst>
-              <a:outerShdw blurRad="98425" dist="76200" dir="4380000" algn="tl" rotWithShape="0">
-                <a:srgbClr val="000000">
-                  <a:alpha val="68000"/>
-                </a:srgbClr>
-              </a:outerShdw>
-            </a:effectLst>
+            <a:effectLst/>
           </p:spPr>
           <p:style>
             <a:lnRef idx="1">
@@ -5446,14 +4974,14 @@
         </p:sp>
         <p:sp>
           <p:nvSpPr>
-            <p:cNvPr id="12" name="Freeform 11"/>
+            <p:cNvPr id="23" name="Rectangle 25"/>
             <p:cNvSpPr/>
             <p:nvPr/>
           </p:nvSpPr>
           <p:spPr>
             <a:xfrm>
-              <a:off x="-25397" y="0"/>
-              <a:ext cx="11773291" cy="6419514"/>
+              <a:off x="9603442" y="-8467"/>
+              <a:ext cx="2588558" cy="6866467"/>
             </a:xfrm>
             <a:custGeom>
               <a:avLst/>
@@ -5462,77 +4990,350 @@
               <a:cxnLst/>
               <a:rect l="l" t="t" r="r" b="b"/>
               <a:pathLst>
-                <a:path w="11773291" h="6419514">
+                <a:path w="2573311" h="6866467">
                   <a:moveTo>
-                    <a:pt x="11750059" y="0"/>
+                    <a:pt x="0" y="0"/>
                   </a:moveTo>
                   <a:lnTo>
-                    <a:pt x="11773291" y="6419514"/>
+                    <a:pt x="2573311" y="0"/>
                   </a:lnTo>
                   <a:lnTo>
-                    <a:pt x="0" y="6411047"/>
+                    <a:pt x="2573311" y="6866467"/>
                   </a:lnTo>
+                  <a:lnTo>
+                    <a:pt x="1202336" y="6866467"/>
+                  </a:lnTo>
+                  <a:lnTo>
+                    <a:pt x="0" y="0"/>
+                  </a:lnTo>
+                  <a:close/>
                 </a:path>
               </a:pathLst>
             </a:custGeom>
-            <a:ln w="82550">
-              <a:solidFill>
-                <a:schemeClr val="tx1">
-                  <a:lumMod val="50000"/>
-                  <a:lumOff val="50000"/>
-                </a:schemeClr>
-              </a:solidFill>
-              <a:miter lim="800000"/>
+            <a:solidFill>
+              <a:schemeClr val="accent1">
+                <a:alpha val="20000"/>
+              </a:schemeClr>
+            </a:solidFill>
+            <a:ln>
+              <a:noFill/>
             </a:ln>
+            <a:effectLst/>
           </p:spPr>
           <p:style>
-            <a:lnRef idx="2">
+            <a:lnRef idx="1">
               <a:schemeClr val="accent1"/>
             </a:lnRef>
-            <a:fillRef idx="0">
+            <a:fillRef idx="3">
               <a:schemeClr val="accent1"/>
             </a:fillRef>
-            <a:effectRef idx="1">
+            <a:effectRef idx="2">
               <a:schemeClr val="accent1"/>
             </a:effectRef>
             <a:fontRef idx="minor">
-              <a:schemeClr val="tx1"/>
+              <a:schemeClr val="lt1"/>
             </a:fontRef>
           </p:style>
         </p:sp>
         <p:sp>
           <p:nvSpPr>
-            <p:cNvPr id="13" name="Rectangle 12"/>
+            <p:cNvPr id="24" name="Isosceles Triangle 23"/>
             <p:cNvSpPr/>
             <p:nvPr/>
           </p:nvSpPr>
           <p:spPr>
             <a:xfrm>
-              <a:off x="1" y="5600215"/>
-              <a:ext cx="11706512" cy="780581"/>
+              <a:off x="8932333" y="3048000"/>
+              <a:ext cx="3259667" cy="3810000"/>
             </a:xfrm>
-            <a:prstGeom prst="rect">
-              <a:avLst/>
+            <a:prstGeom prst="triangle">
+              <a:avLst>
+                <a:gd name="adj" fmla="val 100000"/>
+              </a:avLst>
             </a:prstGeom>
-            <a:gradFill flip="none" rotWithShape="1">
-              <a:gsLst>
-                <a:gs pos="34000">
-                  <a:schemeClr val="accent1"/>
-                </a:gs>
-                <a:gs pos="100000">
-                  <a:schemeClr val="accent1">
-                    <a:lumMod val="50000"/>
-                  </a:schemeClr>
-                </a:gs>
-              </a:gsLst>
-              <a:path path="circle">
-                <a:fillToRect l="50000" t="50000" r="50000" b="50000"/>
-              </a:path>
-              <a:tileRect/>
-            </a:gradFill>
+            <a:solidFill>
+              <a:schemeClr val="accent2">
+                <a:alpha val="72000"/>
+              </a:schemeClr>
+            </a:solidFill>
             <a:ln>
               <a:noFill/>
             </a:ln>
+            <a:effectLst/>
+          </p:spPr>
+          <p:style>
+            <a:lnRef idx="1">
+              <a:schemeClr val="accent1"/>
+            </a:lnRef>
+            <a:fillRef idx="3">
+              <a:schemeClr val="accent1"/>
+            </a:fillRef>
+            <a:effectRef idx="2">
+              <a:schemeClr val="accent1"/>
+            </a:effectRef>
+            <a:fontRef idx="minor">
+              <a:schemeClr val="lt1"/>
+            </a:fontRef>
+          </p:style>
+        </p:sp>
+        <p:sp>
+          <p:nvSpPr>
+            <p:cNvPr id="25" name="Rectangle 27"/>
+            <p:cNvSpPr/>
+            <p:nvPr/>
+          </p:nvSpPr>
+          <p:spPr>
+            <a:xfrm>
+              <a:off x="9334500" y="-8467"/>
+              <a:ext cx="2854326" cy="6866467"/>
+            </a:xfrm>
+            <a:custGeom>
+              <a:avLst/>
+              <a:gdLst/>
+              <a:ahLst/>
+              <a:cxnLst/>
+              <a:rect l="l" t="t" r="r" b="b"/>
+              <a:pathLst>
+                <a:path w="2858013" h="6866467">
+                  <a:moveTo>
+                    <a:pt x="0" y="0"/>
+                  </a:moveTo>
+                  <a:lnTo>
+                    <a:pt x="2858013" y="0"/>
+                  </a:lnTo>
+                  <a:lnTo>
+                    <a:pt x="2858013" y="6866467"/>
+                  </a:lnTo>
+                  <a:lnTo>
+                    <a:pt x="2473942" y="6866467"/>
+                  </a:lnTo>
+                  <a:lnTo>
+                    <a:pt x="0" y="0"/>
+                  </a:lnTo>
+                  <a:close/>
+                </a:path>
+              </a:pathLst>
+            </a:custGeom>
+            <a:solidFill>
+              <a:schemeClr val="accent2">
+                <a:lumMod val="75000"/>
+                <a:alpha val="70000"/>
+              </a:schemeClr>
+            </a:solidFill>
+            <a:ln>
+              <a:noFill/>
+            </a:ln>
+            <a:effectLst/>
+          </p:spPr>
+          <p:style>
+            <a:lnRef idx="1">
+              <a:schemeClr val="accent1"/>
+            </a:lnRef>
+            <a:fillRef idx="3">
+              <a:schemeClr val="accent1"/>
+            </a:fillRef>
+            <a:effectRef idx="2">
+              <a:schemeClr val="accent1"/>
+            </a:effectRef>
+            <a:fontRef idx="minor">
+              <a:schemeClr val="lt1"/>
+            </a:fontRef>
+          </p:style>
+        </p:sp>
+        <p:sp>
+          <p:nvSpPr>
+            <p:cNvPr id="26" name="Rectangle 28"/>
+            <p:cNvSpPr/>
+            <p:nvPr/>
+          </p:nvSpPr>
+          <p:spPr>
+            <a:xfrm>
+              <a:off x="10898730" y="-8467"/>
+              <a:ext cx="1290094" cy="6866467"/>
+            </a:xfrm>
+            <a:custGeom>
+              <a:avLst/>
+              <a:gdLst/>
+              <a:ahLst/>
+              <a:cxnLst/>
+              <a:rect l="l" t="t" r="r" b="b"/>
+              <a:pathLst>
+                <a:path w="1290094" h="6858000">
+                  <a:moveTo>
+                    <a:pt x="1019735" y="0"/>
+                  </a:moveTo>
+                  <a:lnTo>
+                    <a:pt x="1290094" y="0"/>
+                  </a:lnTo>
+                  <a:lnTo>
+                    <a:pt x="1290094" y="6858000"/>
+                  </a:lnTo>
+                  <a:lnTo>
+                    <a:pt x="0" y="6858000"/>
+                  </a:lnTo>
+                  <a:lnTo>
+                    <a:pt x="1019735" y="0"/>
+                  </a:lnTo>
+                  <a:close/>
+                </a:path>
+              </a:pathLst>
+            </a:custGeom>
+            <a:solidFill>
+              <a:schemeClr val="accent1">
+                <a:lumMod val="60000"/>
+                <a:lumOff val="40000"/>
+                <a:alpha val="70000"/>
+              </a:schemeClr>
+            </a:solidFill>
+            <a:ln>
+              <a:noFill/>
+            </a:ln>
+            <a:effectLst/>
+          </p:spPr>
+          <p:style>
+            <a:lnRef idx="1">
+              <a:schemeClr val="accent1"/>
+            </a:lnRef>
+            <a:fillRef idx="3">
+              <a:schemeClr val="accent1"/>
+            </a:fillRef>
+            <a:effectRef idx="2">
+              <a:schemeClr val="accent1"/>
+            </a:effectRef>
+            <a:fontRef idx="minor">
+              <a:schemeClr val="lt1"/>
+            </a:fontRef>
+          </p:style>
+        </p:sp>
+        <p:sp>
+          <p:nvSpPr>
+            <p:cNvPr id="27" name="Rectangle 29"/>
+            <p:cNvSpPr/>
+            <p:nvPr/>
+          </p:nvSpPr>
+          <p:spPr>
+            <a:xfrm>
+              <a:off x="10938999" y="-8467"/>
+              <a:ext cx="1249825" cy="6866467"/>
+            </a:xfrm>
+            <a:custGeom>
+              <a:avLst/>
+              <a:gdLst/>
+              <a:ahLst/>
+              <a:cxnLst/>
+              <a:rect l="l" t="t" r="r" b="b"/>
+              <a:pathLst>
+                <a:path w="1249825" h="6858000">
+                  <a:moveTo>
+                    <a:pt x="0" y="0"/>
+                  </a:moveTo>
+                  <a:lnTo>
+                    <a:pt x="1249825" y="0"/>
+                  </a:lnTo>
+                  <a:lnTo>
+                    <a:pt x="1249825" y="6858000"/>
+                  </a:lnTo>
+                  <a:lnTo>
+                    <a:pt x="1109382" y="6858000"/>
+                  </a:lnTo>
+                  <a:lnTo>
+                    <a:pt x="0" y="0"/>
+                  </a:lnTo>
+                  <a:close/>
+                </a:path>
+              </a:pathLst>
+            </a:custGeom>
+            <a:solidFill>
+              <a:schemeClr val="accent1">
+                <a:alpha val="65000"/>
+              </a:schemeClr>
+            </a:solidFill>
+            <a:ln>
+              <a:noFill/>
+            </a:ln>
+            <a:effectLst/>
+          </p:spPr>
+          <p:style>
+            <a:lnRef idx="1">
+              <a:schemeClr val="accent1"/>
+            </a:lnRef>
+            <a:fillRef idx="3">
+              <a:schemeClr val="accent1"/>
+            </a:fillRef>
+            <a:effectRef idx="2">
+              <a:schemeClr val="accent1"/>
+            </a:effectRef>
+            <a:fontRef idx="minor">
+              <a:schemeClr val="lt1"/>
+            </a:fontRef>
+          </p:style>
+        </p:sp>
+        <p:sp>
+          <p:nvSpPr>
+            <p:cNvPr id="28" name="Isosceles Triangle 27"/>
+            <p:cNvSpPr/>
+            <p:nvPr/>
+          </p:nvSpPr>
+          <p:spPr>
+            <a:xfrm>
+              <a:off x="10371666" y="3589867"/>
+              <a:ext cx="1817159" cy="3268133"/>
+            </a:xfrm>
+            <a:prstGeom prst="triangle">
+              <a:avLst>
+                <a:gd name="adj" fmla="val 100000"/>
+              </a:avLst>
+            </a:prstGeom>
+            <a:solidFill>
+              <a:schemeClr val="accent1">
+                <a:alpha val="80000"/>
+              </a:schemeClr>
+            </a:solidFill>
+            <a:ln>
+              <a:noFill/>
+            </a:ln>
+            <a:effectLst/>
+          </p:spPr>
+          <p:style>
+            <a:lnRef idx="1">
+              <a:schemeClr val="accent1"/>
+            </a:lnRef>
+            <a:fillRef idx="3">
+              <a:schemeClr val="accent1"/>
+            </a:fillRef>
+            <a:effectRef idx="2">
+              <a:schemeClr val="accent1"/>
+            </a:effectRef>
+            <a:fontRef idx="minor">
+              <a:schemeClr val="lt1"/>
+            </a:fontRef>
+          </p:style>
+        </p:sp>
+        <p:sp>
+          <p:nvSpPr>
+            <p:cNvPr id="29" name="Isosceles Triangle 28"/>
+            <p:cNvSpPr/>
+            <p:nvPr/>
+          </p:nvSpPr>
+          <p:spPr>
+            <a:xfrm>
+              <a:off x="0" y="4013200"/>
+              <a:ext cx="448733" cy="2844800"/>
+            </a:xfrm>
+            <a:prstGeom prst="triangle">
+              <a:avLst>
+                <a:gd name="adj" fmla="val 0"/>
+              </a:avLst>
+            </a:prstGeom>
+            <a:solidFill>
+              <a:schemeClr val="accent1">
+                <a:alpha val="85000"/>
+              </a:schemeClr>
+            </a:solidFill>
+            <a:ln>
+              <a:noFill/>
+            </a:ln>
+            <a:effectLst/>
           </p:spPr>
           <p:style>
             <a:lnRef idx="1">
@@ -5562,15 +5363,15 @@
         </p:nvSpPr>
         <p:spPr>
           <a:xfrm>
-            <a:off x="685801" y="685800"/>
-            <a:ext cx="10396882" cy="1151965"/>
+            <a:off x="677334" y="609600"/>
+            <a:ext cx="8596668" cy="1320800"/>
           </a:xfrm>
           <a:prstGeom prst="rect">
             <a:avLst/>
           </a:prstGeom>
         </p:spPr>
         <p:txBody>
-          <a:bodyPr vert="horz" lIns="91440" tIns="45720" rIns="91440" bIns="45720" rtlCol="0" anchor="ctr">
+          <a:bodyPr vert="horz" lIns="91440" tIns="45720" rIns="91440" bIns="45720" rtlCol="0" anchor="t">
             <a:normAutofit/>
           </a:bodyPr>
           <a:lstStyle/>
@@ -5595,15 +5396,15 @@
         </p:nvSpPr>
         <p:spPr>
           <a:xfrm>
-            <a:off x="685800" y="2063396"/>
-            <a:ext cx="10396883" cy="3311189"/>
+            <a:off x="677334" y="2160589"/>
+            <a:ext cx="8596668" cy="3880773"/>
           </a:xfrm>
           <a:prstGeom prst="rect">
             <a:avLst/>
           </a:prstGeom>
         </p:spPr>
         <p:txBody>
-          <a:bodyPr vert="horz" lIns="91440" tIns="45720" rIns="91440" bIns="45720" rtlCol="0" anchor="ctr">
+          <a:bodyPr vert="horz" lIns="91440" tIns="45720" rIns="91440" bIns="45720" rtlCol="0">
             <a:normAutofit/>
           </a:bodyPr>
           <a:lstStyle/>
@@ -5657,8 +5458,8 @@
         </p:nvSpPr>
         <p:spPr>
           <a:xfrm>
-            <a:off x="7298083" y="5757334"/>
-            <a:ext cx="3784600" cy="498470"/>
+            <a:off x="7205133" y="6041362"/>
+            <a:ext cx="911939" cy="365125"/>
           </a:xfrm>
           <a:prstGeom prst="rect">
             <a:avLst/>
@@ -5668,10 +5469,10 @@
           <a:bodyPr vert="horz" lIns="91440" tIns="45720" rIns="91440" bIns="45720" rtlCol="0" anchor="ctr"/>
           <a:lstStyle>
             <a:lvl1pPr algn="r">
-              <a:defRPr sz="3200" cap="all" baseline="0">
-                <a:solidFill>
-                  <a:schemeClr val="accent1">
-                    <a:lumMod val="50000"/>
+              <a:defRPr sz="900">
+                <a:solidFill>
+                  <a:schemeClr val="tx1">
+                    <a:tint val="75000"/>
                   </a:schemeClr>
                 </a:solidFill>
               </a:defRPr>
@@ -5698,8 +5499,8 @@
         </p:nvSpPr>
         <p:spPr>
           <a:xfrm>
-            <a:off x="685801" y="5757334"/>
-            <a:ext cx="5499719" cy="498470"/>
+            <a:off x="677334" y="6041362"/>
+            <a:ext cx="6297612" cy="365125"/>
           </a:xfrm>
           <a:prstGeom prst="rect">
             <a:avLst/>
@@ -5709,10 +5510,10 @@
           <a:bodyPr vert="horz" lIns="91440" tIns="45720" rIns="91440" bIns="45720" rtlCol="0" anchor="ctr"/>
           <a:lstStyle>
             <a:lvl1pPr algn="l">
-              <a:defRPr sz="3200" cap="all" baseline="0">
-                <a:solidFill>
-                  <a:schemeClr val="accent1">
-                    <a:lumMod val="50000"/>
+              <a:defRPr sz="900">
+                <a:solidFill>
+                  <a:schemeClr val="tx1">
+                    <a:tint val="75000"/>
                   </a:schemeClr>
                 </a:solidFill>
               </a:defRPr>
@@ -5735,8 +5536,8 @@
         </p:nvSpPr>
         <p:spPr>
           <a:xfrm>
-            <a:off x="6287121" y="5757334"/>
-            <a:ext cx="907186" cy="498470"/>
+            <a:off x="8590663" y="6041362"/>
+            <a:ext cx="683339" cy="365125"/>
           </a:xfrm>
           <a:prstGeom prst="rect">
             <a:avLst/>
@@ -5745,12 +5546,10 @@
         <p:txBody>
           <a:bodyPr vert="horz" lIns="91440" tIns="45720" rIns="91440" bIns="45720" rtlCol="0" anchor="ctr"/>
           <a:lstStyle>
-            <a:lvl1pPr algn="ctr">
-              <a:defRPr sz="3200" cap="all" baseline="0">
-                <a:solidFill>
-                  <a:schemeClr val="accent1">
-                    <a:lumMod val="50000"/>
-                  </a:schemeClr>
+            <a:lvl1pPr algn="r">
+              <a:defRPr sz="900">
+                <a:solidFill>
+                  <a:schemeClr val="accent1"/>
                 </a:solidFill>
               </a:defRPr>
             </a:lvl1pPr>
@@ -5767,254 +5566,324 @@
     </p:spTree>
     <p:extLst>
       <p:ext uri="{BB962C8B-B14F-4D97-AF65-F5344CB8AC3E}">
-        <p14:creationId xmlns:p14="http://schemas.microsoft.com/office/powerpoint/2010/main" val="2010779879"/>
+        <p14:creationId xmlns:p14="http://schemas.microsoft.com/office/powerpoint/2010/main" val="4025296520"/>
       </p:ext>
     </p:extLst>
   </p:cSld>
   <p:clrMap bg1="lt1" tx1="dk1" bg2="lt2" tx2="dk2" accent1="accent1" accent2="accent2" accent3="accent3" accent4="accent4" accent5="accent5" accent6="accent6" hlink="hlink" folHlink="folHlink"/>
   <p:sldLayoutIdLst>
-    <p:sldLayoutId id="2147483757" r:id="rId1"/>
-    <p:sldLayoutId id="2147483758" r:id="rId2"/>
-    <p:sldLayoutId id="2147483759" r:id="rId3"/>
-    <p:sldLayoutId id="2147483760" r:id="rId4"/>
-    <p:sldLayoutId id="2147483761" r:id="rId5"/>
-    <p:sldLayoutId id="2147483762" r:id="rId6"/>
-    <p:sldLayoutId id="2147483763" r:id="rId7"/>
-    <p:sldLayoutId id="2147483764" r:id="rId8"/>
-    <p:sldLayoutId id="2147483765" r:id="rId9"/>
-    <p:sldLayoutId id="2147483766" r:id="rId10"/>
-    <p:sldLayoutId id="2147483767" r:id="rId11"/>
-    <p:sldLayoutId id="2147483768" r:id="rId12"/>
-    <p:sldLayoutId id="2147483769" r:id="rId13"/>
-    <p:sldLayoutId id="2147483770" r:id="rId14"/>
-    <p:sldLayoutId id="2147483771" r:id="rId15"/>
-    <p:sldLayoutId id="2147483772" r:id="rId16"/>
-    <p:sldLayoutId id="2147483773" r:id="rId17"/>
+    <p:sldLayoutId id="2147483775" r:id="rId1"/>
+    <p:sldLayoutId id="2147483776" r:id="rId2"/>
+    <p:sldLayoutId id="2147483777" r:id="rId3"/>
+    <p:sldLayoutId id="2147483778" r:id="rId4"/>
+    <p:sldLayoutId id="2147483779" r:id="rId5"/>
+    <p:sldLayoutId id="2147483780" r:id="rId6"/>
+    <p:sldLayoutId id="2147483781" r:id="rId7"/>
+    <p:sldLayoutId id="2147483782" r:id="rId8"/>
+    <p:sldLayoutId id="2147483783" r:id="rId9"/>
+    <p:sldLayoutId id="2147483784" r:id="rId10"/>
+    <p:sldLayoutId id="2147483785" r:id="rId11"/>
+    <p:sldLayoutId id="2147483786" r:id="rId12"/>
+    <p:sldLayoutId id="2147483787" r:id="rId13"/>
+    <p:sldLayoutId id="2147483788" r:id="rId14"/>
+    <p:sldLayoutId id="2147483789" r:id="rId15"/>
+    <p:sldLayoutId id="2147483790" r:id="rId16"/>
+    <p:sldLayoutId id="2147483791" r:id="rId17"/>
   </p:sldLayoutIdLst>
   <p:txStyles>
     <p:titleStyle>
-      <a:lvl1pPr algn="l" defTabSz="914400" rtl="0" eaLnBrk="1" latinLnBrk="0" hangingPunct="1">
-        <a:lnSpc>
-          <a:spcPct val="90000"/>
-        </a:lnSpc>
+      <a:lvl1pPr algn="l" defTabSz="457200" rtl="0" eaLnBrk="1" latinLnBrk="0" hangingPunct="1">
         <a:spcBef>
           <a:spcPct val="0"/>
         </a:spcBef>
         <a:buNone/>
-        <a:defRPr sz="5400" kern="1200" cap="all" baseline="0">
+        <a:defRPr sz="3600" kern="1200">
           <a:solidFill>
             <a:schemeClr val="accent1"/>
           </a:solidFill>
-          <a:effectLst/>
           <a:latin typeface="+mj-lt"/>
           <a:ea typeface="+mj-ea"/>
           <a:cs typeface="+mj-cs"/>
         </a:defRPr>
       </a:lvl1pPr>
+      <a:lvl2pPr eaLnBrk="1" hangingPunct="1">
+        <a:defRPr>
+          <a:solidFill>
+            <a:schemeClr val="tx2"/>
+          </a:solidFill>
+        </a:defRPr>
+      </a:lvl2pPr>
+      <a:lvl3pPr eaLnBrk="1" hangingPunct="1">
+        <a:defRPr>
+          <a:solidFill>
+            <a:schemeClr val="tx2"/>
+          </a:solidFill>
+        </a:defRPr>
+      </a:lvl3pPr>
+      <a:lvl4pPr eaLnBrk="1" hangingPunct="1">
+        <a:defRPr>
+          <a:solidFill>
+            <a:schemeClr val="tx2"/>
+          </a:solidFill>
+        </a:defRPr>
+      </a:lvl4pPr>
+      <a:lvl5pPr eaLnBrk="1" hangingPunct="1">
+        <a:defRPr>
+          <a:solidFill>
+            <a:schemeClr val="tx2"/>
+          </a:solidFill>
+        </a:defRPr>
+      </a:lvl5pPr>
+      <a:lvl6pPr eaLnBrk="1" hangingPunct="1">
+        <a:defRPr>
+          <a:solidFill>
+            <a:schemeClr val="tx2"/>
+          </a:solidFill>
+        </a:defRPr>
+      </a:lvl6pPr>
+      <a:lvl7pPr eaLnBrk="1" hangingPunct="1">
+        <a:defRPr>
+          <a:solidFill>
+            <a:schemeClr val="tx2"/>
+          </a:solidFill>
+        </a:defRPr>
+      </a:lvl7pPr>
+      <a:lvl8pPr eaLnBrk="1" hangingPunct="1">
+        <a:defRPr>
+          <a:solidFill>
+            <a:schemeClr val="tx2"/>
+          </a:solidFill>
+        </a:defRPr>
+      </a:lvl8pPr>
+      <a:lvl9pPr eaLnBrk="1" hangingPunct="1">
+        <a:defRPr>
+          <a:solidFill>
+            <a:schemeClr val="tx2"/>
+          </a:solidFill>
+        </a:defRPr>
+      </a:lvl9pPr>
     </p:titleStyle>
     <p:bodyStyle>
-      <a:lvl1pPr marL="228600" indent="-228600" algn="l" defTabSz="914400" rtl="0" eaLnBrk="1" latinLnBrk="0" hangingPunct="1">
-        <a:lnSpc>
-          <a:spcPct val="120000"/>
-        </a:lnSpc>
+      <a:lvl1pPr marL="342900" indent="-342900" algn="l" defTabSz="457200" rtl="0" eaLnBrk="1" latinLnBrk="0" hangingPunct="1">
         <a:spcBef>
           <a:spcPts val="1000"/>
         </a:spcBef>
+        <a:spcAft>
+          <a:spcPts val="0"/>
+        </a:spcAft>
         <a:buClr>
           <a:schemeClr val="accent1"/>
         </a:buClr>
-        <a:buSzPct val="160000"/>
-        <a:buFont typeface="Arial" panose="020B0604020202020204" pitchFamily="34" charset="0"/>
-        <a:buChar char="•"/>
-        <a:defRPr sz="2000" kern="1200" cap="all" baseline="0">
+        <a:buSzPct val="80000"/>
+        <a:buFont typeface="Wingdings 3" charset="2"/>
+        <a:buChar char=""/>
+        <a:defRPr sz="1800" kern="1200">
           <a:solidFill>
-            <a:schemeClr val="tx1"/>
+            <a:schemeClr val="tx1">
+              <a:lumMod val="75000"/>
+              <a:lumOff val="25000"/>
+            </a:schemeClr>
           </a:solidFill>
-          <a:effectLst/>
           <a:latin typeface="+mn-lt"/>
           <a:ea typeface="+mn-ea"/>
           <a:cs typeface="+mn-cs"/>
         </a:defRPr>
       </a:lvl1pPr>
-      <a:lvl2pPr marL="685800" indent="-228600" algn="l" defTabSz="914400" rtl="0" eaLnBrk="1" latinLnBrk="0" hangingPunct="1">
-        <a:lnSpc>
-          <a:spcPct val="120000"/>
-        </a:lnSpc>
+      <a:lvl2pPr marL="742950" indent="-285750" algn="l" defTabSz="457200" rtl="0" eaLnBrk="1" latinLnBrk="0" hangingPunct="1">
         <a:spcBef>
-          <a:spcPts val="500"/>
+          <a:spcPts val="1000"/>
         </a:spcBef>
+        <a:spcAft>
+          <a:spcPts val="0"/>
+        </a:spcAft>
         <a:buClr>
           <a:schemeClr val="accent1"/>
         </a:buClr>
-        <a:buSzPct val="160000"/>
-        <a:buFont typeface="Arial" panose="020B0604020202020204" pitchFamily="34" charset="0"/>
-        <a:buChar char="•"/>
-        <a:defRPr sz="1800" kern="1200" cap="all" baseline="0">
+        <a:buSzPct val="80000"/>
+        <a:buFont typeface="Wingdings 3" charset="2"/>
+        <a:buChar char=""/>
+        <a:defRPr sz="1600" kern="1200">
           <a:solidFill>
-            <a:schemeClr val="tx1"/>
+            <a:schemeClr val="tx1">
+              <a:lumMod val="75000"/>
+              <a:lumOff val="25000"/>
+            </a:schemeClr>
           </a:solidFill>
-          <a:effectLst/>
           <a:latin typeface="+mn-lt"/>
           <a:ea typeface="+mn-ea"/>
           <a:cs typeface="+mn-cs"/>
         </a:defRPr>
       </a:lvl2pPr>
-      <a:lvl3pPr marL="1143000" indent="-228600" algn="l" defTabSz="914400" rtl="0" eaLnBrk="1" latinLnBrk="0" hangingPunct="1">
-        <a:lnSpc>
-          <a:spcPct val="120000"/>
-        </a:lnSpc>
+      <a:lvl3pPr marL="1143000" indent="-228600" algn="l" defTabSz="457200" rtl="0" eaLnBrk="1" latinLnBrk="0" hangingPunct="1">
         <a:spcBef>
-          <a:spcPts val="500"/>
+          <a:spcPts val="1000"/>
         </a:spcBef>
+        <a:spcAft>
+          <a:spcPts val="0"/>
+        </a:spcAft>
         <a:buClr>
           <a:schemeClr val="accent1"/>
         </a:buClr>
-        <a:buSzPct val="160000"/>
-        <a:buFont typeface="Arial" panose="020B0604020202020204" pitchFamily="34" charset="0"/>
-        <a:buChar char="•"/>
-        <a:defRPr sz="1600" kern="1200" cap="all" baseline="0">
+        <a:buSzPct val="80000"/>
+        <a:buFont typeface="Wingdings 3" charset="2"/>
+        <a:buChar char=""/>
+        <a:defRPr sz="1400" kern="1200">
           <a:solidFill>
-            <a:schemeClr val="tx1"/>
+            <a:schemeClr val="tx1">
+              <a:lumMod val="75000"/>
+              <a:lumOff val="25000"/>
+            </a:schemeClr>
           </a:solidFill>
-          <a:effectLst/>
           <a:latin typeface="+mn-lt"/>
           <a:ea typeface="+mn-ea"/>
           <a:cs typeface="+mn-cs"/>
         </a:defRPr>
       </a:lvl3pPr>
-      <a:lvl4pPr marL="1600200" indent="-228600" algn="l" defTabSz="914400" rtl="0" eaLnBrk="1" latinLnBrk="0" hangingPunct="1">
-        <a:lnSpc>
-          <a:spcPct val="120000"/>
-        </a:lnSpc>
+      <a:lvl4pPr marL="1600200" indent="-228600" algn="l" defTabSz="457200" rtl="0" eaLnBrk="1" latinLnBrk="0" hangingPunct="1">
         <a:spcBef>
-          <a:spcPts val="500"/>
+          <a:spcPts val="1000"/>
         </a:spcBef>
+        <a:spcAft>
+          <a:spcPts val="0"/>
+        </a:spcAft>
         <a:buClr>
           <a:schemeClr val="accent1"/>
         </a:buClr>
-        <a:buSzPct val="160000"/>
-        <a:buFont typeface="Arial" panose="020B0604020202020204" pitchFamily="34" charset="0"/>
-        <a:buChar char="•"/>
-        <a:defRPr sz="1400" kern="1200" cap="all" baseline="0">
+        <a:buSzPct val="80000"/>
+        <a:buFont typeface="Wingdings 3" charset="2"/>
+        <a:buChar char=""/>
+        <a:defRPr sz="1200" kern="1200">
           <a:solidFill>
-            <a:schemeClr val="tx1"/>
+            <a:schemeClr val="tx1">
+              <a:lumMod val="75000"/>
+              <a:lumOff val="25000"/>
+            </a:schemeClr>
           </a:solidFill>
-          <a:effectLst/>
           <a:latin typeface="+mn-lt"/>
           <a:ea typeface="+mn-ea"/>
           <a:cs typeface="+mn-cs"/>
         </a:defRPr>
       </a:lvl4pPr>
-      <a:lvl5pPr marL="2057400" indent="-228600" algn="l" defTabSz="914400" rtl="0" eaLnBrk="1" latinLnBrk="0" hangingPunct="1">
-        <a:lnSpc>
-          <a:spcPct val="120000"/>
-        </a:lnSpc>
+      <a:lvl5pPr marL="2057400" indent="-228600" algn="l" defTabSz="457200" rtl="0" eaLnBrk="1" latinLnBrk="0" hangingPunct="1">
         <a:spcBef>
-          <a:spcPts val="500"/>
+          <a:spcPts val="1000"/>
         </a:spcBef>
+        <a:spcAft>
+          <a:spcPts val="0"/>
+        </a:spcAft>
         <a:buClr>
           <a:schemeClr val="accent1"/>
         </a:buClr>
-        <a:buSzPct val="160000"/>
-        <a:buFont typeface="Arial" panose="020B0604020202020204" pitchFamily="34" charset="0"/>
-        <a:buChar char="•"/>
-        <a:defRPr sz="1400" kern="1200" cap="all" baseline="0">
+        <a:buSzPct val="80000"/>
+        <a:buFont typeface="Wingdings 3" charset="2"/>
+        <a:buChar char=""/>
+        <a:defRPr sz="1200" kern="1200">
           <a:solidFill>
-            <a:schemeClr val="tx1"/>
+            <a:schemeClr val="tx1">
+              <a:lumMod val="75000"/>
+              <a:lumOff val="25000"/>
+            </a:schemeClr>
           </a:solidFill>
-          <a:effectLst/>
           <a:latin typeface="+mn-lt"/>
           <a:ea typeface="+mn-ea"/>
           <a:cs typeface="+mn-cs"/>
         </a:defRPr>
       </a:lvl5pPr>
-      <a:lvl6pPr marL="2514600" indent="-228600" algn="l" defTabSz="914400" rtl="0" eaLnBrk="1" latinLnBrk="0" hangingPunct="1">
-        <a:lnSpc>
-          <a:spcPct val="120000"/>
-        </a:lnSpc>
+      <a:lvl6pPr marL="2514600" indent="-228600" algn="l" defTabSz="457200" rtl="0" eaLnBrk="1" latinLnBrk="0" hangingPunct="1">
         <a:spcBef>
-          <a:spcPts val="500"/>
+          <a:spcPts val="1000"/>
         </a:spcBef>
+        <a:spcAft>
+          <a:spcPts val="0"/>
+        </a:spcAft>
         <a:buClr>
           <a:schemeClr val="accent1"/>
         </a:buClr>
-        <a:buSzPct val="160000"/>
-        <a:buFont typeface="Arial" panose="020B0604020202020204" pitchFamily="34" charset="0"/>
-        <a:buChar char="•"/>
-        <a:defRPr sz="1400" kern="1200" cap="all" baseline="0">
+        <a:buSzPct val="80000"/>
+        <a:buFont typeface="Wingdings 3" charset="2"/>
+        <a:buChar char=""/>
+        <a:defRPr sz="1200" kern="1200">
           <a:solidFill>
-            <a:schemeClr val="tx1"/>
+            <a:schemeClr val="tx1">
+              <a:lumMod val="75000"/>
+              <a:lumOff val="25000"/>
+            </a:schemeClr>
           </a:solidFill>
-          <a:effectLst/>
           <a:latin typeface="+mn-lt"/>
           <a:ea typeface="+mn-ea"/>
           <a:cs typeface="+mn-cs"/>
         </a:defRPr>
       </a:lvl6pPr>
-      <a:lvl7pPr marL="2971800" indent="-228600" algn="l" defTabSz="914400" rtl="0" eaLnBrk="1" latinLnBrk="0" hangingPunct="1">
-        <a:lnSpc>
-          <a:spcPct val="120000"/>
-        </a:lnSpc>
+      <a:lvl7pPr marL="2971800" indent="-228600" algn="l" defTabSz="457200" rtl="0" eaLnBrk="1" latinLnBrk="0" hangingPunct="1">
         <a:spcBef>
-          <a:spcPts val="500"/>
+          <a:spcPts val="1000"/>
         </a:spcBef>
+        <a:spcAft>
+          <a:spcPts val="0"/>
+        </a:spcAft>
         <a:buClr>
           <a:schemeClr val="accent1"/>
         </a:buClr>
-        <a:buSzPct val="160000"/>
-        <a:buFont typeface="Arial" panose="020B0604020202020204" pitchFamily="34" charset="0"/>
-        <a:buChar char="•"/>
-        <a:defRPr sz="1400" kern="1200" cap="all" baseline="0">
+        <a:buSzPct val="80000"/>
+        <a:buFont typeface="Wingdings 3" charset="2"/>
+        <a:buChar char=""/>
+        <a:defRPr sz="1200" kern="1200">
           <a:solidFill>
-            <a:schemeClr val="tx1"/>
+            <a:schemeClr val="tx1">
+              <a:lumMod val="75000"/>
+              <a:lumOff val="25000"/>
+            </a:schemeClr>
           </a:solidFill>
-          <a:effectLst/>
           <a:latin typeface="+mn-lt"/>
           <a:ea typeface="+mn-ea"/>
           <a:cs typeface="+mn-cs"/>
         </a:defRPr>
       </a:lvl7pPr>
-      <a:lvl8pPr marL="3429000" indent="-228600" algn="l" defTabSz="914400" rtl="0" eaLnBrk="1" latinLnBrk="0" hangingPunct="1">
-        <a:lnSpc>
-          <a:spcPct val="120000"/>
-        </a:lnSpc>
+      <a:lvl8pPr marL="3429000" indent="-228600" algn="l" defTabSz="457200" rtl="0" eaLnBrk="1" latinLnBrk="0" hangingPunct="1">
         <a:spcBef>
-          <a:spcPts val="500"/>
+          <a:spcPts val="1000"/>
         </a:spcBef>
+        <a:spcAft>
+          <a:spcPts val="0"/>
+        </a:spcAft>
         <a:buClr>
           <a:schemeClr val="accent1"/>
         </a:buClr>
-        <a:buSzPct val="160000"/>
-        <a:buFont typeface="Arial" panose="020B0604020202020204" pitchFamily="34" charset="0"/>
-        <a:buChar char="•"/>
-        <a:defRPr sz="1400" kern="1200" cap="all" baseline="0">
+        <a:buSzPct val="80000"/>
+        <a:buFont typeface="Wingdings 3" charset="2"/>
+        <a:buChar char=""/>
+        <a:defRPr sz="1200" kern="1200">
           <a:solidFill>
-            <a:schemeClr val="tx1"/>
+            <a:schemeClr val="tx1">
+              <a:lumMod val="75000"/>
+              <a:lumOff val="25000"/>
+            </a:schemeClr>
           </a:solidFill>
-          <a:effectLst/>
           <a:latin typeface="+mn-lt"/>
           <a:ea typeface="+mn-ea"/>
           <a:cs typeface="+mn-cs"/>
         </a:defRPr>
       </a:lvl8pPr>
-      <a:lvl9pPr marL="3886200" indent="-228600" algn="l" defTabSz="914400" rtl="0" eaLnBrk="1" latinLnBrk="0" hangingPunct="1">
-        <a:lnSpc>
-          <a:spcPct val="120000"/>
-        </a:lnSpc>
+      <a:lvl9pPr marL="3886200" indent="-228600" algn="l" defTabSz="457200" rtl="0" eaLnBrk="1" latinLnBrk="0" hangingPunct="1">
         <a:spcBef>
-          <a:spcPts val="500"/>
+          <a:spcPts val="1000"/>
         </a:spcBef>
+        <a:spcAft>
+          <a:spcPts val="0"/>
+        </a:spcAft>
         <a:buClr>
           <a:schemeClr val="accent1"/>
         </a:buClr>
-        <a:buSzPct val="160000"/>
-        <a:buFont typeface="Arial" panose="020B0604020202020204" pitchFamily="34" charset="0"/>
-        <a:buChar char="•"/>
-        <a:defRPr sz="1400" kern="1200" cap="all" baseline="0">
+        <a:buSzPct val="80000"/>
+        <a:buFont typeface="Wingdings 3" charset="2"/>
+        <a:buChar char=""/>
+        <a:defRPr sz="1200" kern="1200">
           <a:solidFill>
-            <a:schemeClr val="tx1"/>
+            <a:schemeClr val="tx1">
+              <a:lumMod val="75000"/>
+              <a:lumOff val="25000"/>
+            </a:schemeClr>
           </a:solidFill>
-          <a:effectLst/>
           <a:latin typeface="+mn-lt"/>
           <a:ea typeface="+mn-ea"/>
           <a:cs typeface="+mn-cs"/>
@@ -6025,7 +5894,7 @@
       <a:defPPr>
         <a:defRPr lang="en-US"/>
       </a:defPPr>
-      <a:lvl1pPr marL="0" algn="l" defTabSz="914400" rtl="0" eaLnBrk="1" latinLnBrk="0" hangingPunct="1">
+      <a:lvl1pPr marL="0" algn="l" defTabSz="457200" rtl="0" eaLnBrk="1" latinLnBrk="0" hangingPunct="1">
         <a:defRPr sz="1800" kern="1200">
           <a:solidFill>
             <a:schemeClr val="tx1"/>
@@ -6035,7 +5904,7 @@
           <a:cs typeface="+mn-cs"/>
         </a:defRPr>
       </a:lvl1pPr>
-      <a:lvl2pPr marL="457200" algn="l" defTabSz="914400" rtl="0" eaLnBrk="1" latinLnBrk="0" hangingPunct="1">
+      <a:lvl2pPr marL="457200" algn="l" defTabSz="457200" rtl="0" eaLnBrk="1" latinLnBrk="0" hangingPunct="1">
         <a:defRPr sz="1800" kern="1200">
           <a:solidFill>
             <a:schemeClr val="tx1"/>
@@ -6045,7 +5914,7 @@
           <a:cs typeface="+mn-cs"/>
         </a:defRPr>
       </a:lvl2pPr>
-      <a:lvl3pPr marL="914400" algn="l" defTabSz="914400" rtl="0" eaLnBrk="1" latinLnBrk="0" hangingPunct="1">
+      <a:lvl3pPr marL="914400" algn="l" defTabSz="457200" rtl="0" eaLnBrk="1" latinLnBrk="0" hangingPunct="1">
         <a:defRPr sz="1800" kern="1200">
           <a:solidFill>
             <a:schemeClr val="tx1"/>
@@ -6055,7 +5924,7 @@
           <a:cs typeface="+mn-cs"/>
         </a:defRPr>
       </a:lvl3pPr>
-      <a:lvl4pPr marL="1371600" algn="l" defTabSz="914400" rtl="0" eaLnBrk="1" latinLnBrk="0" hangingPunct="1">
+      <a:lvl4pPr marL="1371600" algn="l" defTabSz="457200" rtl="0" eaLnBrk="1" latinLnBrk="0" hangingPunct="1">
         <a:defRPr sz="1800" kern="1200">
           <a:solidFill>
             <a:schemeClr val="tx1"/>
@@ -6065,7 +5934,7 @@
           <a:cs typeface="+mn-cs"/>
         </a:defRPr>
       </a:lvl4pPr>
-      <a:lvl5pPr marL="1828800" algn="l" defTabSz="914400" rtl="0" eaLnBrk="1" latinLnBrk="0" hangingPunct="1">
+      <a:lvl5pPr marL="1828800" algn="l" defTabSz="457200" rtl="0" eaLnBrk="1" latinLnBrk="0" hangingPunct="1">
         <a:defRPr sz="1800" kern="1200">
           <a:solidFill>
             <a:schemeClr val="tx1"/>
@@ -6075,7 +5944,7 @@
           <a:cs typeface="+mn-cs"/>
         </a:defRPr>
       </a:lvl5pPr>
-      <a:lvl6pPr marL="2286000" algn="l" defTabSz="914400" rtl="0" eaLnBrk="1" latinLnBrk="0" hangingPunct="1">
+      <a:lvl6pPr marL="2286000" algn="l" defTabSz="457200" rtl="0" eaLnBrk="1" latinLnBrk="0" hangingPunct="1">
         <a:defRPr sz="1800" kern="1200">
           <a:solidFill>
             <a:schemeClr val="tx1"/>
@@ -6085,7 +5954,7 @@
           <a:cs typeface="+mn-cs"/>
         </a:defRPr>
       </a:lvl6pPr>
-      <a:lvl7pPr marL="2743200" algn="l" defTabSz="914400" rtl="0" eaLnBrk="1" latinLnBrk="0" hangingPunct="1">
+      <a:lvl7pPr marL="2743200" algn="l" defTabSz="457200" rtl="0" eaLnBrk="1" latinLnBrk="0" hangingPunct="1">
         <a:defRPr sz="1800" kern="1200">
           <a:solidFill>
             <a:schemeClr val="tx1"/>
@@ -6095,7 +5964,7 @@
           <a:cs typeface="+mn-cs"/>
         </a:defRPr>
       </a:lvl7pPr>
-      <a:lvl8pPr marL="3200400" algn="l" defTabSz="914400" rtl="0" eaLnBrk="1" latinLnBrk="0" hangingPunct="1">
+      <a:lvl8pPr marL="3200400" algn="l" defTabSz="457200" rtl="0" eaLnBrk="1" latinLnBrk="0" hangingPunct="1">
         <a:defRPr sz="1800" kern="1200">
           <a:solidFill>
             <a:schemeClr val="tx1"/>
@@ -6105,7 +5974,7 @@
           <a:cs typeface="+mn-cs"/>
         </a:defRPr>
       </a:lvl8pPr>
-      <a:lvl9pPr marL="3657600" algn="l" defTabSz="914400" rtl="0" eaLnBrk="1" latinLnBrk="0" hangingPunct="1">
+      <a:lvl9pPr marL="3657600" algn="l" defTabSz="457200" rtl="0" eaLnBrk="1" latinLnBrk="0" hangingPunct="1">
         <a:defRPr sz="1800" kern="1200">
           <a:solidFill>
             <a:schemeClr val="tx1"/>
@@ -6196,7 +6065,7 @@
         <p:spPr/>
         <p:txBody>
           <a:bodyPr>
-            <a:normAutofit fontScale="55000" lnSpcReduction="20000"/>
+            <a:normAutofit/>
           </a:bodyPr>
           <a:lstStyle/>
           <a:p>
@@ -6298,7 +6167,7 @@
               <a:rPr lang="en-US" dirty="0">
                 <a:latin typeface="Bahnschrift" panose="020B0502040204020203" pitchFamily="34" charset="0"/>
               </a:rPr>
-              <a:t>The dashboard presents data on work-life balance, job involvement, and relationship satisfaction across various job roles in an organization. It also provides information on overtime employees and key metrics for the entire workforce.</a:t>
+              <a:t>The Dashboard presents data on work-life balance, job involvement, and relationship satisfaction across various job roles in an organization. It also provides information on overtime employees and key metrics for the entire workforce.</a:t>
             </a:r>
             <a:endParaRPr lang="en-IN" dirty="0">
               <a:latin typeface="Bahnschrift" panose="020B0502040204020203" pitchFamily="34" charset="0"/>
@@ -6907,8 +6776,8 @@
         </p:nvSpPr>
         <p:spPr bwMode="auto">
           <a:xfrm>
-            <a:off x="685800" y="2659726"/>
-            <a:ext cx="7074373" cy="2118529"/>
+            <a:off x="685800" y="2662227"/>
+            <a:ext cx="7167347" cy="2113527"/>
           </a:xfrm>
           <a:prstGeom prst="rect">
             <a:avLst/>
@@ -6972,7 +6841,7 @@
               <a:buNone/>
               <a:tabLst/>
             </a:pPr>
-            <a:endParaRPr kumimoji="0" lang="en-US" altLang="en-US" sz="1800" b="0" i="0" u="none" strike="noStrike" cap="none" normalizeH="0" baseline="0">
+            <a:endParaRPr kumimoji="0" lang="en-US" altLang="en-US" sz="1800" b="0" i="0" u="none" strike="noStrike" cap="none" normalizeH="0" baseline="0" dirty="0">
               <a:ln>
                 <a:noFill/>
               </a:ln>
@@ -6980,7 +6849,7 @@
                 <a:schemeClr val="tx1"/>
               </a:solidFill>
               <a:effectLst/>
-              <a:latin typeface="Arial" panose="020B0604020202020204" pitchFamily="34" charset="0"/>
+              <a:latin typeface="Bahnschrift" panose="020B0502040204020203" pitchFamily="34" charset="0"/>
             </a:endParaRPr>
           </a:p>
           <a:p>
@@ -7001,7 +6870,7 @@
               <a:tabLst/>
             </a:pPr>
             <a:r>
-              <a:rPr kumimoji="0" lang="en-US" altLang="en-US" sz="1800" b="0" i="0" u="none" strike="noStrike" cap="none" normalizeH="0" baseline="0">
+              <a:rPr kumimoji="0" lang="en-US" altLang="en-US" sz="1800" b="0" i="0" u="none" strike="noStrike" cap="none" normalizeH="0" baseline="0" dirty="0">
                 <a:ln>
                   <a:noFill/>
                 </a:ln>
@@ -7009,7 +6878,7 @@
                   <a:schemeClr val="tx1"/>
                 </a:solidFill>
                 <a:effectLst/>
-                <a:latin typeface="Arial" panose="020B0604020202020204" pitchFamily="34" charset="0"/>
+                <a:latin typeface="Bahnschrift" panose="020B0502040204020203" pitchFamily="34" charset="0"/>
               </a:rPr>
               <a:t>Scores range from 2.6 to 3.0. </a:t>
             </a:r>
@@ -7032,7 +6901,7 @@
               <a:tabLst/>
             </a:pPr>
             <a:r>
-              <a:rPr kumimoji="0" lang="en-US" altLang="en-US" sz="1800" b="0" i="0" u="none" strike="noStrike" cap="none" normalizeH="0" baseline="0">
+              <a:rPr kumimoji="0" lang="en-US" altLang="en-US" sz="1800" b="0" i="0" u="none" strike="noStrike" cap="none" normalizeH="0" baseline="0" dirty="0">
                 <a:ln>
                   <a:noFill/>
                 </a:ln>
@@ -7040,7 +6909,7 @@
                   <a:schemeClr val="tx1"/>
                 </a:solidFill>
                 <a:effectLst/>
-                <a:latin typeface="Arial" panose="020B0604020202020204" pitchFamily="34" charset="0"/>
+                <a:latin typeface="Bahnschrift" panose="020B0502040204020203" pitchFamily="34" charset="0"/>
               </a:rPr>
               <a:t>Human Resources has the highest satisfaction at 3.0. </a:t>
             </a:r>
@@ -7063,7 +6932,7 @@
               <a:tabLst/>
             </a:pPr>
             <a:r>
-              <a:rPr kumimoji="0" lang="en-US" altLang="en-US" sz="1800" b="0" i="0" u="none" strike="noStrike" cap="none" normalizeH="0" baseline="0">
+              <a:rPr kumimoji="0" lang="en-US" altLang="en-US" sz="1800" b="0" i="0" u="none" strike="noStrike" cap="none" normalizeH="0" baseline="0" dirty="0">
                 <a:ln>
                   <a:noFill/>
                 </a:ln>
@@ -7071,7 +6940,7 @@
                   <a:schemeClr val="tx1"/>
                 </a:solidFill>
                 <a:effectLst/>
-                <a:latin typeface="Arial" panose="020B0604020202020204" pitchFamily="34" charset="0"/>
+                <a:latin typeface="Bahnschrift" panose="020B0502040204020203" pitchFamily="34" charset="0"/>
               </a:rPr>
               <a:t>Sales Representative has the lowest at 2.6. </a:t>
             </a:r>
@@ -7094,7 +6963,7 @@
               <a:tabLst/>
             </a:pPr>
             <a:r>
-              <a:rPr kumimoji="0" lang="en-US" altLang="en-US" sz="1800" b="0" i="0" u="none" strike="noStrike" cap="none" normalizeH="0" baseline="0">
+              <a:rPr kumimoji="0" lang="en-US" altLang="en-US" sz="1800" b="0" i="0" u="none" strike="noStrike" cap="none" normalizeH="0" baseline="0" dirty="0">
                 <a:ln>
                   <a:noFill/>
                 </a:ln>
@@ -7102,7 +6971,7 @@
                   <a:schemeClr val="tx1"/>
                 </a:solidFill>
                 <a:effectLst/>
-                <a:latin typeface="Arial" panose="020B0604020202020204" pitchFamily="34" charset="0"/>
+                <a:latin typeface="Bahnschrift" panose="020B0502040204020203" pitchFamily="34" charset="0"/>
               </a:rPr>
               <a:t>Most roles score 2.7, indicating moderate relationship satisfaction. </a:t>
             </a:r>
@@ -7250,7 +7119,7 @@
               <a:buNone/>
               <a:tabLst/>
             </a:pPr>
-            <a:endParaRPr kumimoji="0" lang="en-US" altLang="en-US" sz="1800" b="0" i="0" u="none" strike="noStrike" cap="none" normalizeH="0" baseline="0">
+            <a:endParaRPr kumimoji="0" lang="en-US" altLang="en-US" sz="1800" b="0" i="0" u="none" strike="noStrike" cap="none" normalizeH="0" baseline="0" dirty="0">
               <a:ln>
                 <a:noFill/>
               </a:ln>
@@ -7258,7 +7127,7 @@
                 <a:schemeClr val="tx1"/>
               </a:solidFill>
               <a:effectLst/>
-              <a:latin typeface="Arial" panose="020B0604020202020204" pitchFamily="34" charset="0"/>
+              <a:latin typeface="Bahnschrift" panose="020B0502040204020203" pitchFamily="34" charset="0"/>
             </a:endParaRPr>
           </a:p>
           <a:p>
@@ -7279,7 +7148,7 @@
               <a:tabLst/>
             </a:pPr>
             <a:r>
-              <a:rPr kumimoji="0" lang="en-US" altLang="en-US" sz="1800" b="0" i="0" u="none" strike="noStrike" cap="none" normalizeH="0" baseline="0">
+              <a:rPr kumimoji="0" lang="en-US" altLang="en-US" sz="1800" b="0" i="0" u="none" strike="noStrike" cap="none" normalizeH="0" baseline="0" dirty="0">
                 <a:ln>
                   <a:noFill/>
                 </a:ln>
@@ -7287,7 +7156,7 @@
                   <a:schemeClr val="tx1"/>
                 </a:solidFill>
                 <a:effectLst/>
-                <a:latin typeface="Arial" panose="020B0604020202020204" pitchFamily="34" charset="0"/>
+                <a:latin typeface="Bahnschrift" panose="020B0502040204020203" pitchFamily="34" charset="0"/>
               </a:rPr>
               <a:t>The chart shows overtime data for three departments: Human Resources, Sales, and Research &amp; Development. </a:t>
             </a:r>
@@ -7310,7 +7179,7 @@
               <a:tabLst/>
             </a:pPr>
             <a:r>
-              <a:rPr kumimoji="0" lang="en-US" altLang="en-US" sz="1800" b="0" i="0" u="none" strike="noStrike" cap="none" normalizeH="0" baseline="0">
+              <a:rPr kumimoji="0" lang="en-US" altLang="en-US" sz="1800" b="0" i="0" u="none" strike="noStrike" cap="none" normalizeH="0" baseline="0" dirty="0">
                 <a:ln>
                   <a:noFill/>
                 </a:ln>
@@ -7318,7 +7187,7 @@
                   <a:schemeClr val="tx1"/>
                 </a:solidFill>
                 <a:effectLst/>
-                <a:latin typeface="Arial" panose="020B0604020202020204" pitchFamily="34" charset="0"/>
+                <a:latin typeface="Bahnschrift" panose="020B0502040204020203" pitchFamily="34" charset="0"/>
               </a:rPr>
               <a:t>Research &amp; Development has the highest number of overtime employees (271 Yes, 690 No). </a:t>
             </a:r>
@@ -7341,7 +7210,7 @@
               <a:tabLst/>
             </a:pPr>
             <a:r>
-              <a:rPr kumimoji="0" lang="en-US" altLang="en-US" sz="1800" b="0" i="0" u="none" strike="noStrike" cap="none" normalizeH="0" baseline="0">
+              <a:rPr kumimoji="0" lang="en-US" altLang="en-US" sz="1800" b="0" i="0" u="none" strike="noStrike" cap="none" normalizeH="0" baseline="0" dirty="0">
                 <a:ln>
                   <a:noFill/>
                 </a:ln>
@@ -7349,7 +7218,7 @@
                   <a:schemeClr val="tx1"/>
                 </a:solidFill>
                 <a:effectLst/>
-                <a:latin typeface="Arial" panose="020B0604020202020204" pitchFamily="34" charset="0"/>
+                <a:latin typeface="Bahnschrift" panose="020B0502040204020203" pitchFamily="34" charset="0"/>
               </a:rPr>
               <a:t>Sales has a significant number of overtime workers (128 Yes, 318 No). </a:t>
             </a:r>
@@ -7372,7 +7241,7 @@
               <a:tabLst/>
             </a:pPr>
             <a:r>
-              <a:rPr kumimoji="0" lang="en-US" altLang="en-US" sz="1800" b="0" i="0" u="none" strike="noStrike" cap="none" normalizeH="0" baseline="0">
+              <a:rPr kumimoji="0" lang="en-US" altLang="en-US" sz="1800" b="0" i="0" u="none" strike="noStrike" cap="none" normalizeH="0" baseline="0" dirty="0">
                 <a:ln>
                   <a:noFill/>
                 </a:ln>
@@ -7380,7 +7249,7 @@
                   <a:schemeClr val="tx1"/>
                 </a:solidFill>
                 <a:effectLst/>
-                <a:latin typeface="Arial" panose="020B0604020202020204" pitchFamily="34" charset="0"/>
+                <a:latin typeface="Bahnschrift" panose="020B0502040204020203" pitchFamily="34" charset="0"/>
               </a:rPr>
               <a:t>Human Resources has the least overtime (17 Yes, 46 No). </a:t>
             </a:r>
@@ -7467,7 +7336,7 @@
         <p:spPr/>
         <p:txBody>
           <a:bodyPr>
-            <a:normAutofit fontScale="85000" lnSpcReduction="10000"/>
+            <a:normAutofit/>
           </a:bodyPr>
           <a:lstStyle/>
           <a:p>
@@ -7537,9 +7406,9 @@
 </file>
 
 <file path=ppt/theme/theme1.xml><?xml version="1.0" encoding="utf-8"?>
-<a:theme xmlns:a="http://schemas.openxmlformats.org/drawingml/2006/main" name="Main Event">
+<a:theme xmlns:a="http://schemas.openxmlformats.org/drawingml/2006/main" name="Facet">
   <a:themeElements>
-    <a:clrScheme name="Main Event">
+    <a:clrScheme name="Facet">
       <a:dk1>
         <a:sysClr val="windowText" lastClr="000000"/>
       </a:dk1>
@@ -7547,52 +7416,52 @@
         <a:sysClr val="window" lastClr="FFFFFF"/>
       </a:lt1>
       <a:dk2>
-        <a:srgbClr val="424242"/>
+        <a:srgbClr val="2C3C43"/>
       </a:dk2>
       <a:lt2>
-        <a:srgbClr val="C8C8C8"/>
+        <a:srgbClr val="EBEBEB"/>
       </a:lt2>
       <a:accent1>
-        <a:srgbClr val="B80E0F"/>
+        <a:srgbClr val="90C226"/>
       </a:accent1>
       <a:accent2>
-        <a:srgbClr val="A6987D"/>
+        <a:srgbClr val="54A021"/>
       </a:accent2>
       <a:accent3>
-        <a:srgbClr val="7F9A71"/>
+        <a:srgbClr val="E6B91E"/>
       </a:accent3>
       <a:accent4>
-        <a:srgbClr val="64969F"/>
+        <a:srgbClr val="E76618"/>
       </a:accent4>
       <a:accent5>
-        <a:srgbClr val="9B75B2"/>
+        <a:srgbClr val="C42F1A"/>
       </a:accent5>
       <a:accent6>
-        <a:srgbClr val="80737A"/>
+        <a:srgbClr val="918655"/>
       </a:accent6>
       <a:hlink>
-        <a:srgbClr val="F21213"/>
+        <a:srgbClr val="99CA3C"/>
       </a:hlink>
       <a:folHlink>
-        <a:srgbClr val="B6A394"/>
+        <a:srgbClr val="B9D181"/>
       </a:folHlink>
     </a:clrScheme>
-    <a:fontScheme name="Main Event">
+    <a:fontScheme name="Facet">
       <a:majorFont>
-        <a:latin typeface="Impact" panose="020B0806030902050204"/>
+        <a:latin typeface="Trebuchet MS" panose="020B0603020202020204"/>
         <a:ea typeface=""/>
         <a:cs typeface=""/>
-        <a:font script="Jpan" typeface="ＭＳ Ｐゴシック"/>
+        <a:font script="Jpan" typeface="メイリオ"/>
         <a:font script="Hang" typeface="맑은 고딕"/>
-        <a:font script="Hans" typeface="宋体"/>
-        <a:font script="Hant" typeface="新細明體"/>
-        <a:font script="Arab" typeface="Times New Roman"/>
-        <a:font script="Hebr" typeface="Times New Roman"/>
-        <a:font script="Thai" typeface="Angsana New"/>
+        <a:font script="Hans" typeface="方正姚体"/>
+        <a:font script="Hant" typeface="微軟正黑體"/>
+        <a:font script="Arab" typeface="Tahoma"/>
+        <a:font script="Hebr" typeface="Arial"/>
+        <a:font script="Thai" typeface="Cordia New"/>
         <a:font script="Ethi" typeface="Nyala"/>
         <a:font script="Beng" typeface="Vrinda"/>
         <a:font script="Gujr" typeface="Shruti"/>
-        <a:font script="Khmr" typeface="MoolBoran"/>
+        <a:font script="Khmr" typeface="DaunPenh"/>
         <a:font script="Knda" typeface="Tunga"/>
         <a:font script="Guru" typeface="Raavi"/>
         <a:font script="Cans" typeface="Euphemia"/>
@@ -7609,21 +7478,21 @@
         <a:font script="Laoo" typeface="DokChampa"/>
         <a:font script="Sinh" typeface="Iskoola Pota"/>
         <a:font script="Mong" typeface="Mongolian Baiti"/>
-        <a:font script="Viet" typeface="Times New Roman"/>
+        <a:font script="Viet" typeface="Tahoma"/>
         <a:font script="Uigh" typeface="Microsoft Uighur"/>
         <a:font script="Geor" typeface="Sylfaen"/>
       </a:majorFont>
       <a:minorFont>
-        <a:latin typeface="Impact" panose="020B0806030902050204"/>
+        <a:latin typeface="Trebuchet MS" panose="020B0603020202020204"/>
         <a:ea typeface=""/>
         <a:cs typeface=""/>
-        <a:font script="Jpan" typeface="ＭＳ Ｐゴシック"/>
-        <a:font script="Hang" typeface="맑은 고딕"/>
-        <a:font script="Hans" typeface="宋体"/>
-        <a:font script="Hant" typeface="新細明體"/>
-        <a:font script="Arab" typeface="Arial"/>
-        <a:font script="Hebr" typeface="Arial"/>
-        <a:font script="Thai" typeface="Cordia New"/>
+        <a:font script="Jpan" typeface="メイリオ"/>
+        <a:font script="Hang" typeface="HY그래픽M"/>
+        <a:font script="Hans" typeface="华文新魏"/>
+        <a:font script="Hant" typeface="微軟正黑體"/>
+        <a:font script="Arab" typeface="Tahoma"/>
+        <a:font script="Hebr" typeface="Gisha"/>
+        <a:font script="Thai" typeface="IrisUPC"/>
         <a:font script="Ethi" typeface="Nyala"/>
         <a:font script="Beng" typeface="Vrinda"/>
         <a:font script="Gujr" typeface="Shruti"/>
@@ -7649,47 +7518,59 @@
         <a:font script="Geor" typeface="Sylfaen"/>
       </a:minorFont>
     </a:fontScheme>
-    <a:fmtScheme name="Main Event">
+    <a:fmtScheme name="Facet">
       <a:fillStyleLst>
         <a:solidFill>
           <a:schemeClr val="phClr"/>
         </a:solidFill>
-        <a:solidFill>
-          <a:schemeClr val="phClr">
-            <a:tint val="69000"/>
-            <a:satMod val="105000"/>
-            <a:lumMod val="110000"/>
-          </a:schemeClr>
-        </a:solidFill>
-        <a:blipFill>
-          <a:blip xmlns:r="http://schemas.openxmlformats.org/officeDocument/2006/relationships" r:embed="rId1">
-            <a:duotone>
+        <a:gradFill rotWithShape="1">
+          <a:gsLst>
+            <a:gs pos="0">
               <a:schemeClr val="phClr">
-                <a:shade val="88000"/>
-                <a:lumMod val="88000"/>
+                <a:tint val="65000"/>
+                <a:lumMod val="110000"/>
               </a:schemeClr>
-              <a:schemeClr val="phClr"/>
-            </a:duotone>
-          </a:blip>
-          <a:tile tx="0" ty="0" sx="100000" sy="100000" flip="none" algn="tl"/>
-        </a:blipFill>
+            </a:gs>
+            <a:gs pos="88000">
+              <a:schemeClr val="phClr">
+                <a:tint val="90000"/>
+              </a:schemeClr>
+            </a:gs>
+          </a:gsLst>
+          <a:lin ang="5400000" scaled="0"/>
+        </a:gradFill>
+        <a:gradFill rotWithShape="1">
+          <a:gsLst>
+            <a:gs pos="0">
+              <a:schemeClr val="phClr">
+                <a:tint val="96000"/>
+                <a:lumMod val="100000"/>
+              </a:schemeClr>
+            </a:gs>
+            <a:gs pos="78000">
+              <a:schemeClr val="phClr">
+                <a:shade val="94000"/>
+                <a:lumMod val="94000"/>
+              </a:schemeClr>
+            </a:gs>
+          </a:gsLst>
+          <a:lin ang="5400000" scaled="0"/>
+        </a:gradFill>
       </a:fillStyleLst>
       <a:lnStyleLst>
-        <a:ln w="9525" cap="flat" cmpd="sng" algn="ctr">
-          <a:solidFill>
-            <a:schemeClr val="phClr">
-              <a:shade val="60000"/>
-            </a:schemeClr>
-          </a:solidFill>
-          <a:prstDash val="solid"/>
-        </a:ln>
-        <a:ln w="19050" cap="flat" cmpd="sng" algn="ctr">
+        <a:ln w="12700" cap="rnd" cmpd="sng" algn="ctr">
           <a:solidFill>
             <a:schemeClr val="phClr"/>
           </a:solidFill>
           <a:prstDash val="solid"/>
         </a:ln>
-        <a:ln w="25400" cap="flat" cmpd="sng" algn="ctr">
+        <a:ln w="19050" cap="rnd" cmpd="sng" algn="ctr">
+          <a:solidFill>
+            <a:schemeClr val="phClr"/>
+          </a:solidFill>
+          <a:prstDash val="solid"/>
+        </a:ln>
+        <a:ln w="25400" cap="rnd" cmpd="sng" algn="ctr">
           <a:solidFill>
             <a:schemeClr val="phClr"/>
           </a:solidFill>
@@ -7701,16 +7582,31 @@
           <a:effectLst/>
         </a:effectStyle>
         <a:effectStyle>
-          <a:effectLst/>
+          <a:effectLst>
+            <a:outerShdw blurRad="38100" dist="25400" dir="5400000" rotWithShape="0">
+              <a:srgbClr val="000000">
+                <a:alpha val="35000"/>
+              </a:srgbClr>
+            </a:outerShdw>
+          </a:effectLst>
         </a:effectStyle>
         <a:effectStyle>
           <a:effectLst>
-            <a:outerShdw blurRad="25400" dist="12700" dir="5400000" rotWithShape="0">
+            <a:outerShdw blurRad="50800" dist="38100" dir="5400000" rotWithShape="0">
               <a:srgbClr val="000000">
-                <a:alpha val="60000"/>
+                <a:alpha val="35000"/>
               </a:srgbClr>
             </a:outerShdw>
           </a:effectLst>
+          <a:scene3d>
+            <a:camera prst="orthographicFront">
+              <a:rot lat="0" lon="0" rev="0"/>
+            </a:camera>
+            <a:lightRig rig="threePt" dir="tl"/>
+          </a:scene3d>
+          <a:sp3d prstMaterial="plastic">
+            <a:bevelT w="0" h="0"/>
+          </a:sp3d>
         </a:effectStyle>
       </a:effectStyleLst>
       <a:bgFillStyleLst>
@@ -7722,34 +7618,37 @@
             <a:gs pos="0">
               <a:schemeClr val="phClr">
                 <a:tint val="90000"/>
+                <a:lumMod val="104000"/>
+              </a:schemeClr>
+            </a:gs>
+            <a:gs pos="94000">
+              <a:schemeClr val="phClr">
+                <a:shade val="96000"/>
+                <a:lumMod val="82000"/>
+              </a:schemeClr>
+            </a:gs>
+          </a:gsLst>
+          <a:lin ang="5400000" scaled="0"/>
+        </a:gradFill>
+        <a:gradFill rotWithShape="1">
+          <a:gsLst>
+            <a:gs pos="0">
+              <a:schemeClr val="phClr">
+                <a:tint val="90000"/>
                 <a:lumMod val="110000"/>
               </a:schemeClr>
             </a:gs>
             <a:gs pos="100000">
               <a:schemeClr val="phClr">
-                <a:shade val="88000"/>
-                <a:lumMod val="88000"/>
+                <a:shade val="94000"/>
+                <a:lumMod val="96000"/>
               </a:schemeClr>
             </a:gs>
           </a:gsLst>
-          <a:lin ang="5400000" scaled="0"/>
+          <a:path path="circle">
+            <a:fillToRect l="50000" t="50000" r="100000" b="100000"/>
+          </a:path>
         </a:gradFill>
-        <a:blipFill>
-          <a:blip xmlns:r="http://schemas.openxmlformats.org/officeDocument/2006/relationships" r:embed="rId2">
-            <a:duotone>
-              <a:schemeClr val="phClr">
-                <a:shade val="48000"/>
-                <a:satMod val="110000"/>
-                <a:lumMod val="40000"/>
-              </a:schemeClr>
-              <a:schemeClr val="phClr">
-                <a:tint val="90000"/>
-                <a:lumMod val="106000"/>
-              </a:schemeClr>
-            </a:duotone>
-          </a:blip>
-          <a:stretch/>
-        </a:blipFill>
       </a:bgFillStyleLst>
     </a:fmtScheme>
   </a:themeElements>
@@ -7757,7 +7656,7 @@
   <a:extraClrSchemeLst/>
   <a:extLst>
     <a:ext uri="{05A4C25C-085E-4340-85A3-A5531E510DB2}">
-      <thm15:themeFamily xmlns:thm15="http://schemas.microsoft.com/office/thememl/2012/main" name="Main Event" id="{AC372BB4-D83D-411E-B849-B641926BA760}" vid="{F1EFBDE3-1A95-4E3D-81AD-1F53D65BEA01}"/>
+      <thm15:themeFamily xmlns:thm15="http://schemas.microsoft.com/office/thememl/2012/main" name="Facet" id="{C0C680CD-088A-49FC-A102-D699147F32B2}" vid="{CFBC31BA-B70F-4F30-BCAA-4F3011E16C4D}"/>
     </a:ext>
   </a:extLst>
 </a:theme>
